--- a/Anglais/ORAL_3/Pereira_Doffemont_Minecraft_OpenAI.pptx
+++ b/Anglais/ORAL_3/Pereira_Doffemont_Minecraft_OpenAI.pptx
@@ -5,18 +5,23 @@
     <p:sldMasterId id="2147483648" r:id="rId4"/>
   </p:sldMasterIdLst>
   <p:notesMasterIdLst>
-    <p:notesMasterId r:id="rId14"/>
+    <p:notesMasterId r:id="rId19"/>
   </p:notesMasterIdLst>
   <p:sldIdLst>
     <p:sldId id="256" r:id="rId5"/>
     <p:sldId id="257" r:id="rId6"/>
     <p:sldId id="258" r:id="rId7"/>
     <p:sldId id="259" r:id="rId8"/>
-    <p:sldId id="260" r:id="rId9"/>
-    <p:sldId id="261" r:id="rId10"/>
-    <p:sldId id="262" r:id="rId11"/>
-    <p:sldId id="263" r:id="rId12"/>
-    <p:sldId id="264" r:id="rId13"/>
+    <p:sldId id="269" r:id="rId9"/>
+    <p:sldId id="260" r:id="rId10"/>
+    <p:sldId id="267" r:id="rId11"/>
+    <p:sldId id="268" r:id="rId12"/>
+    <p:sldId id="261" r:id="rId13"/>
+    <p:sldId id="262" r:id="rId14"/>
+    <p:sldId id="263" r:id="rId15"/>
+    <p:sldId id="264" r:id="rId16"/>
+    <p:sldId id="265" r:id="rId17"/>
+    <p:sldId id="266" r:id="rId18"/>
   </p:sldIdLst>
   <p:sldSz cx="9144000" cy="6858000" type="screen4x3"/>
   <p:notesSz cx="6858000" cy="9144000"/>
@@ -217,7 +222,7 @@
             <a:fld id="{3E5A5963-AF4B-496C-AEFE-B82207452C08}" type="datetimeFigureOut">
               <a:rPr lang="en-US" smtClean="0"/>
               <a:pPr/>
-              <a:t>11/17/2022</a:t>
+              <a:t>11/29/2022</a:t>
             </a:fld>
             <a:endParaRPr lang="en-US"/>
           </a:p>
@@ -875,7 +880,7 @@
                 </a:solidFill>
               </a:rPr>
               <a:pPr/>
-              <a:t>11/17/2022</a:t>
+              <a:t>11/29/2022</a:t>
             </a:fld>
             <a:endParaRPr lang="en-US">
               <a:solidFill>
@@ -1118,7 +1123,7 @@
                 </a:solidFill>
               </a:rPr>
               <a:pPr/>
-              <a:t>11/17/2022</a:t>
+              <a:t>11/29/2022</a:t>
             </a:fld>
             <a:endParaRPr lang="en-US">
               <a:solidFill>
@@ -1685,6 +1690,2639 @@
 </p:sld>
 </file>
 
+<file path=ppt/slides/slide10.xml><?xml version="1.0" encoding="utf-8"?>
+<p:sld xmlns:a="http://schemas.openxmlformats.org/drawingml/2006/main" xmlns:r="http://schemas.openxmlformats.org/officeDocument/2006/relationships" xmlns:p="http://schemas.openxmlformats.org/presentationml/2006/main">
+  <p:cSld>
+    <p:spTree>
+      <p:nvGrpSpPr>
+        <p:cNvPr id="1" name=""/>
+        <p:cNvGrpSpPr/>
+        <p:nvPr/>
+      </p:nvGrpSpPr>
+      <p:grpSpPr>
+        <a:xfrm>
+          <a:off x="0" y="0"/>
+          <a:ext cx="0" cy="0"/>
+          <a:chOff x="0" y="0"/>
+          <a:chExt cx="0" cy="0"/>
+        </a:xfrm>
+      </p:grpSpPr>
+      <p:sp>
+        <p:nvSpPr>
+          <p:cNvPr id="4" name="ZoneTexte 3">
+            <a:extLst>
+              <a:ext uri="{FF2B5EF4-FFF2-40B4-BE49-F238E27FC236}">
+                <a16:creationId xmlns:a16="http://schemas.microsoft.com/office/drawing/2014/main" id="{5B83E49B-2489-EF47-0DC8-214B6E733633}"/>
+              </a:ext>
+            </a:extLst>
+          </p:cNvPr>
+          <p:cNvSpPr txBox="1"/>
+          <p:nvPr/>
+        </p:nvSpPr>
+        <p:spPr>
+          <a:xfrm>
+            <a:off x="467406" y="836712"/>
+            <a:ext cx="8209188" cy="707886"/>
+          </a:xfrm>
+          <a:prstGeom prst="rect">
+            <a:avLst/>
+          </a:prstGeom>
+          <a:solidFill>
+            <a:schemeClr val="bg1"/>
+          </a:solidFill>
+          <a:ln>
+            <a:solidFill>
+              <a:schemeClr val="tx1"/>
+            </a:solidFill>
+          </a:ln>
+        </p:spPr>
+        <p:style>
+          <a:lnRef idx="2">
+            <a:schemeClr val="dk1"/>
+          </a:lnRef>
+          <a:fillRef idx="1">
+            <a:schemeClr val="lt1"/>
+          </a:fillRef>
+          <a:effectRef idx="0">
+            <a:schemeClr val="dk1"/>
+          </a:effectRef>
+          <a:fontRef idx="minor">
+            <a:schemeClr val="dk1"/>
+          </a:fontRef>
+        </p:style>
+        <p:txBody>
+          <a:bodyPr wrap="square" rtlCol="0">
+            <a:spAutoFit/>
+          </a:bodyPr>
+          <a:lstStyle/>
+          <a:p>
+            <a:pPr algn="ctr"/>
+            <a:r>
+              <a:rPr lang="fr-FR" sz="4000" b="1" dirty="0">
+                <a:solidFill>
+                  <a:schemeClr val="tx1"/>
+                </a:solidFill>
+                <a:latin typeface="Aharoni" panose="02010803020104030203" pitchFamily="2" charset="-79"/>
+                <a:cs typeface="Aharoni" panose="02010803020104030203" pitchFamily="2" charset="-79"/>
+              </a:rPr>
+              <a:t>Methods </a:t>
+            </a:r>
+            <a:r>
+              <a:rPr lang="fr-FR" sz="4000" b="1" dirty="0" err="1">
+                <a:solidFill>
+                  <a:schemeClr val="tx1"/>
+                </a:solidFill>
+                <a:latin typeface="Aharoni" panose="02010803020104030203" pitchFamily="2" charset="-79"/>
+                <a:cs typeface="Aharoni" panose="02010803020104030203" pitchFamily="2" charset="-79"/>
+              </a:rPr>
+              <a:t>Used</a:t>
+            </a:r>
+            <a:endParaRPr lang="fr-FR" sz="4000" b="1" dirty="0">
+              <a:solidFill>
+                <a:schemeClr val="tx1"/>
+              </a:solidFill>
+              <a:latin typeface="Aharoni" panose="02010803020104030203" pitchFamily="2" charset="-79"/>
+              <a:cs typeface="Aharoni" panose="02010803020104030203" pitchFamily="2" charset="-79"/>
+            </a:endParaRPr>
+          </a:p>
+        </p:txBody>
+      </p:sp>
+      <p:sp>
+        <p:nvSpPr>
+          <p:cNvPr id="8" name="ZoneTexte 7">
+            <a:extLst>
+              <a:ext uri="{FF2B5EF4-FFF2-40B4-BE49-F238E27FC236}">
+                <a16:creationId xmlns:a16="http://schemas.microsoft.com/office/drawing/2014/main" id="{2B311EC8-09C8-80FF-0ECF-204893ED1FF2}"/>
+              </a:ext>
+            </a:extLst>
+          </p:cNvPr>
+          <p:cNvSpPr txBox="1"/>
+          <p:nvPr/>
+        </p:nvSpPr>
+        <p:spPr>
+          <a:xfrm>
+            <a:off x="2162607" y="3700640"/>
+            <a:ext cx="4818780" cy="646331"/>
+          </a:xfrm>
+          <a:prstGeom prst="rect">
+            <a:avLst/>
+          </a:prstGeom>
+          <a:solidFill>
+            <a:schemeClr val="bg1"/>
+          </a:solidFill>
+          <a:ln w="57150">
+            <a:solidFill>
+              <a:schemeClr val="tx1">
+                <a:lumMod val="75000"/>
+              </a:schemeClr>
+            </a:solidFill>
+          </a:ln>
+        </p:spPr>
+        <p:txBody>
+          <a:bodyPr wrap="square" rtlCol="0">
+            <a:spAutoFit/>
+          </a:bodyPr>
+          <a:lstStyle/>
+          <a:p>
+            <a:pPr algn="ctr"/>
+            <a:r>
+              <a:rPr lang="fr-FR" sz="3600" b="1" dirty="0" err="1"/>
+              <a:t>Labeled</a:t>
+            </a:r>
+            <a:r>
+              <a:rPr lang="fr-FR" sz="3600" b="1" dirty="0"/>
+              <a:t> Contractor Data</a:t>
+            </a:r>
+          </a:p>
+        </p:txBody>
+      </p:sp>
+      <p:pic>
+        <p:nvPicPr>
+          <p:cNvPr id="3" name="Image 2">
+            <a:extLst>
+              <a:ext uri="{FF2B5EF4-FFF2-40B4-BE49-F238E27FC236}">
+                <a16:creationId xmlns:a16="http://schemas.microsoft.com/office/drawing/2014/main" id="{F821E293-60E6-AF5D-55E3-65BE41E38D4D}"/>
+              </a:ext>
+            </a:extLst>
+          </p:cNvPr>
+          <p:cNvPicPr>
+            <a:picLocks noChangeAspect="1"/>
+          </p:cNvPicPr>
+          <p:nvPr/>
+        </p:nvPicPr>
+        <p:blipFill>
+          <a:blip r:embed="rId2"/>
+          <a:stretch>
+            <a:fillRect/>
+          </a:stretch>
+        </p:blipFill>
+        <p:spPr>
+          <a:xfrm>
+            <a:off x="2385705" y="1841460"/>
+            <a:ext cx="4372585" cy="1562318"/>
+          </a:xfrm>
+          <a:prstGeom prst="rect">
+            <a:avLst/>
+          </a:prstGeom>
+          <a:ln w="57150">
+            <a:solidFill>
+              <a:schemeClr val="tx1">
+                <a:lumMod val="75000"/>
+              </a:schemeClr>
+            </a:solidFill>
+          </a:ln>
+        </p:spPr>
+      </p:pic>
+      <p:sp>
+        <p:nvSpPr>
+          <p:cNvPr id="9" name="ZoneTexte 8">
+            <a:extLst>
+              <a:ext uri="{FF2B5EF4-FFF2-40B4-BE49-F238E27FC236}">
+                <a16:creationId xmlns:a16="http://schemas.microsoft.com/office/drawing/2014/main" id="{D2F47EBB-2029-1944-C129-765927F3C392}"/>
+              </a:ext>
+            </a:extLst>
+          </p:cNvPr>
+          <p:cNvSpPr txBox="1"/>
+          <p:nvPr/>
+        </p:nvSpPr>
+        <p:spPr>
+          <a:xfrm>
+            <a:off x="3115271" y="4799470"/>
+            <a:ext cx="2913449" cy="646331"/>
+          </a:xfrm>
+          <a:prstGeom prst="rect">
+            <a:avLst/>
+          </a:prstGeom>
+          <a:solidFill>
+            <a:schemeClr val="bg1"/>
+          </a:solidFill>
+          <a:ln w="57150">
+            <a:solidFill>
+              <a:schemeClr val="tx1">
+                <a:lumMod val="75000"/>
+              </a:schemeClr>
+            </a:solidFill>
+          </a:ln>
+        </p:spPr>
+        <p:txBody>
+          <a:bodyPr wrap="square" rtlCol="0">
+            <a:spAutoFit/>
+          </a:bodyPr>
+          <a:lstStyle/>
+          <a:p>
+            <a:pPr algn="ctr"/>
+            <a:r>
+              <a:rPr lang="fr-FR" sz="3600" b="1" dirty="0"/>
+              <a:t>Train the IDM</a:t>
+            </a:r>
+          </a:p>
+        </p:txBody>
+      </p:sp>
+      <p:sp>
+        <p:nvSpPr>
+          <p:cNvPr id="12" name="ZoneTexte 11">
+            <a:extLst>
+              <a:ext uri="{FF2B5EF4-FFF2-40B4-BE49-F238E27FC236}">
+                <a16:creationId xmlns:a16="http://schemas.microsoft.com/office/drawing/2014/main" id="{CBB03CB3-658C-DC02-28DC-81C44C5A6CE4}"/>
+              </a:ext>
+            </a:extLst>
+          </p:cNvPr>
+          <p:cNvSpPr txBox="1"/>
+          <p:nvPr/>
+        </p:nvSpPr>
+        <p:spPr>
+          <a:xfrm>
+            <a:off x="791575" y="5898300"/>
+            <a:ext cx="7560840" cy="646331"/>
+          </a:xfrm>
+          <a:prstGeom prst="rect">
+            <a:avLst/>
+          </a:prstGeom>
+          <a:solidFill>
+            <a:schemeClr val="bg1"/>
+          </a:solidFill>
+          <a:ln w="57150">
+            <a:solidFill>
+              <a:schemeClr val="tx1">
+                <a:lumMod val="75000"/>
+              </a:schemeClr>
+            </a:solidFill>
+          </a:ln>
+        </p:spPr>
+        <p:txBody>
+          <a:bodyPr wrap="square" rtlCol="0">
+            <a:spAutoFit/>
+          </a:bodyPr>
+          <a:lstStyle/>
+          <a:p>
+            <a:pPr algn="ctr"/>
+            <a:r>
+              <a:rPr lang="en-US" sz="3600" b="1" dirty="0"/>
+              <a:t> Can be used to label online videos</a:t>
+            </a:r>
+            <a:endParaRPr lang="fr-FR" sz="3600" b="1" dirty="0"/>
+          </a:p>
+        </p:txBody>
+      </p:sp>
+      <p:cxnSp>
+        <p:nvCxnSpPr>
+          <p:cNvPr id="14" name="Connecteur : en angle 13">
+            <a:extLst>
+              <a:ext uri="{FF2B5EF4-FFF2-40B4-BE49-F238E27FC236}">
+                <a16:creationId xmlns:a16="http://schemas.microsoft.com/office/drawing/2014/main" id="{9DD51E81-20C5-0667-2A2D-EDAAD9D02A1F}"/>
+              </a:ext>
+            </a:extLst>
+          </p:cNvPr>
+          <p:cNvCxnSpPr>
+            <a:cxnSpLocks/>
+            <a:stCxn id="8" idx="2"/>
+            <a:endCxn id="9" idx="0"/>
+          </p:cNvCxnSpPr>
+          <p:nvPr/>
+        </p:nvCxnSpPr>
+        <p:spPr>
+          <a:xfrm rot="5400000">
+            <a:off x="4345748" y="4573220"/>
+            <a:ext cx="452499" cy="1"/>
+          </a:xfrm>
+          <a:prstGeom prst="bentConnector3">
+            <a:avLst>
+              <a:gd name="adj1" fmla="val 50000"/>
+            </a:avLst>
+          </a:prstGeom>
+          <a:ln w="57150">
+            <a:solidFill>
+              <a:schemeClr val="tx1"/>
+            </a:solidFill>
+            <a:tailEnd type="triangle"/>
+          </a:ln>
+        </p:spPr>
+        <p:style>
+          <a:lnRef idx="1">
+            <a:schemeClr val="accent1"/>
+          </a:lnRef>
+          <a:fillRef idx="0">
+            <a:schemeClr val="accent1"/>
+          </a:fillRef>
+          <a:effectRef idx="0">
+            <a:schemeClr val="accent1"/>
+          </a:effectRef>
+          <a:fontRef idx="minor">
+            <a:schemeClr val="tx1"/>
+          </a:fontRef>
+        </p:style>
+      </p:cxnSp>
+      <p:cxnSp>
+        <p:nvCxnSpPr>
+          <p:cNvPr id="18" name="Connecteur : en angle 17">
+            <a:extLst>
+              <a:ext uri="{FF2B5EF4-FFF2-40B4-BE49-F238E27FC236}">
+                <a16:creationId xmlns:a16="http://schemas.microsoft.com/office/drawing/2014/main" id="{0C72FECE-4ABB-AD12-8F3C-00CBC910F888}"/>
+              </a:ext>
+            </a:extLst>
+          </p:cNvPr>
+          <p:cNvCxnSpPr>
+            <a:cxnSpLocks/>
+            <a:stCxn id="9" idx="2"/>
+            <a:endCxn id="12" idx="0"/>
+          </p:cNvCxnSpPr>
+          <p:nvPr/>
+        </p:nvCxnSpPr>
+        <p:spPr>
+          <a:xfrm rot="5400000">
+            <a:off x="4345747" y="5672050"/>
+            <a:ext cx="452499" cy="1"/>
+          </a:xfrm>
+          <a:prstGeom prst="bentConnector3">
+            <a:avLst>
+              <a:gd name="adj1" fmla="val 50000"/>
+            </a:avLst>
+          </a:prstGeom>
+          <a:ln w="57150">
+            <a:solidFill>
+              <a:schemeClr val="tx1"/>
+            </a:solidFill>
+            <a:tailEnd type="triangle"/>
+          </a:ln>
+        </p:spPr>
+        <p:style>
+          <a:lnRef idx="1">
+            <a:schemeClr val="accent1"/>
+          </a:lnRef>
+          <a:fillRef idx="0">
+            <a:schemeClr val="accent1"/>
+          </a:fillRef>
+          <a:effectRef idx="0">
+            <a:schemeClr val="accent1"/>
+          </a:effectRef>
+          <a:fontRef idx="minor">
+            <a:schemeClr val="tx1"/>
+          </a:fontRef>
+        </p:style>
+      </p:cxnSp>
+    </p:spTree>
+    <p:extLst>
+      <p:ext uri="{BB962C8B-B14F-4D97-AF65-F5344CB8AC3E}">
+        <p14:creationId xmlns:p14="http://schemas.microsoft.com/office/powerpoint/2010/main" val="1109315540"/>
+      </p:ext>
+    </p:extLst>
+  </p:cSld>
+  <p:clrMapOvr>
+    <a:masterClrMapping/>
+  </p:clrMapOvr>
+  <p:transition>
+    <p:fade/>
+  </p:transition>
+  <p:timing>
+    <p:tnLst>
+      <p:par>
+        <p:cTn id="1" dur="indefinite" restart="never" nodeType="tmRoot">
+          <p:childTnLst>
+            <p:seq concurrent="1" nextAc="seek">
+              <p:cTn id="2" dur="indefinite" nodeType="mainSeq">
+                <p:childTnLst>
+                  <p:par>
+                    <p:cTn id="3" fill="hold">
+                      <p:stCondLst>
+                        <p:cond delay="indefinite"/>
+                      </p:stCondLst>
+                      <p:childTnLst>
+                        <p:par>
+                          <p:cTn id="4" fill="hold">
+                            <p:stCondLst>
+                              <p:cond delay="0"/>
+                            </p:stCondLst>
+                            <p:childTnLst>
+                              <p:par>
+                                <p:cTn id="5" presetID="10" presetClass="entr" presetSubtype="0" fill="hold" grpId="1" nodeType="clickEffect">
+                                  <p:stCondLst>
+                                    <p:cond delay="0"/>
+                                  </p:stCondLst>
+                                  <p:childTnLst>
+                                    <p:set>
+                                      <p:cBhvr>
+                                        <p:cTn id="6" dur="1" fill="hold">
+                                          <p:stCondLst>
+                                            <p:cond delay="0"/>
+                                          </p:stCondLst>
+                                        </p:cTn>
+                                        <p:tgtEl>
+                                          <p:spTgt spid="8"/>
+                                        </p:tgtEl>
+                                        <p:attrNameLst>
+                                          <p:attrName>style.visibility</p:attrName>
+                                        </p:attrNameLst>
+                                      </p:cBhvr>
+                                      <p:to>
+                                        <p:strVal val="visible"/>
+                                      </p:to>
+                                    </p:set>
+                                    <p:animEffect transition="in" filter="fade">
+                                      <p:cBhvr>
+                                        <p:cTn id="7" dur="500"/>
+                                        <p:tgtEl>
+                                          <p:spTgt spid="8"/>
+                                        </p:tgtEl>
+                                      </p:cBhvr>
+                                    </p:animEffect>
+                                  </p:childTnLst>
+                                </p:cTn>
+                              </p:par>
+                            </p:childTnLst>
+                          </p:cTn>
+                        </p:par>
+                      </p:childTnLst>
+                    </p:cTn>
+                  </p:par>
+                  <p:par>
+                    <p:cTn id="8" fill="hold">
+                      <p:stCondLst>
+                        <p:cond delay="indefinite"/>
+                      </p:stCondLst>
+                      <p:childTnLst>
+                        <p:par>
+                          <p:cTn id="9" fill="hold">
+                            <p:stCondLst>
+                              <p:cond delay="0"/>
+                            </p:stCondLst>
+                            <p:childTnLst>
+                              <p:par>
+                                <p:cTn id="10" presetID="10" presetClass="entr" presetSubtype="0" fill="hold" grpId="1" nodeType="clickEffect">
+                                  <p:stCondLst>
+                                    <p:cond delay="0"/>
+                                  </p:stCondLst>
+                                  <p:childTnLst>
+                                    <p:set>
+                                      <p:cBhvr>
+                                        <p:cTn id="11" dur="1" fill="hold">
+                                          <p:stCondLst>
+                                            <p:cond delay="0"/>
+                                          </p:stCondLst>
+                                        </p:cTn>
+                                        <p:tgtEl>
+                                          <p:spTgt spid="9"/>
+                                        </p:tgtEl>
+                                        <p:attrNameLst>
+                                          <p:attrName>style.visibility</p:attrName>
+                                        </p:attrNameLst>
+                                      </p:cBhvr>
+                                      <p:to>
+                                        <p:strVal val="visible"/>
+                                      </p:to>
+                                    </p:set>
+                                    <p:animEffect transition="in" filter="fade">
+                                      <p:cBhvr>
+                                        <p:cTn id="12" dur="500"/>
+                                        <p:tgtEl>
+                                          <p:spTgt spid="9"/>
+                                        </p:tgtEl>
+                                      </p:cBhvr>
+                                    </p:animEffect>
+                                  </p:childTnLst>
+                                </p:cTn>
+                              </p:par>
+                              <p:par>
+                                <p:cTn id="13" presetID="10" presetClass="entr" presetSubtype="0" fill="hold" nodeType="withEffect">
+                                  <p:stCondLst>
+                                    <p:cond delay="0"/>
+                                  </p:stCondLst>
+                                  <p:childTnLst>
+                                    <p:set>
+                                      <p:cBhvr>
+                                        <p:cTn id="14" dur="1" fill="hold">
+                                          <p:stCondLst>
+                                            <p:cond delay="0"/>
+                                          </p:stCondLst>
+                                        </p:cTn>
+                                        <p:tgtEl>
+                                          <p:spTgt spid="14"/>
+                                        </p:tgtEl>
+                                        <p:attrNameLst>
+                                          <p:attrName>style.visibility</p:attrName>
+                                        </p:attrNameLst>
+                                      </p:cBhvr>
+                                      <p:to>
+                                        <p:strVal val="visible"/>
+                                      </p:to>
+                                    </p:set>
+                                    <p:animEffect transition="in" filter="fade">
+                                      <p:cBhvr>
+                                        <p:cTn id="15" dur="500"/>
+                                        <p:tgtEl>
+                                          <p:spTgt spid="14"/>
+                                        </p:tgtEl>
+                                      </p:cBhvr>
+                                    </p:animEffect>
+                                  </p:childTnLst>
+                                </p:cTn>
+                              </p:par>
+                            </p:childTnLst>
+                          </p:cTn>
+                        </p:par>
+                      </p:childTnLst>
+                    </p:cTn>
+                  </p:par>
+                  <p:par>
+                    <p:cTn id="16" fill="hold">
+                      <p:stCondLst>
+                        <p:cond delay="indefinite"/>
+                      </p:stCondLst>
+                      <p:childTnLst>
+                        <p:par>
+                          <p:cTn id="17" fill="hold">
+                            <p:stCondLst>
+                              <p:cond delay="0"/>
+                            </p:stCondLst>
+                            <p:childTnLst>
+                              <p:par>
+                                <p:cTn id="18" presetID="10" presetClass="entr" presetSubtype="0" fill="hold" grpId="1" nodeType="clickEffect">
+                                  <p:stCondLst>
+                                    <p:cond delay="0"/>
+                                  </p:stCondLst>
+                                  <p:childTnLst>
+                                    <p:set>
+                                      <p:cBhvr>
+                                        <p:cTn id="19" dur="1" fill="hold">
+                                          <p:stCondLst>
+                                            <p:cond delay="0"/>
+                                          </p:stCondLst>
+                                        </p:cTn>
+                                        <p:tgtEl>
+                                          <p:spTgt spid="12"/>
+                                        </p:tgtEl>
+                                        <p:attrNameLst>
+                                          <p:attrName>style.visibility</p:attrName>
+                                        </p:attrNameLst>
+                                      </p:cBhvr>
+                                      <p:to>
+                                        <p:strVal val="visible"/>
+                                      </p:to>
+                                    </p:set>
+                                    <p:animEffect transition="in" filter="fade">
+                                      <p:cBhvr>
+                                        <p:cTn id="20" dur="500"/>
+                                        <p:tgtEl>
+                                          <p:spTgt spid="12"/>
+                                        </p:tgtEl>
+                                      </p:cBhvr>
+                                    </p:animEffect>
+                                  </p:childTnLst>
+                                </p:cTn>
+                              </p:par>
+                              <p:par>
+                                <p:cTn id="21" presetID="10" presetClass="entr" presetSubtype="0" fill="hold" nodeType="withEffect">
+                                  <p:stCondLst>
+                                    <p:cond delay="0"/>
+                                  </p:stCondLst>
+                                  <p:childTnLst>
+                                    <p:set>
+                                      <p:cBhvr>
+                                        <p:cTn id="22" dur="1" fill="hold">
+                                          <p:stCondLst>
+                                            <p:cond delay="0"/>
+                                          </p:stCondLst>
+                                        </p:cTn>
+                                        <p:tgtEl>
+                                          <p:spTgt spid="18"/>
+                                        </p:tgtEl>
+                                        <p:attrNameLst>
+                                          <p:attrName>style.visibility</p:attrName>
+                                        </p:attrNameLst>
+                                      </p:cBhvr>
+                                      <p:to>
+                                        <p:strVal val="visible"/>
+                                      </p:to>
+                                    </p:set>
+                                    <p:animEffect transition="in" filter="fade">
+                                      <p:cBhvr>
+                                        <p:cTn id="23" dur="500"/>
+                                        <p:tgtEl>
+                                          <p:spTgt spid="18"/>
+                                        </p:tgtEl>
+                                      </p:cBhvr>
+                                    </p:animEffect>
+                                  </p:childTnLst>
+                                </p:cTn>
+                              </p:par>
+                            </p:childTnLst>
+                          </p:cTn>
+                        </p:par>
+                      </p:childTnLst>
+                    </p:cTn>
+                  </p:par>
+                </p:childTnLst>
+              </p:cTn>
+              <p:prevCondLst>
+                <p:cond evt="onPrev" delay="0">
+                  <p:tgtEl>
+                    <p:sldTgt/>
+                  </p:tgtEl>
+                </p:cond>
+              </p:prevCondLst>
+              <p:nextCondLst>
+                <p:cond evt="onNext" delay="0">
+                  <p:tgtEl>
+                    <p:sldTgt/>
+                  </p:tgtEl>
+                </p:cond>
+              </p:nextCondLst>
+            </p:seq>
+          </p:childTnLst>
+        </p:cTn>
+      </p:par>
+    </p:tnLst>
+    <p:bldLst>
+      <p:bldP spid="8" grpId="1" animBg="1"/>
+      <p:bldP spid="9" grpId="1" animBg="1"/>
+      <p:bldP spid="12" grpId="1" animBg="1"/>
+    </p:bldLst>
+  </p:timing>
+</p:sld>
+</file>
+
+<file path=ppt/slides/slide11.xml><?xml version="1.0" encoding="utf-8"?>
+<p:sld xmlns:a="http://schemas.openxmlformats.org/drawingml/2006/main" xmlns:r="http://schemas.openxmlformats.org/officeDocument/2006/relationships" xmlns:p="http://schemas.openxmlformats.org/presentationml/2006/main">
+  <p:cSld>
+    <p:spTree>
+      <p:nvGrpSpPr>
+        <p:cNvPr id="1" name=""/>
+        <p:cNvGrpSpPr/>
+        <p:nvPr/>
+      </p:nvGrpSpPr>
+      <p:grpSpPr>
+        <a:xfrm>
+          <a:off x="0" y="0"/>
+          <a:ext cx="0" cy="0"/>
+          <a:chOff x="0" y="0"/>
+          <a:chExt cx="0" cy="0"/>
+        </a:xfrm>
+      </p:grpSpPr>
+      <p:sp>
+        <p:nvSpPr>
+          <p:cNvPr id="4" name="ZoneTexte 3">
+            <a:extLst>
+              <a:ext uri="{FF2B5EF4-FFF2-40B4-BE49-F238E27FC236}">
+                <a16:creationId xmlns:a16="http://schemas.microsoft.com/office/drawing/2014/main" id="{5B83E49B-2489-EF47-0DC8-214B6E733633}"/>
+              </a:ext>
+            </a:extLst>
+          </p:cNvPr>
+          <p:cNvSpPr txBox="1"/>
+          <p:nvPr/>
+        </p:nvSpPr>
+        <p:spPr>
+          <a:xfrm>
+            <a:off x="467406" y="836712"/>
+            <a:ext cx="8209188" cy="707886"/>
+          </a:xfrm>
+          <a:prstGeom prst="rect">
+            <a:avLst/>
+          </a:prstGeom>
+          <a:solidFill>
+            <a:schemeClr val="bg1"/>
+          </a:solidFill>
+          <a:ln>
+            <a:solidFill>
+              <a:schemeClr val="tx1"/>
+            </a:solidFill>
+          </a:ln>
+        </p:spPr>
+        <p:style>
+          <a:lnRef idx="2">
+            <a:schemeClr val="dk1"/>
+          </a:lnRef>
+          <a:fillRef idx="1">
+            <a:schemeClr val="lt1"/>
+          </a:fillRef>
+          <a:effectRef idx="0">
+            <a:schemeClr val="dk1"/>
+          </a:effectRef>
+          <a:fontRef idx="minor">
+            <a:schemeClr val="dk1"/>
+          </a:fontRef>
+        </p:style>
+        <p:txBody>
+          <a:bodyPr wrap="square" rtlCol="0">
+            <a:spAutoFit/>
+          </a:bodyPr>
+          <a:lstStyle/>
+          <a:p>
+            <a:pPr algn="ctr"/>
+            <a:r>
+              <a:rPr lang="fr-FR" sz="4000" b="1" dirty="0">
+                <a:solidFill>
+                  <a:schemeClr val="tx1"/>
+                </a:solidFill>
+                <a:latin typeface="Aharoni" panose="02010803020104030203" pitchFamily="2" charset="-79"/>
+                <a:cs typeface="Aharoni" panose="02010803020104030203" pitchFamily="2" charset="-79"/>
+              </a:rPr>
+              <a:t>Methods </a:t>
+            </a:r>
+            <a:r>
+              <a:rPr lang="fr-FR" sz="4000" b="1" dirty="0" err="1">
+                <a:solidFill>
+                  <a:schemeClr val="tx1"/>
+                </a:solidFill>
+                <a:latin typeface="Aharoni" panose="02010803020104030203" pitchFamily="2" charset="-79"/>
+                <a:cs typeface="Aharoni" panose="02010803020104030203" pitchFamily="2" charset="-79"/>
+              </a:rPr>
+              <a:t>Used</a:t>
+            </a:r>
+            <a:endParaRPr lang="fr-FR" sz="4000" b="1" dirty="0">
+              <a:solidFill>
+                <a:schemeClr val="tx1"/>
+              </a:solidFill>
+              <a:latin typeface="Aharoni" panose="02010803020104030203" pitchFamily="2" charset="-79"/>
+              <a:cs typeface="Aharoni" panose="02010803020104030203" pitchFamily="2" charset="-79"/>
+            </a:endParaRPr>
+          </a:p>
+        </p:txBody>
+      </p:sp>
+      <p:pic>
+        <p:nvPicPr>
+          <p:cNvPr id="5" name="Image 4">
+            <a:extLst>
+              <a:ext uri="{FF2B5EF4-FFF2-40B4-BE49-F238E27FC236}">
+                <a16:creationId xmlns:a16="http://schemas.microsoft.com/office/drawing/2014/main" id="{75CE3641-73AE-7CCB-F453-EAB5AE85D533}"/>
+              </a:ext>
+            </a:extLst>
+          </p:cNvPr>
+          <p:cNvPicPr>
+            <a:picLocks noChangeAspect="1"/>
+          </p:cNvPicPr>
+          <p:nvPr/>
+        </p:nvPicPr>
+        <p:blipFill>
+          <a:blip r:embed="rId2"/>
+          <a:stretch>
+            <a:fillRect/>
+          </a:stretch>
+        </p:blipFill>
+        <p:spPr>
+          <a:xfrm>
+            <a:off x="2504786" y="1772816"/>
+            <a:ext cx="4134427" cy="2495898"/>
+          </a:xfrm>
+          <a:prstGeom prst="rect">
+            <a:avLst/>
+          </a:prstGeom>
+          <a:ln w="57150">
+            <a:solidFill>
+              <a:schemeClr val="tx1">
+                <a:lumMod val="75000"/>
+              </a:schemeClr>
+            </a:solidFill>
+          </a:ln>
+        </p:spPr>
+      </p:pic>
+      <p:sp>
+        <p:nvSpPr>
+          <p:cNvPr id="6" name="ZoneTexte 5">
+            <a:extLst>
+              <a:ext uri="{FF2B5EF4-FFF2-40B4-BE49-F238E27FC236}">
+                <a16:creationId xmlns:a16="http://schemas.microsoft.com/office/drawing/2014/main" id="{812844EC-8C2C-FFEC-0B25-0F5C14B37C6C}"/>
+              </a:ext>
+            </a:extLst>
+          </p:cNvPr>
+          <p:cNvSpPr txBox="1"/>
+          <p:nvPr/>
+        </p:nvSpPr>
+        <p:spPr>
+          <a:xfrm>
+            <a:off x="414975" y="4513769"/>
+            <a:ext cx="8314047" cy="523220"/>
+          </a:xfrm>
+          <a:prstGeom prst="rect">
+            <a:avLst/>
+          </a:prstGeom>
+          <a:solidFill>
+            <a:schemeClr val="bg1"/>
+          </a:solidFill>
+          <a:ln w="57150">
+            <a:solidFill>
+              <a:schemeClr val="tx1">
+                <a:lumMod val="75000"/>
+              </a:schemeClr>
+            </a:solidFill>
+          </a:ln>
+        </p:spPr>
+        <p:txBody>
+          <a:bodyPr wrap="square" rtlCol="0">
+            <a:spAutoFit/>
+          </a:bodyPr>
+          <a:lstStyle/>
+          <a:p>
+            <a:pPr algn="ctr"/>
+            <a:r>
+              <a:rPr lang="fr-FR" sz="2800" b="1" dirty="0"/>
+              <a:t>Have </a:t>
+            </a:r>
+            <a:r>
+              <a:rPr lang="fr-FR" sz="2800" b="1" dirty="0" err="1"/>
+              <a:t>Unlabeled</a:t>
+            </a:r>
+            <a:r>
+              <a:rPr lang="fr-FR" sz="2800" b="1" dirty="0"/>
+              <a:t> to </a:t>
+            </a:r>
+            <a:r>
+              <a:rPr lang="fr-FR" sz="2800" b="1" dirty="0" err="1"/>
+              <a:t>Labeled</a:t>
+            </a:r>
+            <a:r>
+              <a:rPr lang="fr-FR" sz="2800" b="1" dirty="0"/>
+              <a:t> </a:t>
+            </a:r>
+            <a:r>
+              <a:rPr lang="fr-FR" sz="2800" b="1" dirty="0" err="1"/>
+              <a:t>Videos</a:t>
+            </a:r>
+            <a:r>
+              <a:rPr lang="fr-FR" sz="2800" b="1" dirty="0"/>
+              <a:t> in Entry</a:t>
+            </a:r>
+          </a:p>
+        </p:txBody>
+      </p:sp>
+      <p:sp>
+        <p:nvSpPr>
+          <p:cNvPr id="7" name="ZoneTexte 6">
+            <a:extLst>
+              <a:ext uri="{FF2B5EF4-FFF2-40B4-BE49-F238E27FC236}">
+                <a16:creationId xmlns:a16="http://schemas.microsoft.com/office/drawing/2014/main" id="{BC2A79AF-897D-5116-A5C8-D13D9449F64B}"/>
+              </a:ext>
+            </a:extLst>
+          </p:cNvPr>
+          <p:cNvSpPr txBox="1"/>
+          <p:nvPr/>
+        </p:nvSpPr>
+        <p:spPr>
+          <a:xfrm>
+            <a:off x="1799801" y="5403830"/>
+            <a:ext cx="5544394" cy="523220"/>
+          </a:xfrm>
+          <a:prstGeom prst="rect">
+            <a:avLst/>
+          </a:prstGeom>
+          <a:solidFill>
+            <a:schemeClr val="bg1"/>
+          </a:solidFill>
+          <a:ln w="57150">
+            <a:solidFill>
+              <a:schemeClr val="tx1">
+                <a:lumMod val="75000"/>
+              </a:schemeClr>
+            </a:solidFill>
+          </a:ln>
+        </p:spPr>
+        <p:txBody>
+          <a:bodyPr wrap="square" rtlCol="0">
+            <a:spAutoFit/>
+          </a:bodyPr>
+          <a:lstStyle/>
+          <a:p>
+            <a:pPr algn="ctr"/>
+            <a:r>
+              <a:rPr lang="fr-FR" sz="2800" b="1" dirty="0"/>
+              <a:t>Training by </a:t>
+            </a:r>
+            <a:r>
+              <a:rPr lang="fr-FR" sz="2800" b="1" dirty="0" err="1"/>
+              <a:t>Watching</a:t>
+            </a:r>
+            <a:r>
+              <a:rPr lang="fr-FR" sz="2800" b="1" dirty="0"/>
+              <a:t> </a:t>
+            </a:r>
+            <a:r>
+              <a:rPr lang="fr-FR" sz="2800" b="1" dirty="0" err="1"/>
+              <a:t>Videos</a:t>
+            </a:r>
+            <a:endParaRPr lang="fr-FR" sz="2800" b="1" dirty="0"/>
+          </a:p>
+        </p:txBody>
+      </p:sp>
+      <p:sp>
+        <p:nvSpPr>
+          <p:cNvPr id="10" name="ZoneTexte 9">
+            <a:extLst>
+              <a:ext uri="{FF2B5EF4-FFF2-40B4-BE49-F238E27FC236}">
+                <a16:creationId xmlns:a16="http://schemas.microsoft.com/office/drawing/2014/main" id="{62A7413B-BB50-D476-220D-4F5C6D3D3053}"/>
+              </a:ext>
+            </a:extLst>
+          </p:cNvPr>
+          <p:cNvSpPr txBox="1"/>
+          <p:nvPr/>
+        </p:nvSpPr>
+        <p:spPr>
+          <a:xfrm>
+            <a:off x="1799801" y="6290733"/>
+            <a:ext cx="5544394" cy="523220"/>
+          </a:xfrm>
+          <a:prstGeom prst="rect">
+            <a:avLst/>
+          </a:prstGeom>
+          <a:solidFill>
+            <a:schemeClr val="bg1"/>
+          </a:solidFill>
+          <a:ln w="57150">
+            <a:solidFill>
+              <a:schemeClr val="tx1">
+                <a:lumMod val="75000"/>
+              </a:schemeClr>
+            </a:solidFill>
+          </a:ln>
+        </p:spPr>
+        <p:txBody>
+          <a:bodyPr wrap="square" rtlCol="0">
+            <a:spAutoFit/>
+          </a:bodyPr>
+          <a:lstStyle/>
+          <a:p>
+            <a:pPr algn="ctr"/>
+            <a:r>
+              <a:rPr lang="fr-FR" sz="2800" b="1" dirty="0"/>
+              <a:t>Model can Play Minecraft</a:t>
+            </a:r>
+          </a:p>
+        </p:txBody>
+      </p:sp>
+      <p:cxnSp>
+        <p:nvCxnSpPr>
+          <p:cNvPr id="11" name="Connecteur : en angle 10">
+            <a:extLst>
+              <a:ext uri="{FF2B5EF4-FFF2-40B4-BE49-F238E27FC236}">
+                <a16:creationId xmlns:a16="http://schemas.microsoft.com/office/drawing/2014/main" id="{33AB4D81-9B51-75AF-D2F4-DA92B98942BE}"/>
+              </a:ext>
+            </a:extLst>
+          </p:cNvPr>
+          <p:cNvCxnSpPr>
+            <a:cxnSpLocks/>
+            <a:stCxn id="6" idx="2"/>
+            <a:endCxn id="7" idx="0"/>
+          </p:cNvCxnSpPr>
+          <p:nvPr/>
+        </p:nvCxnSpPr>
+        <p:spPr>
+          <a:xfrm rot="5400000">
+            <a:off x="4388579" y="5220409"/>
+            <a:ext cx="366841" cy="1"/>
+          </a:xfrm>
+          <a:prstGeom prst="bentConnector3">
+            <a:avLst>
+              <a:gd name="adj1" fmla="val 50000"/>
+            </a:avLst>
+          </a:prstGeom>
+          <a:ln w="57150">
+            <a:solidFill>
+              <a:schemeClr val="tx1"/>
+            </a:solidFill>
+            <a:tailEnd type="triangle"/>
+          </a:ln>
+        </p:spPr>
+        <p:style>
+          <a:lnRef idx="1">
+            <a:schemeClr val="accent1"/>
+          </a:lnRef>
+          <a:fillRef idx="0">
+            <a:schemeClr val="accent1"/>
+          </a:fillRef>
+          <a:effectRef idx="0">
+            <a:schemeClr val="accent1"/>
+          </a:effectRef>
+          <a:fontRef idx="minor">
+            <a:schemeClr val="tx1"/>
+          </a:fontRef>
+        </p:style>
+      </p:cxnSp>
+      <p:cxnSp>
+        <p:nvCxnSpPr>
+          <p:cNvPr id="16" name="Connecteur : en angle 15">
+            <a:extLst>
+              <a:ext uri="{FF2B5EF4-FFF2-40B4-BE49-F238E27FC236}">
+                <a16:creationId xmlns:a16="http://schemas.microsoft.com/office/drawing/2014/main" id="{3FD13CD4-A9E8-952E-68E2-40F6F53166B7}"/>
+              </a:ext>
+            </a:extLst>
+          </p:cNvPr>
+          <p:cNvCxnSpPr>
+            <a:cxnSpLocks/>
+            <a:stCxn id="7" idx="2"/>
+            <a:endCxn id="10" idx="0"/>
+          </p:cNvCxnSpPr>
+          <p:nvPr/>
+        </p:nvCxnSpPr>
+        <p:spPr>
+          <a:xfrm rot="5400000">
+            <a:off x="4390157" y="6108891"/>
+            <a:ext cx="363683" cy="12700"/>
+          </a:xfrm>
+          <a:prstGeom prst="bentConnector3">
+            <a:avLst>
+              <a:gd name="adj1" fmla="val 50000"/>
+            </a:avLst>
+          </a:prstGeom>
+          <a:ln w="57150">
+            <a:solidFill>
+              <a:schemeClr val="tx1"/>
+            </a:solidFill>
+            <a:tailEnd type="triangle"/>
+          </a:ln>
+        </p:spPr>
+        <p:style>
+          <a:lnRef idx="1">
+            <a:schemeClr val="accent1"/>
+          </a:lnRef>
+          <a:fillRef idx="0">
+            <a:schemeClr val="accent1"/>
+          </a:fillRef>
+          <a:effectRef idx="0">
+            <a:schemeClr val="accent1"/>
+          </a:effectRef>
+          <a:fontRef idx="minor">
+            <a:schemeClr val="tx1"/>
+          </a:fontRef>
+        </p:style>
+      </p:cxnSp>
+    </p:spTree>
+    <p:extLst>
+      <p:ext uri="{BB962C8B-B14F-4D97-AF65-F5344CB8AC3E}">
+        <p14:creationId xmlns:p14="http://schemas.microsoft.com/office/powerpoint/2010/main" val="2383016029"/>
+      </p:ext>
+    </p:extLst>
+  </p:cSld>
+  <p:clrMapOvr>
+    <a:masterClrMapping/>
+  </p:clrMapOvr>
+  <p:transition>
+    <p:fade/>
+  </p:transition>
+  <p:timing>
+    <p:tnLst>
+      <p:par>
+        <p:cTn id="1" dur="indefinite" restart="never" nodeType="tmRoot">
+          <p:childTnLst>
+            <p:seq concurrent="1" nextAc="seek">
+              <p:cTn id="2" dur="indefinite" nodeType="mainSeq">
+                <p:childTnLst>
+                  <p:par>
+                    <p:cTn id="3" fill="hold">
+                      <p:stCondLst>
+                        <p:cond delay="indefinite"/>
+                      </p:stCondLst>
+                      <p:childTnLst>
+                        <p:par>
+                          <p:cTn id="4" fill="hold">
+                            <p:stCondLst>
+                              <p:cond delay="0"/>
+                            </p:stCondLst>
+                            <p:childTnLst>
+                              <p:par>
+                                <p:cTn id="5" presetID="10" presetClass="entr" presetSubtype="0" fill="hold" grpId="0" nodeType="clickEffect">
+                                  <p:stCondLst>
+                                    <p:cond delay="0"/>
+                                  </p:stCondLst>
+                                  <p:childTnLst>
+                                    <p:set>
+                                      <p:cBhvr>
+                                        <p:cTn id="6" dur="1" fill="hold">
+                                          <p:stCondLst>
+                                            <p:cond delay="0"/>
+                                          </p:stCondLst>
+                                        </p:cTn>
+                                        <p:tgtEl>
+                                          <p:spTgt spid="6"/>
+                                        </p:tgtEl>
+                                        <p:attrNameLst>
+                                          <p:attrName>style.visibility</p:attrName>
+                                        </p:attrNameLst>
+                                      </p:cBhvr>
+                                      <p:to>
+                                        <p:strVal val="visible"/>
+                                      </p:to>
+                                    </p:set>
+                                    <p:animEffect transition="in" filter="fade">
+                                      <p:cBhvr>
+                                        <p:cTn id="7" dur="500"/>
+                                        <p:tgtEl>
+                                          <p:spTgt spid="6"/>
+                                        </p:tgtEl>
+                                      </p:cBhvr>
+                                    </p:animEffect>
+                                  </p:childTnLst>
+                                </p:cTn>
+                              </p:par>
+                            </p:childTnLst>
+                          </p:cTn>
+                        </p:par>
+                      </p:childTnLst>
+                    </p:cTn>
+                  </p:par>
+                  <p:par>
+                    <p:cTn id="8" fill="hold">
+                      <p:stCondLst>
+                        <p:cond delay="indefinite"/>
+                      </p:stCondLst>
+                      <p:childTnLst>
+                        <p:par>
+                          <p:cTn id="9" fill="hold">
+                            <p:stCondLst>
+                              <p:cond delay="0"/>
+                            </p:stCondLst>
+                            <p:childTnLst>
+                              <p:par>
+                                <p:cTn id="10" presetID="10" presetClass="entr" presetSubtype="0" fill="hold" nodeType="clickEffect">
+                                  <p:stCondLst>
+                                    <p:cond delay="0"/>
+                                  </p:stCondLst>
+                                  <p:childTnLst>
+                                    <p:set>
+                                      <p:cBhvr>
+                                        <p:cTn id="11" dur="1" fill="hold">
+                                          <p:stCondLst>
+                                            <p:cond delay="0"/>
+                                          </p:stCondLst>
+                                        </p:cTn>
+                                        <p:tgtEl>
+                                          <p:spTgt spid="11"/>
+                                        </p:tgtEl>
+                                        <p:attrNameLst>
+                                          <p:attrName>style.visibility</p:attrName>
+                                        </p:attrNameLst>
+                                      </p:cBhvr>
+                                      <p:to>
+                                        <p:strVal val="visible"/>
+                                      </p:to>
+                                    </p:set>
+                                    <p:animEffect transition="in" filter="fade">
+                                      <p:cBhvr>
+                                        <p:cTn id="12" dur="500"/>
+                                        <p:tgtEl>
+                                          <p:spTgt spid="11"/>
+                                        </p:tgtEl>
+                                      </p:cBhvr>
+                                    </p:animEffect>
+                                  </p:childTnLst>
+                                </p:cTn>
+                              </p:par>
+                              <p:par>
+                                <p:cTn id="13" presetID="10" presetClass="entr" presetSubtype="0" fill="hold" grpId="0" nodeType="withEffect">
+                                  <p:stCondLst>
+                                    <p:cond delay="0"/>
+                                  </p:stCondLst>
+                                  <p:childTnLst>
+                                    <p:set>
+                                      <p:cBhvr>
+                                        <p:cTn id="14" dur="1" fill="hold">
+                                          <p:stCondLst>
+                                            <p:cond delay="0"/>
+                                          </p:stCondLst>
+                                        </p:cTn>
+                                        <p:tgtEl>
+                                          <p:spTgt spid="7"/>
+                                        </p:tgtEl>
+                                        <p:attrNameLst>
+                                          <p:attrName>style.visibility</p:attrName>
+                                        </p:attrNameLst>
+                                      </p:cBhvr>
+                                      <p:to>
+                                        <p:strVal val="visible"/>
+                                      </p:to>
+                                    </p:set>
+                                    <p:animEffect transition="in" filter="fade">
+                                      <p:cBhvr>
+                                        <p:cTn id="15" dur="500"/>
+                                        <p:tgtEl>
+                                          <p:spTgt spid="7"/>
+                                        </p:tgtEl>
+                                      </p:cBhvr>
+                                    </p:animEffect>
+                                  </p:childTnLst>
+                                </p:cTn>
+                              </p:par>
+                            </p:childTnLst>
+                          </p:cTn>
+                        </p:par>
+                      </p:childTnLst>
+                    </p:cTn>
+                  </p:par>
+                  <p:par>
+                    <p:cTn id="16" fill="hold">
+                      <p:stCondLst>
+                        <p:cond delay="indefinite"/>
+                      </p:stCondLst>
+                      <p:childTnLst>
+                        <p:par>
+                          <p:cTn id="17" fill="hold">
+                            <p:stCondLst>
+                              <p:cond delay="0"/>
+                            </p:stCondLst>
+                            <p:childTnLst>
+                              <p:par>
+                                <p:cTn id="18" presetID="10" presetClass="entr" presetSubtype="0" fill="hold" nodeType="clickEffect">
+                                  <p:stCondLst>
+                                    <p:cond delay="0"/>
+                                  </p:stCondLst>
+                                  <p:childTnLst>
+                                    <p:set>
+                                      <p:cBhvr>
+                                        <p:cTn id="19" dur="1" fill="hold">
+                                          <p:stCondLst>
+                                            <p:cond delay="0"/>
+                                          </p:stCondLst>
+                                        </p:cTn>
+                                        <p:tgtEl>
+                                          <p:spTgt spid="16"/>
+                                        </p:tgtEl>
+                                        <p:attrNameLst>
+                                          <p:attrName>style.visibility</p:attrName>
+                                        </p:attrNameLst>
+                                      </p:cBhvr>
+                                      <p:to>
+                                        <p:strVal val="visible"/>
+                                      </p:to>
+                                    </p:set>
+                                    <p:animEffect transition="in" filter="fade">
+                                      <p:cBhvr>
+                                        <p:cTn id="20" dur="500"/>
+                                        <p:tgtEl>
+                                          <p:spTgt spid="16"/>
+                                        </p:tgtEl>
+                                      </p:cBhvr>
+                                    </p:animEffect>
+                                  </p:childTnLst>
+                                </p:cTn>
+                              </p:par>
+                              <p:par>
+                                <p:cTn id="21" presetID="10" presetClass="entr" presetSubtype="0" fill="hold" grpId="0" nodeType="withEffect">
+                                  <p:stCondLst>
+                                    <p:cond delay="0"/>
+                                  </p:stCondLst>
+                                  <p:childTnLst>
+                                    <p:set>
+                                      <p:cBhvr>
+                                        <p:cTn id="22" dur="1" fill="hold">
+                                          <p:stCondLst>
+                                            <p:cond delay="0"/>
+                                          </p:stCondLst>
+                                        </p:cTn>
+                                        <p:tgtEl>
+                                          <p:spTgt spid="10"/>
+                                        </p:tgtEl>
+                                        <p:attrNameLst>
+                                          <p:attrName>style.visibility</p:attrName>
+                                        </p:attrNameLst>
+                                      </p:cBhvr>
+                                      <p:to>
+                                        <p:strVal val="visible"/>
+                                      </p:to>
+                                    </p:set>
+                                    <p:animEffect transition="in" filter="fade">
+                                      <p:cBhvr>
+                                        <p:cTn id="23" dur="500"/>
+                                        <p:tgtEl>
+                                          <p:spTgt spid="10"/>
+                                        </p:tgtEl>
+                                      </p:cBhvr>
+                                    </p:animEffect>
+                                  </p:childTnLst>
+                                </p:cTn>
+                              </p:par>
+                            </p:childTnLst>
+                          </p:cTn>
+                        </p:par>
+                      </p:childTnLst>
+                    </p:cTn>
+                  </p:par>
+                </p:childTnLst>
+              </p:cTn>
+              <p:prevCondLst>
+                <p:cond evt="onPrev" delay="0">
+                  <p:tgtEl>
+                    <p:sldTgt/>
+                  </p:tgtEl>
+                </p:cond>
+              </p:prevCondLst>
+              <p:nextCondLst>
+                <p:cond evt="onNext" delay="0">
+                  <p:tgtEl>
+                    <p:sldTgt/>
+                  </p:tgtEl>
+                </p:cond>
+              </p:nextCondLst>
+            </p:seq>
+          </p:childTnLst>
+        </p:cTn>
+      </p:par>
+    </p:tnLst>
+    <p:bldLst>
+      <p:bldP spid="6" grpId="0" animBg="1"/>
+      <p:bldP spid="7" grpId="0" animBg="1"/>
+      <p:bldP spid="10" grpId="0" animBg="1"/>
+    </p:bldLst>
+  </p:timing>
+</p:sld>
+</file>
+
+<file path=ppt/slides/slide12.xml><?xml version="1.0" encoding="utf-8"?>
+<p:sld xmlns:a="http://schemas.openxmlformats.org/drawingml/2006/main" xmlns:r="http://schemas.openxmlformats.org/officeDocument/2006/relationships" xmlns:p="http://schemas.openxmlformats.org/presentationml/2006/main">
+  <p:cSld>
+    <p:spTree>
+      <p:nvGrpSpPr>
+        <p:cNvPr id="1" name=""/>
+        <p:cNvGrpSpPr/>
+        <p:nvPr/>
+      </p:nvGrpSpPr>
+      <p:grpSpPr>
+        <a:xfrm>
+          <a:off x="0" y="0"/>
+          <a:ext cx="0" cy="0"/>
+          <a:chOff x="0" y="0"/>
+          <a:chExt cx="0" cy="0"/>
+        </a:xfrm>
+      </p:grpSpPr>
+      <p:sp>
+        <p:nvSpPr>
+          <p:cNvPr id="4" name="ZoneTexte 3">
+            <a:extLst>
+              <a:ext uri="{FF2B5EF4-FFF2-40B4-BE49-F238E27FC236}">
+                <a16:creationId xmlns:a16="http://schemas.microsoft.com/office/drawing/2014/main" id="{5B83E49B-2489-EF47-0DC8-214B6E733633}"/>
+              </a:ext>
+            </a:extLst>
+          </p:cNvPr>
+          <p:cNvSpPr txBox="1"/>
+          <p:nvPr/>
+        </p:nvSpPr>
+        <p:spPr>
+          <a:xfrm>
+            <a:off x="467406" y="836712"/>
+            <a:ext cx="8209188" cy="707886"/>
+          </a:xfrm>
+          <a:prstGeom prst="rect">
+            <a:avLst/>
+          </a:prstGeom>
+          <a:solidFill>
+            <a:schemeClr val="bg1"/>
+          </a:solidFill>
+          <a:ln>
+            <a:solidFill>
+              <a:schemeClr val="tx1"/>
+            </a:solidFill>
+          </a:ln>
+        </p:spPr>
+        <p:style>
+          <a:lnRef idx="2">
+            <a:schemeClr val="dk1"/>
+          </a:lnRef>
+          <a:fillRef idx="1">
+            <a:schemeClr val="lt1"/>
+          </a:fillRef>
+          <a:effectRef idx="0">
+            <a:schemeClr val="dk1"/>
+          </a:effectRef>
+          <a:fontRef idx="minor">
+            <a:schemeClr val="dk1"/>
+          </a:fontRef>
+        </p:style>
+        <p:txBody>
+          <a:bodyPr wrap="square" rtlCol="0">
+            <a:spAutoFit/>
+          </a:bodyPr>
+          <a:lstStyle/>
+          <a:p>
+            <a:pPr algn="ctr"/>
+            <a:r>
+              <a:rPr lang="fr-FR" sz="4000" b="1" dirty="0">
+                <a:solidFill>
+                  <a:schemeClr val="tx1"/>
+                </a:solidFill>
+                <a:latin typeface="Aharoni" panose="02010803020104030203" pitchFamily="2" charset="-79"/>
+                <a:cs typeface="Aharoni" panose="02010803020104030203" pitchFamily="2" charset="-79"/>
+              </a:rPr>
+              <a:t>Results</a:t>
+            </a:r>
+          </a:p>
+        </p:txBody>
+      </p:sp>
+      <p:pic>
+        <p:nvPicPr>
+          <p:cNvPr id="3" name="Image 2">
+            <a:extLst>
+              <a:ext uri="{FF2B5EF4-FFF2-40B4-BE49-F238E27FC236}">
+                <a16:creationId xmlns:a16="http://schemas.microsoft.com/office/drawing/2014/main" id="{987BAC52-E497-C501-2F42-B9D797B713B1}"/>
+              </a:ext>
+            </a:extLst>
+          </p:cNvPr>
+          <p:cNvPicPr>
+            <a:picLocks noChangeAspect="1"/>
+          </p:cNvPicPr>
+          <p:nvPr/>
+        </p:nvPicPr>
+        <p:blipFill>
+          <a:blip r:embed="rId2"/>
+          <a:stretch>
+            <a:fillRect/>
+          </a:stretch>
+        </p:blipFill>
+        <p:spPr>
+          <a:xfrm>
+            <a:off x="359531" y="2082972"/>
+            <a:ext cx="8424936" cy="1599741"/>
+          </a:xfrm>
+          <a:prstGeom prst="rect">
+            <a:avLst/>
+          </a:prstGeom>
+        </p:spPr>
+      </p:pic>
+      <p:pic>
+        <p:nvPicPr>
+          <p:cNvPr id="6" name="Image 5">
+            <a:extLst>
+              <a:ext uri="{FF2B5EF4-FFF2-40B4-BE49-F238E27FC236}">
+                <a16:creationId xmlns:a16="http://schemas.microsoft.com/office/drawing/2014/main" id="{69595152-1773-0A8B-5C02-921631CD714A}"/>
+              </a:ext>
+            </a:extLst>
+          </p:cNvPr>
+          <p:cNvPicPr>
+            <a:picLocks noChangeAspect="1"/>
+          </p:cNvPicPr>
+          <p:nvPr/>
+        </p:nvPicPr>
+        <p:blipFill>
+          <a:blip r:embed="rId3"/>
+          <a:stretch>
+            <a:fillRect/>
+          </a:stretch>
+        </p:blipFill>
+        <p:spPr>
+          <a:xfrm>
+            <a:off x="342511" y="4509120"/>
+            <a:ext cx="8458975" cy="1599740"/>
+          </a:xfrm>
+          <a:prstGeom prst="rect">
+            <a:avLst/>
+          </a:prstGeom>
+        </p:spPr>
+      </p:pic>
+      <p:sp>
+        <p:nvSpPr>
+          <p:cNvPr id="7" name="ZoneTexte 6">
+            <a:extLst>
+              <a:ext uri="{FF2B5EF4-FFF2-40B4-BE49-F238E27FC236}">
+                <a16:creationId xmlns:a16="http://schemas.microsoft.com/office/drawing/2014/main" id="{B52A9C74-1C48-D337-8465-F213FCE658A3}"/>
+              </a:ext>
+            </a:extLst>
+          </p:cNvPr>
+          <p:cNvSpPr txBox="1"/>
+          <p:nvPr/>
+        </p:nvSpPr>
+        <p:spPr>
+          <a:xfrm>
+            <a:off x="343748" y="3712553"/>
+            <a:ext cx="8458975" cy="523220"/>
+          </a:xfrm>
+          <a:prstGeom prst="rect">
+            <a:avLst/>
+          </a:prstGeom>
+          <a:noFill/>
+          <a:ln>
+            <a:noFill/>
+          </a:ln>
+        </p:spPr>
+        <p:txBody>
+          <a:bodyPr wrap="square" rtlCol="0">
+            <a:spAutoFit/>
+          </a:bodyPr>
+          <a:lstStyle/>
+          <a:p>
+            <a:pPr algn="ctr"/>
+            <a:r>
+              <a:rPr lang="en-US" sz="1400" dirty="0">
+                <a:latin typeface="Arial" panose="020B0604020202020204" pitchFamily="34" charset="0"/>
+                <a:cs typeface="Arial" panose="020B0604020202020204" pitchFamily="34" charset="0"/>
+              </a:rPr>
+              <a:t>(Left) IDM keypress accuracy and mouse movement R^2 as a function of dataset size. </a:t>
+            </a:r>
+          </a:p>
+          <a:p>
+            <a:pPr algn="ctr"/>
+            <a:r>
+              <a:rPr lang="en-US" sz="1400" dirty="0">
+                <a:latin typeface="Arial" panose="020B0604020202020204" pitchFamily="34" charset="0"/>
+                <a:cs typeface="Arial" panose="020B0604020202020204" pitchFamily="34" charset="0"/>
+              </a:rPr>
+              <a:t>(Right) IDM vs. behavioral cloning data efficiency</a:t>
+            </a:r>
+            <a:endParaRPr lang="fr-FR" sz="1400" dirty="0">
+              <a:latin typeface="Arial" panose="020B0604020202020204" pitchFamily="34" charset="0"/>
+              <a:cs typeface="Arial" panose="020B0604020202020204" pitchFamily="34" charset="0"/>
+            </a:endParaRPr>
+          </a:p>
+        </p:txBody>
+      </p:sp>
+      <p:sp>
+        <p:nvSpPr>
+          <p:cNvPr id="8" name="ZoneTexte 7">
+            <a:extLst>
+              <a:ext uri="{FF2B5EF4-FFF2-40B4-BE49-F238E27FC236}">
+                <a16:creationId xmlns:a16="http://schemas.microsoft.com/office/drawing/2014/main" id="{DBBA314E-32F2-F548-AFFE-0B2C50DC8A1E}"/>
+              </a:ext>
+            </a:extLst>
+          </p:cNvPr>
+          <p:cNvSpPr txBox="1"/>
+          <p:nvPr/>
+        </p:nvSpPr>
+        <p:spPr>
+          <a:xfrm>
+            <a:off x="-144526" y="6259096"/>
+            <a:ext cx="9433048" cy="523220"/>
+          </a:xfrm>
+          <a:prstGeom prst="rect">
+            <a:avLst/>
+          </a:prstGeom>
+          <a:noFill/>
+          <a:ln>
+            <a:noFill/>
+          </a:ln>
+        </p:spPr>
+        <p:txBody>
+          <a:bodyPr wrap="square" rtlCol="0">
+            <a:spAutoFit/>
+          </a:bodyPr>
+          <a:lstStyle/>
+          <a:p>
+            <a:pPr algn="ctr"/>
+            <a:r>
+              <a:rPr lang="en-US" sz="1400" dirty="0">
+                <a:effectLst/>
+                <a:latin typeface="Arial" panose="020B0604020202020204" pitchFamily="34" charset="0"/>
+              </a:rPr>
+              <a:t>(Left) Training and validation loss on the </a:t>
+            </a:r>
+            <a:r>
+              <a:rPr lang="en-US" sz="1400" dirty="0" err="1">
+                <a:effectLst/>
+                <a:latin typeface="Courier New" panose="02070309020205020404" pitchFamily="49" charset="0"/>
+              </a:rPr>
+              <a:t>web_clean</a:t>
+            </a:r>
+            <a:r>
+              <a:rPr lang="en-US" sz="1400" dirty="0">
+                <a:effectLst/>
+                <a:latin typeface="Courier New" panose="02070309020205020404" pitchFamily="49" charset="0"/>
+              </a:rPr>
+              <a:t> </a:t>
+            </a:r>
+            <a:r>
+              <a:rPr lang="en-US" sz="1400" dirty="0">
+                <a:effectLst/>
+                <a:latin typeface="Arial" panose="020B0604020202020204" pitchFamily="34" charset="0"/>
+              </a:rPr>
+              <a:t>internet dataset with IDM pseudo-labels</a:t>
+            </a:r>
+          </a:p>
+          <a:p>
+            <a:pPr algn="ctr"/>
+            <a:r>
+              <a:rPr lang="en-US" sz="1400" dirty="0">
+                <a:effectLst/>
+                <a:latin typeface="Arial" panose="020B0604020202020204" pitchFamily="34" charset="0"/>
+              </a:rPr>
+              <a:t>(Right) Amount a given item was collected per episode averaged over 2500 60-minute survival episodes</a:t>
+            </a:r>
+            <a:endParaRPr lang="fr-FR" sz="1400" dirty="0"/>
+          </a:p>
+        </p:txBody>
+      </p:sp>
+    </p:spTree>
+    <p:extLst>
+      <p:ext uri="{BB962C8B-B14F-4D97-AF65-F5344CB8AC3E}">
+        <p14:creationId xmlns:p14="http://schemas.microsoft.com/office/powerpoint/2010/main" val="4041368600"/>
+      </p:ext>
+    </p:extLst>
+  </p:cSld>
+  <p:clrMapOvr>
+    <a:masterClrMapping/>
+  </p:clrMapOvr>
+  <p:transition>
+    <p:fade/>
+  </p:transition>
+  <p:timing>
+    <p:tnLst>
+      <p:par>
+        <p:cTn id="1" dur="indefinite" restart="never" nodeType="tmRoot">
+          <p:childTnLst>
+            <p:seq concurrent="1" nextAc="seek">
+              <p:cTn id="2" dur="indefinite" nodeType="mainSeq">
+                <p:childTnLst>
+                  <p:par>
+                    <p:cTn id="3" fill="hold">
+                      <p:stCondLst>
+                        <p:cond delay="indefinite"/>
+                      </p:stCondLst>
+                      <p:childTnLst>
+                        <p:par>
+                          <p:cTn id="4" fill="hold">
+                            <p:stCondLst>
+                              <p:cond delay="0"/>
+                            </p:stCondLst>
+                            <p:childTnLst>
+                              <p:par>
+                                <p:cTn id="5" presetID="10" presetClass="entr" presetSubtype="0" fill="hold" nodeType="clickEffect">
+                                  <p:stCondLst>
+                                    <p:cond delay="0"/>
+                                  </p:stCondLst>
+                                  <p:childTnLst>
+                                    <p:set>
+                                      <p:cBhvr>
+                                        <p:cTn id="6" dur="1" fill="hold">
+                                          <p:stCondLst>
+                                            <p:cond delay="0"/>
+                                          </p:stCondLst>
+                                        </p:cTn>
+                                        <p:tgtEl>
+                                          <p:spTgt spid="3"/>
+                                        </p:tgtEl>
+                                        <p:attrNameLst>
+                                          <p:attrName>style.visibility</p:attrName>
+                                        </p:attrNameLst>
+                                      </p:cBhvr>
+                                      <p:to>
+                                        <p:strVal val="visible"/>
+                                      </p:to>
+                                    </p:set>
+                                    <p:animEffect transition="in" filter="fade">
+                                      <p:cBhvr>
+                                        <p:cTn id="7" dur="500"/>
+                                        <p:tgtEl>
+                                          <p:spTgt spid="3"/>
+                                        </p:tgtEl>
+                                      </p:cBhvr>
+                                    </p:animEffect>
+                                  </p:childTnLst>
+                                </p:cTn>
+                              </p:par>
+                              <p:par>
+                                <p:cTn id="8" presetID="10" presetClass="entr" presetSubtype="0" fill="hold" grpId="0" nodeType="withEffect">
+                                  <p:stCondLst>
+                                    <p:cond delay="0"/>
+                                  </p:stCondLst>
+                                  <p:childTnLst>
+                                    <p:set>
+                                      <p:cBhvr>
+                                        <p:cTn id="9" dur="1" fill="hold">
+                                          <p:stCondLst>
+                                            <p:cond delay="0"/>
+                                          </p:stCondLst>
+                                        </p:cTn>
+                                        <p:tgtEl>
+                                          <p:spTgt spid="7"/>
+                                        </p:tgtEl>
+                                        <p:attrNameLst>
+                                          <p:attrName>style.visibility</p:attrName>
+                                        </p:attrNameLst>
+                                      </p:cBhvr>
+                                      <p:to>
+                                        <p:strVal val="visible"/>
+                                      </p:to>
+                                    </p:set>
+                                    <p:animEffect transition="in" filter="fade">
+                                      <p:cBhvr>
+                                        <p:cTn id="10" dur="500"/>
+                                        <p:tgtEl>
+                                          <p:spTgt spid="7"/>
+                                        </p:tgtEl>
+                                      </p:cBhvr>
+                                    </p:animEffect>
+                                  </p:childTnLst>
+                                </p:cTn>
+                              </p:par>
+                            </p:childTnLst>
+                          </p:cTn>
+                        </p:par>
+                      </p:childTnLst>
+                    </p:cTn>
+                  </p:par>
+                  <p:par>
+                    <p:cTn id="11" fill="hold">
+                      <p:stCondLst>
+                        <p:cond delay="indefinite"/>
+                      </p:stCondLst>
+                      <p:childTnLst>
+                        <p:par>
+                          <p:cTn id="12" fill="hold">
+                            <p:stCondLst>
+                              <p:cond delay="0"/>
+                            </p:stCondLst>
+                            <p:childTnLst>
+                              <p:par>
+                                <p:cTn id="13" presetID="10" presetClass="entr" presetSubtype="0" fill="hold" nodeType="clickEffect">
+                                  <p:stCondLst>
+                                    <p:cond delay="0"/>
+                                  </p:stCondLst>
+                                  <p:childTnLst>
+                                    <p:set>
+                                      <p:cBhvr>
+                                        <p:cTn id="14" dur="1" fill="hold">
+                                          <p:stCondLst>
+                                            <p:cond delay="0"/>
+                                          </p:stCondLst>
+                                        </p:cTn>
+                                        <p:tgtEl>
+                                          <p:spTgt spid="6"/>
+                                        </p:tgtEl>
+                                        <p:attrNameLst>
+                                          <p:attrName>style.visibility</p:attrName>
+                                        </p:attrNameLst>
+                                      </p:cBhvr>
+                                      <p:to>
+                                        <p:strVal val="visible"/>
+                                      </p:to>
+                                    </p:set>
+                                    <p:animEffect transition="in" filter="fade">
+                                      <p:cBhvr>
+                                        <p:cTn id="15" dur="500"/>
+                                        <p:tgtEl>
+                                          <p:spTgt spid="6"/>
+                                        </p:tgtEl>
+                                      </p:cBhvr>
+                                    </p:animEffect>
+                                  </p:childTnLst>
+                                </p:cTn>
+                              </p:par>
+                              <p:par>
+                                <p:cTn id="16" presetID="10" presetClass="entr" presetSubtype="0" fill="hold" grpId="0" nodeType="withEffect">
+                                  <p:stCondLst>
+                                    <p:cond delay="0"/>
+                                  </p:stCondLst>
+                                  <p:childTnLst>
+                                    <p:set>
+                                      <p:cBhvr>
+                                        <p:cTn id="17" dur="1" fill="hold">
+                                          <p:stCondLst>
+                                            <p:cond delay="0"/>
+                                          </p:stCondLst>
+                                        </p:cTn>
+                                        <p:tgtEl>
+                                          <p:spTgt spid="8"/>
+                                        </p:tgtEl>
+                                        <p:attrNameLst>
+                                          <p:attrName>style.visibility</p:attrName>
+                                        </p:attrNameLst>
+                                      </p:cBhvr>
+                                      <p:to>
+                                        <p:strVal val="visible"/>
+                                      </p:to>
+                                    </p:set>
+                                    <p:animEffect transition="in" filter="fade">
+                                      <p:cBhvr>
+                                        <p:cTn id="18" dur="500"/>
+                                        <p:tgtEl>
+                                          <p:spTgt spid="8"/>
+                                        </p:tgtEl>
+                                      </p:cBhvr>
+                                    </p:animEffect>
+                                  </p:childTnLst>
+                                </p:cTn>
+                              </p:par>
+                            </p:childTnLst>
+                          </p:cTn>
+                        </p:par>
+                      </p:childTnLst>
+                    </p:cTn>
+                  </p:par>
+                </p:childTnLst>
+              </p:cTn>
+              <p:prevCondLst>
+                <p:cond evt="onPrev" delay="0">
+                  <p:tgtEl>
+                    <p:sldTgt/>
+                  </p:tgtEl>
+                </p:cond>
+              </p:prevCondLst>
+              <p:nextCondLst>
+                <p:cond evt="onNext" delay="0">
+                  <p:tgtEl>
+                    <p:sldTgt/>
+                  </p:tgtEl>
+                </p:cond>
+              </p:nextCondLst>
+            </p:seq>
+          </p:childTnLst>
+        </p:cTn>
+      </p:par>
+    </p:tnLst>
+    <p:bldLst>
+      <p:bldP spid="7" grpId="0"/>
+      <p:bldP spid="8" grpId="0"/>
+    </p:bldLst>
+  </p:timing>
+</p:sld>
+</file>
+
+<file path=ppt/slides/slide13.xml><?xml version="1.0" encoding="utf-8"?>
+<p:sld xmlns:a="http://schemas.openxmlformats.org/drawingml/2006/main" xmlns:r="http://schemas.openxmlformats.org/officeDocument/2006/relationships" xmlns:p="http://schemas.openxmlformats.org/presentationml/2006/main">
+  <p:cSld>
+    <p:spTree>
+      <p:nvGrpSpPr>
+        <p:cNvPr id="1" name=""/>
+        <p:cNvGrpSpPr/>
+        <p:nvPr/>
+      </p:nvGrpSpPr>
+      <p:grpSpPr>
+        <a:xfrm>
+          <a:off x="0" y="0"/>
+          <a:ext cx="0" cy="0"/>
+          <a:chOff x="0" y="0"/>
+          <a:chExt cx="0" cy="0"/>
+        </a:xfrm>
+      </p:grpSpPr>
+      <p:sp>
+        <p:nvSpPr>
+          <p:cNvPr id="4" name="ZoneTexte 3">
+            <a:extLst>
+              <a:ext uri="{FF2B5EF4-FFF2-40B4-BE49-F238E27FC236}">
+                <a16:creationId xmlns:a16="http://schemas.microsoft.com/office/drawing/2014/main" id="{5B83E49B-2489-EF47-0DC8-214B6E733633}"/>
+              </a:ext>
+            </a:extLst>
+          </p:cNvPr>
+          <p:cNvSpPr txBox="1"/>
+          <p:nvPr/>
+        </p:nvSpPr>
+        <p:spPr>
+          <a:xfrm>
+            <a:off x="467406" y="836712"/>
+            <a:ext cx="8209188" cy="707886"/>
+          </a:xfrm>
+          <a:prstGeom prst="rect">
+            <a:avLst/>
+          </a:prstGeom>
+          <a:solidFill>
+            <a:schemeClr val="bg1"/>
+          </a:solidFill>
+          <a:ln>
+            <a:solidFill>
+              <a:schemeClr val="tx1"/>
+            </a:solidFill>
+          </a:ln>
+        </p:spPr>
+        <p:style>
+          <a:lnRef idx="2">
+            <a:schemeClr val="dk1"/>
+          </a:lnRef>
+          <a:fillRef idx="1">
+            <a:schemeClr val="lt1"/>
+          </a:fillRef>
+          <a:effectRef idx="0">
+            <a:schemeClr val="dk1"/>
+          </a:effectRef>
+          <a:fontRef idx="minor">
+            <a:schemeClr val="dk1"/>
+          </a:fontRef>
+        </p:style>
+        <p:txBody>
+          <a:bodyPr wrap="square" rtlCol="0">
+            <a:spAutoFit/>
+          </a:bodyPr>
+          <a:lstStyle/>
+          <a:p>
+            <a:pPr algn="ctr"/>
+            <a:r>
+              <a:rPr lang="fr-FR" sz="4000" b="1" dirty="0">
+                <a:solidFill>
+                  <a:schemeClr val="tx1"/>
+                </a:solidFill>
+                <a:latin typeface="Aharoni" panose="02010803020104030203" pitchFamily="2" charset="-79"/>
+                <a:cs typeface="Aharoni" panose="02010803020104030203" pitchFamily="2" charset="-79"/>
+              </a:rPr>
+              <a:t>Results</a:t>
+            </a:r>
+          </a:p>
+        </p:txBody>
+      </p:sp>
+      <p:pic>
+        <p:nvPicPr>
+          <p:cNvPr id="5" name="Image 4">
+            <a:extLst>
+              <a:ext uri="{FF2B5EF4-FFF2-40B4-BE49-F238E27FC236}">
+                <a16:creationId xmlns:a16="http://schemas.microsoft.com/office/drawing/2014/main" id="{3F8765A5-2772-ABD2-AFB2-75B832EC7F87}"/>
+              </a:ext>
+            </a:extLst>
+          </p:cNvPr>
+          <p:cNvPicPr>
+            <a:picLocks noChangeAspect="1"/>
+          </p:cNvPicPr>
+          <p:nvPr/>
+        </p:nvPicPr>
+        <p:blipFill>
+          <a:blip r:embed="rId2"/>
+          <a:stretch>
+            <a:fillRect/>
+          </a:stretch>
+        </p:blipFill>
+        <p:spPr>
+          <a:xfrm>
+            <a:off x="593812" y="1844824"/>
+            <a:ext cx="7956376" cy="2078550"/>
+          </a:xfrm>
+          <a:prstGeom prst="rect">
+            <a:avLst/>
+          </a:prstGeom>
+        </p:spPr>
+      </p:pic>
+      <p:pic>
+        <p:nvPicPr>
+          <p:cNvPr id="8" name="Image 7">
+            <a:extLst>
+              <a:ext uri="{FF2B5EF4-FFF2-40B4-BE49-F238E27FC236}">
+                <a16:creationId xmlns:a16="http://schemas.microsoft.com/office/drawing/2014/main" id="{CBDE993E-52A7-B9F4-6A82-16703B93E586}"/>
+              </a:ext>
+            </a:extLst>
+          </p:cNvPr>
+          <p:cNvPicPr>
+            <a:picLocks noChangeAspect="1"/>
+          </p:cNvPicPr>
+          <p:nvPr/>
+        </p:nvPicPr>
+        <p:blipFill>
+          <a:blip r:embed="rId3"/>
+          <a:stretch>
+            <a:fillRect/>
+          </a:stretch>
+        </p:blipFill>
+        <p:spPr>
+          <a:xfrm>
+            <a:off x="576156" y="5229200"/>
+            <a:ext cx="7974032" cy="992147"/>
+          </a:xfrm>
+          <a:prstGeom prst="rect">
+            <a:avLst/>
+          </a:prstGeom>
+        </p:spPr>
+      </p:pic>
+      <p:sp>
+        <p:nvSpPr>
+          <p:cNvPr id="10" name="ZoneTexte 9">
+            <a:extLst>
+              <a:ext uri="{FF2B5EF4-FFF2-40B4-BE49-F238E27FC236}">
+                <a16:creationId xmlns:a16="http://schemas.microsoft.com/office/drawing/2014/main" id="{E6F61DE8-D8D4-7244-3D1B-E2CDA9BF93C4}"/>
+              </a:ext>
+            </a:extLst>
+          </p:cNvPr>
+          <p:cNvSpPr txBox="1"/>
+          <p:nvPr/>
+        </p:nvSpPr>
+        <p:spPr>
+          <a:xfrm>
+            <a:off x="683568" y="4007481"/>
+            <a:ext cx="8209188" cy="523220"/>
+          </a:xfrm>
+          <a:prstGeom prst="rect">
+            <a:avLst/>
+          </a:prstGeom>
+          <a:noFill/>
+        </p:spPr>
+        <p:txBody>
+          <a:bodyPr wrap="square">
+            <a:spAutoFit/>
+          </a:bodyPr>
+          <a:lstStyle/>
+          <a:p>
+            <a:pPr algn="ctr"/>
+            <a:r>
+              <a:rPr lang="en-US" sz="1400" dirty="0">
+                <a:effectLst/>
+                <a:latin typeface="Arial" panose="020B0604020202020204" pitchFamily="34" charset="0"/>
+              </a:rPr>
+              <a:t>(Left) Collection and crafting rates for three policies</a:t>
+            </a:r>
+          </a:p>
+          <a:p>
+            <a:pPr algn="ctr"/>
+            <a:r>
+              <a:rPr lang="en-US" sz="1400" dirty="0">
+                <a:effectLst/>
+                <a:latin typeface="Arial" panose="020B0604020202020204" pitchFamily="34" charset="0"/>
+              </a:rPr>
+              <a:t>(Right) Collection and crafting rates for VPT foundation model snapshots throughout training</a:t>
+            </a:r>
+            <a:endParaRPr lang="fr-FR" sz="1400" dirty="0"/>
+          </a:p>
+        </p:txBody>
+      </p:sp>
+      <p:sp>
+        <p:nvSpPr>
+          <p:cNvPr id="11" name="ZoneTexte 10">
+            <a:extLst>
+              <a:ext uri="{FF2B5EF4-FFF2-40B4-BE49-F238E27FC236}">
+                <a16:creationId xmlns:a16="http://schemas.microsoft.com/office/drawing/2014/main" id="{E899A5CA-9BCD-FB07-BE68-41E8A5897979}"/>
+              </a:ext>
+            </a:extLst>
+          </p:cNvPr>
+          <p:cNvSpPr txBox="1"/>
+          <p:nvPr/>
+        </p:nvSpPr>
+        <p:spPr>
+          <a:xfrm>
+            <a:off x="341000" y="6232368"/>
+            <a:ext cx="8209188" cy="307777"/>
+          </a:xfrm>
+          <a:prstGeom prst="rect">
+            <a:avLst/>
+          </a:prstGeom>
+          <a:noFill/>
+        </p:spPr>
+        <p:txBody>
+          <a:bodyPr wrap="square">
+            <a:spAutoFit/>
+          </a:bodyPr>
+          <a:lstStyle/>
+          <a:p>
+            <a:pPr algn="ctr"/>
+            <a:r>
+              <a:rPr lang="en-US" sz="1400" dirty="0">
+                <a:effectLst/>
+                <a:latin typeface="Arial" panose="020B0604020202020204" pitchFamily="34" charset="0"/>
+              </a:rPr>
+              <a:t>Typical sequence of items for obtaining a diamond pickaxe.</a:t>
+            </a:r>
+            <a:endParaRPr lang="fr-FR" sz="1400" dirty="0"/>
+          </a:p>
+        </p:txBody>
+      </p:sp>
+    </p:spTree>
+    <p:extLst>
+      <p:ext uri="{BB962C8B-B14F-4D97-AF65-F5344CB8AC3E}">
+        <p14:creationId xmlns:p14="http://schemas.microsoft.com/office/powerpoint/2010/main" val="2215583885"/>
+      </p:ext>
+    </p:extLst>
+  </p:cSld>
+  <p:clrMapOvr>
+    <a:masterClrMapping/>
+  </p:clrMapOvr>
+  <p:transition>
+    <p:fade/>
+  </p:transition>
+  <p:timing>
+    <p:tnLst>
+      <p:par>
+        <p:cTn id="1" dur="indefinite" restart="never" nodeType="tmRoot">
+          <p:childTnLst>
+            <p:seq concurrent="1" nextAc="seek">
+              <p:cTn id="2" dur="indefinite" nodeType="mainSeq">
+                <p:childTnLst>
+                  <p:par>
+                    <p:cTn id="3" fill="hold">
+                      <p:stCondLst>
+                        <p:cond delay="indefinite"/>
+                      </p:stCondLst>
+                      <p:childTnLst>
+                        <p:par>
+                          <p:cTn id="4" fill="hold">
+                            <p:stCondLst>
+                              <p:cond delay="0"/>
+                            </p:stCondLst>
+                            <p:childTnLst>
+                              <p:par>
+                                <p:cTn id="5" presetID="10" presetClass="entr" presetSubtype="0" fill="hold" nodeType="clickEffect">
+                                  <p:stCondLst>
+                                    <p:cond delay="0"/>
+                                  </p:stCondLst>
+                                  <p:childTnLst>
+                                    <p:set>
+                                      <p:cBhvr>
+                                        <p:cTn id="6" dur="1" fill="hold">
+                                          <p:stCondLst>
+                                            <p:cond delay="0"/>
+                                          </p:stCondLst>
+                                        </p:cTn>
+                                        <p:tgtEl>
+                                          <p:spTgt spid="5"/>
+                                        </p:tgtEl>
+                                        <p:attrNameLst>
+                                          <p:attrName>style.visibility</p:attrName>
+                                        </p:attrNameLst>
+                                      </p:cBhvr>
+                                      <p:to>
+                                        <p:strVal val="visible"/>
+                                      </p:to>
+                                    </p:set>
+                                    <p:animEffect transition="in" filter="fade">
+                                      <p:cBhvr>
+                                        <p:cTn id="7" dur="500"/>
+                                        <p:tgtEl>
+                                          <p:spTgt spid="5"/>
+                                        </p:tgtEl>
+                                      </p:cBhvr>
+                                    </p:animEffect>
+                                  </p:childTnLst>
+                                </p:cTn>
+                              </p:par>
+                              <p:par>
+                                <p:cTn id="8" presetID="10" presetClass="entr" presetSubtype="0" fill="hold" grpId="0" nodeType="withEffect">
+                                  <p:stCondLst>
+                                    <p:cond delay="0"/>
+                                  </p:stCondLst>
+                                  <p:childTnLst>
+                                    <p:set>
+                                      <p:cBhvr>
+                                        <p:cTn id="9" dur="1" fill="hold">
+                                          <p:stCondLst>
+                                            <p:cond delay="0"/>
+                                          </p:stCondLst>
+                                        </p:cTn>
+                                        <p:tgtEl>
+                                          <p:spTgt spid="10"/>
+                                        </p:tgtEl>
+                                        <p:attrNameLst>
+                                          <p:attrName>style.visibility</p:attrName>
+                                        </p:attrNameLst>
+                                      </p:cBhvr>
+                                      <p:to>
+                                        <p:strVal val="visible"/>
+                                      </p:to>
+                                    </p:set>
+                                    <p:animEffect transition="in" filter="fade">
+                                      <p:cBhvr>
+                                        <p:cTn id="10" dur="500"/>
+                                        <p:tgtEl>
+                                          <p:spTgt spid="10"/>
+                                        </p:tgtEl>
+                                      </p:cBhvr>
+                                    </p:animEffect>
+                                  </p:childTnLst>
+                                </p:cTn>
+                              </p:par>
+                            </p:childTnLst>
+                          </p:cTn>
+                        </p:par>
+                      </p:childTnLst>
+                    </p:cTn>
+                  </p:par>
+                  <p:par>
+                    <p:cTn id="11" fill="hold">
+                      <p:stCondLst>
+                        <p:cond delay="indefinite"/>
+                      </p:stCondLst>
+                      <p:childTnLst>
+                        <p:par>
+                          <p:cTn id="12" fill="hold">
+                            <p:stCondLst>
+                              <p:cond delay="0"/>
+                            </p:stCondLst>
+                            <p:childTnLst>
+                              <p:par>
+                                <p:cTn id="13" presetID="10" presetClass="entr" presetSubtype="0" fill="hold" nodeType="clickEffect">
+                                  <p:stCondLst>
+                                    <p:cond delay="0"/>
+                                  </p:stCondLst>
+                                  <p:childTnLst>
+                                    <p:set>
+                                      <p:cBhvr>
+                                        <p:cTn id="14" dur="1" fill="hold">
+                                          <p:stCondLst>
+                                            <p:cond delay="0"/>
+                                          </p:stCondLst>
+                                        </p:cTn>
+                                        <p:tgtEl>
+                                          <p:spTgt spid="8"/>
+                                        </p:tgtEl>
+                                        <p:attrNameLst>
+                                          <p:attrName>style.visibility</p:attrName>
+                                        </p:attrNameLst>
+                                      </p:cBhvr>
+                                      <p:to>
+                                        <p:strVal val="visible"/>
+                                      </p:to>
+                                    </p:set>
+                                    <p:animEffect transition="in" filter="fade">
+                                      <p:cBhvr>
+                                        <p:cTn id="15" dur="500"/>
+                                        <p:tgtEl>
+                                          <p:spTgt spid="8"/>
+                                        </p:tgtEl>
+                                      </p:cBhvr>
+                                    </p:animEffect>
+                                  </p:childTnLst>
+                                </p:cTn>
+                              </p:par>
+                              <p:par>
+                                <p:cTn id="16" presetID="10" presetClass="entr" presetSubtype="0" fill="hold" grpId="0" nodeType="withEffect">
+                                  <p:stCondLst>
+                                    <p:cond delay="0"/>
+                                  </p:stCondLst>
+                                  <p:childTnLst>
+                                    <p:set>
+                                      <p:cBhvr>
+                                        <p:cTn id="17" dur="1" fill="hold">
+                                          <p:stCondLst>
+                                            <p:cond delay="0"/>
+                                          </p:stCondLst>
+                                        </p:cTn>
+                                        <p:tgtEl>
+                                          <p:spTgt spid="11"/>
+                                        </p:tgtEl>
+                                        <p:attrNameLst>
+                                          <p:attrName>style.visibility</p:attrName>
+                                        </p:attrNameLst>
+                                      </p:cBhvr>
+                                      <p:to>
+                                        <p:strVal val="visible"/>
+                                      </p:to>
+                                    </p:set>
+                                    <p:animEffect transition="in" filter="fade">
+                                      <p:cBhvr>
+                                        <p:cTn id="18" dur="500"/>
+                                        <p:tgtEl>
+                                          <p:spTgt spid="11"/>
+                                        </p:tgtEl>
+                                      </p:cBhvr>
+                                    </p:animEffect>
+                                  </p:childTnLst>
+                                </p:cTn>
+                              </p:par>
+                            </p:childTnLst>
+                          </p:cTn>
+                        </p:par>
+                      </p:childTnLst>
+                    </p:cTn>
+                  </p:par>
+                </p:childTnLst>
+              </p:cTn>
+              <p:prevCondLst>
+                <p:cond evt="onPrev" delay="0">
+                  <p:tgtEl>
+                    <p:sldTgt/>
+                  </p:tgtEl>
+                </p:cond>
+              </p:prevCondLst>
+              <p:nextCondLst>
+                <p:cond evt="onNext" delay="0">
+                  <p:tgtEl>
+                    <p:sldTgt/>
+                  </p:tgtEl>
+                </p:cond>
+              </p:nextCondLst>
+            </p:seq>
+          </p:childTnLst>
+        </p:cTn>
+      </p:par>
+    </p:tnLst>
+    <p:bldLst>
+      <p:bldP spid="10" grpId="0"/>
+      <p:bldP spid="11" grpId="0"/>
+    </p:bldLst>
+  </p:timing>
+</p:sld>
+</file>
+
+<file path=ppt/slides/slide14.xml><?xml version="1.0" encoding="utf-8"?>
+<p:sld xmlns:a="http://schemas.openxmlformats.org/drawingml/2006/main" xmlns:r="http://schemas.openxmlformats.org/officeDocument/2006/relationships" xmlns:p="http://schemas.openxmlformats.org/presentationml/2006/main">
+  <p:cSld>
+    <p:spTree>
+      <p:nvGrpSpPr>
+        <p:cNvPr id="1" name=""/>
+        <p:cNvGrpSpPr/>
+        <p:nvPr/>
+      </p:nvGrpSpPr>
+      <p:grpSpPr>
+        <a:xfrm>
+          <a:off x="0" y="0"/>
+          <a:ext cx="0" cy="0"/>
+          <a:chOff x="0" y="0"/>
+          <a:chExt cx="0" cy="0"/>
+        </a:xfrm>
+      </p:grpSpPr>
+      <p:sp>
+        <p:nvSpPr>
+          <p:cNvPr id="4" name="ZoneTexte 3">
+            <a:extLst>
+              <a:ext uri="{FF2B5EF4-FFF2-40B4-BE49-F238E27FC236}">
+                <a16:creationId xmlns:a16="http://schemas.microsoft.com/office/drawing/2014/main" id="{5B83E49B-2489-EF47-0DC8-214B6E733633}"/>
+              </a:ext>
+            </a:extLst>
+          </p:cNvPr>
+          <p:cNvSpPr txBox="1"/>
+          <p:nvPr/>
+        </p:nvSpPr>
+        <p:spPr>
+          <a:xfrm>
+            <a:off x="467406" y="836712"/>
+            <a:ext cx="8209188" cy="707886"/>
+          </a:xfrm>
+          <a:prstGeom prst="rect">
+            <a:avLst/>
+          </a:prstGeom>
+          <a:solidFill>
+            <a:schemeClr val="bg1"/>
+          </a:solidFill>
+          <a:ln>
+            <a:solidFill>
+              <a:schemeClr val="tx1"/>
+            </a:solidFill>
+          </a:ln>
+        </p:spPr>
+        <p:style>
+          <a:lnRef idx="2">
+            <a:schemeClr val="dk1"/>
+          </a:lnRef>
+          <a:fillRef idx="1">
+            <a:schemeClr val="lt1"/>
+          </a:fillRef>
+          <a:effectRef idx="0">
+            <a:schemeClr val="dk1"/>
+          </a:effectRef>
+          <a:fontRef idx="minor">
+            <a:schemeClr val="dk1"/>
+          </a:fontRef>
+        </p:style>
+        <p:txBody>
+          <a:bodyPr wrap="square" rtlCol="0">
+            <a:spAutoFit/>
+          </a:bodyPr>
+          <a:lstStyle/>
+          <a:p>
+            <a:pPr algn="ctr"/>
+            <a:r>
+              <a:rPr lang="fr-FR" sz="4000" b="1" dirty="0">
+                <a:solidFill>
+                  <a:schemeClr val="tx1"/>
+                </a:solidFill>
+                <a:latin typeface="Aharoni" panose="02010803020104030203" pitchFamily="2" charset="-79"/>
+                <a:cs typeface="Aharoni" panose="02010803020104030203" pitchFamily="2" charset="-79"/>
+              </a:rPr>
+              <a:t>Results</a:t>
+            </a:r>
+          </a:p>
+        </p:txBody>
+      </p:sp>
+      <p:pic>
+        <p:nvPicPr>
+          <p:cNvPr id="3" name="Image 2">
+            <a:extLst>
+              <a:ext uri="{FF2B5EF4-FFF2-40B4-BE49-F238E27FC236}">
+                <a16:creationId xmlns:a16="http://schemas.microsoft.com/office/drawing/2014/main" id="{1D400984-65BA-B229-BD9F-45C091FFA392}"/>
+              </a:ext>
+            </a:extLst>
+          </p:cNvPr>
+          <p:cNvPicPr>
+            <a:picLocks noChangeAspect="1"/>
+          </p:cNvPicPr>
+          <p:nvPr/>
+        </p:nvPicPr>
+        <p:blipFill>
+          <a:blip r:embed="rId2"/>
+          <a:stretch>
+            <a:fillRect/>
+          </a:stretch>
+        </p:blipFill>
+        <p:spPr>
+          <a:xfrm>
+            <a:off x="467406" y="1893312"/>
+            <a:ext cx="8209188" cy="2771149"/>
+          </a:xfrm>
+          <a:prstGeom prst="rect">
+            <a:avLst/>
+          </a:prstGeom>
+        </p:spPr>
+      </p:pic>
+      <p:sp>
+        <p:nvSpPr>
+          <p:cNvPr id="10" name="ZoneTexte 9">
+            <a:extLst>
+              <a:ext uri="{FF2B5EF4-FFF2-40B4-BE49-F238E27FC236}">
+                <a16:creationId xmlns:a16="http://schemas.microsoft.com/office/drawing/2014/main" id="{0D2A1E0E-E1B6-2044-4B82-540FF61DA7F0}"/>
+              </a:ext>
+            </a:extLst>
+          </p:cNvPr>
+          <p:cNvSpPr txBox="1"/>
+          <p:nvPr/>
+        </p:nvSpPr>
+        <p:spPr>
+          <a:xfrm>
+            <a:off x="683568" y="4709396"/>
+            <a:ext cx="7993026" cy="2031325"/>
+          </a:xfrm>
+          <a:prstGeom prst="rect">
+            <a:avLst/>
+          </a:prstGeom>
+          <a:noFill/>
+        </p:spPr>
+        <p:txBody>
+          <a:bodyPr wrap="square">
+            <a:spAutoFit/>
+          </a:bodyPr>
+          <a:lstStyle/>
+          <a:p>
+            <a:pPr marL="342900" indent="-342900">
+              <a:buAutoNum type="alphaLcParenBoth"/>
+            </a:pPr>
+            <a:r>
+              <a:rPr lang="fr-FR" sz="1400" dirty="0">
+                <a:effectLst/>
+                <a:latin typeface="Arial" panose="020B0604020202020204" pitchFamily="34" charset="0"/>
+              </a:rPr>
+              <a:t>RL Fine-tuning </a:t>
+            </a:r>
+            <a:r>
+              <a:rPr lang="fr-FR" sz="1400" dirty="0" err="1">
+                <a:effectLst/>
+                <a:latin typeface="Arial" panose="020B0604020202020204" pitchFamily="34" charset="0"/>
+              </a:rPr>
+              <a:t>results</a:t>
+            </a:r>
+            <a:endParaRPr lang="fr-FR" sz="1400" dirty="0">
+              <a:effectLst/>
+              <a:latin typeface="Arial" panose="020B0604020202020204" pitchFamily="34" charset="0"/>
+            </a:endParaRPr>
+          </a:p>
+          <a:p>
+            <a:pPr marL="342900" indent="-342900">
+              <a:buAutoNum type="alphaLcParenBoth"/>
+            </a:pPr>
+            <a:endParaRPr lang="fr-FR" sz="1400" dirty="0">
+              <a:effectLst/>
+              <a:latin typeface="Arial" panose="020B0604020202020204" pitchFamily="34" charset="0"/>
+            </a:endParaRPr>
+          </a:p>
+          <a:p>
+            <a:r>
+              <a:rPr lang="en-US" sz="1400" dirty="0">
+                <a:effectLst/>
+                <a:latin typeface="Arial" panose="020B0604020202020204" pitchFamily="34" charset="0"/>
+              </a:rPr>
+              <a:t>(b) RL from a randomly initialized model occasionally collects sticks by breaking leaves and never learns to reliably collect logs</a:t>
+            </a:r>
+          </a:p>
+          <a:p>
+            <a:endParaRPr lang="en-US" sz="1400" dirty="0">
+              <a:latin typeface="Arial" panose="020B0604020202020204" pitchFamily="34" charset="0"/>
+            </a:endParaRPr>
+          </a:p>
+          <a:p>
+            <a:r>
+              <a:rPr lang="en-US" sz="1400" dirty="0">
+                <a:effectLst/>
+                <a:latin typeface="Arial" panose="020B0604020202020204" pitchFamily="34" charset="0"/>
+              </a:rPr>
+              <a:t>(c) RL fine-tuning from the VPT Foundation model learns everything in the curriculum up to iron ore and making furnaces, but fails to learn to use the furnace to smelt iron ingots</a:t>
+            </a:r>
+          </a:p>
+          <a:p>
+            <a:endParaRPr lang="en-US" sz="1400" dirty="0">
+              <a:latin typeface="Arial" panose="020B0604020202020204" pitchFamily="34" charset="0"/>
+            </a:endParaRPr>
+          </a:p>
+          <a:p>
+            <a:r>
+              <a:rPr lang="en-US" sz="1400" dirty="0">
+                <a:effectLst/>
+                <a:latin typeface="Arial" panose="020B0604020202020204" pitchFamily="34" charset="0"/>
+              </a:rPr>
+              <a:t>(d) RL fine-tuning from the early-game model learns to obtain (at human-level)</a:t>
+            </a:r>
+            <a:endParaRPr lang="fr-FR" sz="1400" dirty="0">
+              <a:effectLst/>
+              <a:latin typeface="Arial" panose="020B0604020202020204" pitchFamily="34" charset="0"/>
+            </a:endParaRPr>
+          </a:p>
+        </p:txBody>
+      </p:sp>
+    </p:spTree>
+    <p:extLst>
+      <p:ext uri="{BB962C8B-B14F-4D97-AF65-F5344CB8AC3E}">
+        <p14:creationId xmlns:p14="http://schemas.microsoft.com/office/powerpoint/2010/main" val="3542841818"/>
+      </p:ext>
+    </p:extLst>
+  </p:cSld>
+  <p:clrMapOvr>
+    <a:masterClrMapping/>
+  </p:clrMapOvr>
+  <p:transition>
+    <p:fade/>
+  </p:transition>
+  <p:timing>
+    <p:tnLst>
+      <p:par>
+        <p:cTn id="1" dur="indefinite" restart="never" nodeType="tmRoot">
+          <p:childTnLst>
+            <p:seq concurrent="1" nextAc="seek">
+              <p:cTn id="2" dur="indefinite" nodeType="mainSeq">
+                <p:childTnLst>
+                  <p:par>
+                    <p:cTn id="3" fill="hold">
+                      <p:stCondLst>
+                        <p:cond delay="indefinite"/>
+                      </p:stCondLst>
+                      <p:childTnLst>
+                        <p:par>
+                          <p:cTn id="4" fill="hold">
+                            <p:stCondLst>
+                              <p:cond delay="0"/>
+                            </p:stCondLst>
+                            <p:childTnLst>
+                              <p:par>
+                                <p:cTn id="5" presetID="10" presetClass="entr" presetSubtype="0" fill="hold" nodeType="clickEffect">
+                                  <p:stCondLst>
+                                    <p:cond delay="0"/>
+                                  </p:stCondLst>
+                                  <p:childTnLst>
+                                    <p:set>
+                                      <p:cBhvr>
+                                        <p:cTn id="6" dur="1" fill="hold">
+                                          <p:stCondLst>
+                                            <p:cond delay="0"/>
+                                          </p:stCondLst>
+                                        </p:cTn>
+                                        <p:tgtEl>
+                                          <p:spTgt spid="3"/>
+                                        </p:tgtEl>
+                                        <p:attrNameLst>
+                                          <p:attrName>style.visibility</p:attrName>
+                                        </p:attrNameLst>
+                                      </p:cBhvr>
+                                      <p:to>
+                                        <p:strVal val="visible"/>
+                                      </p:to>
+                                    </p:set>
+                                    <p:animEffect transition="in" filter="fade">
+                                      <p:cBhvr>
+                                        <p:cTn id="7" dur="500"/>
+                                        <p:tgtEl>
+                                          <p:spTgt spid="3"/>
+                                        </p:tgtEl>
+                                      </p:cBhvr>
+                                    </p:animEffect>
+                                  </p:childTnLst>
+                                </p:cTn>
+                              </p:par>
+                              <p:par>
+                                <p:cTn id="8" presetID="10" presetClass="entr" presetSubtype="0" fill="hold" grpId="0" nodeType="withEffect">
+                                  <p:stCondLst>
+                                    <p:cond delay="0"/>
+                                  </p:stCondLst>
+                                  <p:childTnLst>
+                                    <p:set>
+                                      <p:cBhvr>
+                                        <p:cTn id="9" dur="1" fill="hold">
+                                          <p:stCondLst>
+                                            <p:cond delay="0"/>
+                                          </p:stCondLst>
+                                        </p:cTn>
+                                        <p:tgtEl>
+                                          <p:spTgt spid="10"/>
+                                        </p:tgtEl>
+                                        <p:attrNameLst>
+                                          <p:attrName>style.visibility</p:attrName>
+                                        </p:attrNameLst>
+                                      </p:cBhvr>
+                                      <p:to>
+                                        <p:strVal val="visible"/>
+                                      </p:to>
+                                    </p:set>
+                                    <p:animEffect transition="in" filter="fade">
+                                      <p:cBhvr>
+                                        <p:cTn id="10" dur="500"/>
+                                        <p:tgtEl>
+                                          <p:spTgt spid="10"/>
+                                        </p:tgtEl>
+                                      </p:cBhvr>
+                                    </p:animEffect>
+                                  </p:childTnLst>
+                                </p:cTn>
+                              </p:par>
+                            </p:childTnLst>
+                          </p:cTn>
+                        </p:par>
+                      </p:childTnLst>
+                    </p:cTn>
+                  </p:par>
+                </p:childTnLst>
+              </p:cTn>
+              <p:prevCondLst>
+                <p:cond evt="onPrev" delay="0">
+                  <p:tgtEl>
+                    <p:sldTgt/>
+                  </p:tgtEl>
+                </p:cond>
+              </p:prevCondLst>
+              <p:nextCondLst>
+                <p:cond evt="onNext" delay="0">
+                  <p:tgtEl>
+                    <p:sldTgt/>
+                  </p:tgtEl>
+                </p:cond>
+              </p:nextCondLst>
+            </p:seq>
+          </p:childTnLst>
+        </p:cTn>
+      </p:par>
+    </p:tnLst>
+    <p:bldLst>
+      <p:bldP spid="10" grpId="0"/>
+    </p:bldLst>
+  </p:timing>
+</p:sld>
+</file>
+
 <file path=ppt/slides/slide2.xml><?xml version="1.0" encoding="utf-8"?>
 <p:sld xmlns:a="http://schemas.openxmlformats.org/drawingml/2006/main" xmlns:r="http://schemas.openxmlformats.org/officeDocument/2006/relationships" xmlns:p="http://schemas.openxmlformats.org/presentationml/2006/main">
   <p:cSld>
@@ -1855,7 +4493,9 @@
           <a:prstGeom prst="rect">
             <a:avLst/>
           </a:prstGeom>
-          <a:noFill/>
+          <a:solidFill>
+            <a:schemeClr val="bg1"/>
+          </a:solidFill>
           <a:ln w="57150">
             <a:solidFill>
               <a:schemeClr val="bg1"/>
@@ -1905,7 +4545,9 @@
           <a:prstGeom prst="rect">
             <a:avLst/>
           </a:prstGeom>
-          <a:noFill/>
+          <a:solidFill>
+            <a:schemeClr val="bg1"/>
+          </a:solidFill>
           <a:ln w="57150">
             <a:solidFill>
               <a:schemeClr val="bg1"/>
@@ -1946,7 +4588,9 @@
           <a:prstGeom prst="rect">
             <a:avLst/>
           </a:prstGeom>
-          <a:noFill/>
+          <a:solidFill>
+            <a:schemeClr val="bg1"/>
+          </a:solidFill>
           <a:ln w="57150">
             <a:solidFill>
               <a:schemeClr val="bg1"/>
@@ -1977,13 +4621,13 @@
   <p:clrMapOvr>
     <a:overrideClrMapping bg1="dk1" tx1="lt1" bg2="dk2" tx2="lt2" accent1="accent1" accent2="accent2" accent3="accent3" accent4="accent4" accent5="accent5" accent6="accent6" hlink="hlink" folHlink="folHlink"/>
   </p:clrMapOvr>
-  <mc:AlternateContent xmlns:mc="http://schemas.openxmlformats.org/markup-compatibility/2006">
-    <mc:Choice xmlns:p14="http://schemas.microsoft.com/office/powerpoint/2010/main" Requires="p14">
+  <mc:AlternateContent xmlns:mc="http://schemas.openxmlformats.org/markup-compatibility/2006" xmlns:p14="http://schemas.microsoft.com/office/powerpoint/2010/main">
+    <mc:Choice Requires="p14">
       <p:transition spd="med" p14:dur="700">
         <p:fade/>
       </p:transition>
     </mc:Choice>
-    <mc:Fallback>
+    <mc:Fallback xmlns="">
       <p:transition spd="med">
         <p:fade/>
       </p:transition>
@@ -2723,13 +5367,13 @@
   <p:clrMapOvr>
     <a:overrideClrMapping bg1="dk1" tx1="lt1" bg2="dk2" tx2="lt2" accent1="accent1" accent2="accent2" accent3="accent3" accent4="accent4" accent5="accent5" accent6="accent6" hlink="hlink" folHlink="folHlink"/>
   </p:clrMapOvr>
-  <mc:AlternateContent xmlns:mc="http://schemas.openxmlformats.org/markup-compatibility/2006">
-    <mc:Choice xmlns:p14="http://schemas.microsoft.com/office/powerpoint/2010/main" Requires="p14">
+  <mc:AlternateContent xmlns:mc="http://schemas.openxmlformats.org/markup-compatibility/2006" xmlns:p14="http://schemas.microsoft.com/office/powerpoint/2010/main">
+    <mc:Choice Requires="p14">
       <p:transition spd="med" p14:dur="700">
         <p:fade/>
       </p:transition>
     </mc:Choice>
-    <mc:Fallback>
+    <mc:Fallback xmlns="">
       <p:transition spd="med">
         <p:fade/>
       </p:transition>
@@ -4608,6 +7252,785 @@
           <a:p>
             <a:pPr algn="ctr"/>
             <a:r>
+              <a:rPr lang="fr-FR" sz="4000" dirty="0">
+                <a:solidFill>
+                  <a:schemeClr val="tx1"/>
+                </a:solidFill>
+                <a:effectLst/>
+                <a:latin typeface="Arial" panose="020B0604020202020204" pitchFamily="34" charset="0"/>
+              </a:rPr>
+              <a:t>Minecraft </a:t>
+            </a:r>
+            <a:r>
+              <a:rPr lang="fr-FR" sz="4000" dirty="0" err="1">
+                <a:solidFill>
+                  <a:schemeClr val="tx1"/>
+                </a:solidFill>
+                <a:effectLst/>
+                <a:latin typeface="Arial" panose="020B0604020202020204" pitchFamily="34" charset="0"/>
+              </a:rPr>
+              <a:t>environment</a:t>
+            </a:r>
+            <a:r>
+              <a:rPr lang="fr-FR" sz="4000" dirty="0">
+                <a:solidFill>
+                  <a:schemeClr val="tx1"/>
+                </a:solidFill>
+                <a:effectLst/>
+                <a:latin typeface="Arial" panose="020B0604020202020204" pitchFamily="34" charset="0"/>
+              </a:rPr>
+              <a:t> </a:t>
+            </a:r>
+            <a:r>
+              <a:rPr lang="fr-FR" sz="4000" dirty="0" err="1">
+                <a:solidFill>
+                  <a:schemeClr val="tx1"/>
+                </a:solidFill>
+                <a:effectLst/>
+                <a:latin typeface="Arial" panose="020B0604020202020204" pitchFamily="34" charset="0"/>
+              </a:rPr>
+              <a:t>details</a:t>
+            </a:r>
+            <a:endParaRPr lang="fr-FR" sz="4000" b="1" dirty="0">
+              <a:solidFill>
+                <a:schemeClr val="tx1"/>
+              </a:solidFill>
+              <a:latin typeface="Aharoni" panose="02010803020104030203" pitchFamily="2" charset="-79"/>
+              <a:cs typeface="Aharoni" panose="02010803020104030203" pitchFamily="2" charset="-79"/>
+            </a:endParaRPr>
+          </a:p>
+        </p:txBody>
+      </p:sp>
+      <p:pic>
+        <p:nvPicPr>
+          <p:cNvPr id="3" name="Image 2">
+            <a:extLst>
+              <a:ext uri="{FF2B5EF4-FFF2-40B4-BE49-F238E27FC236}">
+                <a16:creationId xmlns:a16="http://schemas.microsoft.com/office/drawing/2014/main" id="{F23A9DBD-1BA2-669D-3576-F03F7A5F484D}"/>
+              </a:ext>
+            </a:extLst>
+          </p:cNvPr>
+          <p:cNvPicPr>
+            <a:picLocks noChangeAspect="1"/>
+          </p:cNvPicPr>
+          <p:nvPr/>
+        </p:nvPicPr>
+        <p:blipFill>
+          <a:blip r:embed="rId2"/>
+          <a:stretch>
+            <a:fillRect/>
+          </a:stretch>
+        </p:blipFill>
+        <p:spPr>
+          <a:xfrm>
+            <a:off x="2572811" y="1772816"/>
+            <a:ext cx="3998377" cy="2300890"/>
+          </a:xfrm>
+          <a:prstGeom prst="rect">
+            <a:avLst/>
+          </a:prstGeom>
+        </p:spPr>
+      </p:pic>
+      <p:sp>
+        <p:nvSpPr>
+          <p:cNvPr id="12" name="ZoneTexte 11">
+            <a:extLst>
+              <a:ext uri="{FF2B5EF4-FFF2-40B4-BE49-F238E27FC236}">
+                <a16:creationId xmlns:a16="http://schemas.microsoft.com/office/drawing/2014/main" id="{68E15B4A-A073-1506-37F8-1EBBA9156668}"/>
+              </a:ext>
+            </a:extLst>
+          </p:cNvPr>
+          <p:cNvSpPr txBox="1"/>
+          <p:nvPr/>
+        </p:nvSpPr>
+        <p:spPr>
+          <a:xfrm>
+            <a:off x="3292889" y="4437112"/>
+            <a:ext cx="2558220" cy="646331"/>
+          </a:xfrm>
+          <a:prstGeom prst="rect">
+            <a:avLst/>
+          </a:prstGeom>
+          <a:solidFill>
+            <a:schemeClr val="bg1"/>
+          </a:solidFill>
+          <a:ln w="57150">
+            <a:solidFill>
+              <a:schemeClr val="tx1">
+                <a:lumMod val="75000"/>
+              </a:schemeClr>
+            </a:solidFill>
+          </a:ln>
+        </p:spPr>
+        <p:txBody>
+          <a:bodyPr wrap="square" rtlCol="0">
+            <a:spAutoFit/>
+          </a:bodyPr>
+          <a:lstStyle/>
+          <a:p>
+            <a:pPr algn="ctr"/>
+            <a:r>
+              <a:rPr lang="fr-FR" dirty="0"/>
+              <a:t>MCP-</a:t>
+            </a:r>
+            <a:r>
+              <a:rPr lang="fr-FR" dirty="0" err="1"/>
+              <a:t>Reborn</a:t>
+            </a:r>
+            <a:r>
+              <a:rPr lang="fr-FR" dirty="0"/>
+              <a:t> Minecraft </a:t>
+            </a:r>
+            <a:r>
+              <a:rPr lang="fr-FR" dirty="0" err="1"/>
+              <a:t>modding</a:t>
+            </a:r>
+            <a:r>
+              <a:rPr lang="fr-FR" dirty="0"/>
+              <a:t> package</a:t>
+            </a:r>
+            <a:endParaRPr lang="fr-FR" sz="3600" b="1" dirty="0"/>
+          </a:p>
+        </p:txBody>
+      </p:sp>
+      <p:pic>
+        <p:nvPicPr>
+          <p:cNvPr id="14" name="Image 13">
+            <a:extLst>
+              <a:ext uri="{FF2B5EF4-FFF2-40B4-BE49-F238E27FC236}">
+                <a16:creationId xmlns:a16="http://schemas.microsoft.com/office/drawing/2014/main" id="{43F944A9-5CEA-16DF-85B3-115CBC5F1147}"/>
+              </a:ext>
+            </a:extLst>
+          </p:cNvPr>
+          <p:cNvPicPr>
+            <a:picLocks noChangeAspect="1"/>
+          </p:cNvPicPr>
+          <p:nvPr/>
+        </p:nvPicPr>
+        <p:blipFill>
+          <a:blip r:embed="rId3"/>
+          <a:stretch>
+            <a:fillRect/>
+          </a:stretch>
+        </p:blipFill>
+        <p:spPr>
+          <a:xfrm>
+            <a:off x="323528" y="4581128"/>
+            <a:ext cx="2060473" cy="2091598"/>
+          </a:xfrm>
+          <a:prstGeom prst="rect">
+            <a:avLst/>
+          </a:prstGeom>
+        </p:spPr>
+      </p:pic>
+      <p:pic>
+        <p:nvPicPr>
+          <p:cNvPr id="16" name="Image 15">
+            <a:extLst>
+              <a:ext uri="{FF2B5EF4-FFF2-40B4-BE49-F238E27FC236}">
+                <a16:creationId xmlns:a16="http://schemas.microsoft.com/office/drawing/2014/main" id="{C36A57C2-AEEE-F3E0-441C-D28D059D7A1F}"/>
+              </a:ext>
+            </a:extLst>
+          </p:cNvPr>
+          <p:cNvPicPr>
+            <a:picLocks noChangeAspect="1"/>
+          </p:cNvPicPr>
+          <p:nvPr/>
+        </p:nvPicPr>
+        <p:blipFill>
+          <a:blip r:embed="rId4"/>
+          <a:stretch>
+            <a:fillRect/>
+          </a:stretch>
+        </p:blipFill>
+        <p:spPr>
+          <a:xfrm>
+            <a:off x="6759633" y="4581128"/>
+            <a:ext cx="2060839" cy="2091598"/>
+          </a:xfrm>
+          <a:prstGeom prst="rect">
+            <a:avLst/>
+          </a:prstGeom>
+        </p:spPr>
+      </p:pic>
+      <p:cxnSp>
+        <p:nvCxnSpPr>
+          <p:cNvPr id="21" name="Connecteur : en angle 20">
+            <a:extLst>
+              <a:ext uri="{FF2B5EF4-FFF2-40B4-BE49-F238E27FC236}">
+                <a16:creationId xmlns:a16="http://schemas.microsoft.com/office/drawing/2014/main" id="{497365B8-E43D-5577-BD05-F7966F7C0987}"/>
+              </a:ext>
+            </a:extLst>
+          </p:cNvPr>
+          <p:cNvCxnSpPr>
+            <a:cxnSpLocks/>
+            <a:stCxn id="3" idx="2"/>
+            <a:endCxn id="12" idx="0"/>
+          </p:cNvCxnSpPr>
+          <p:nvPr/>
+        </p:nvCxnSpPr>
+        <p:spPr>
+          <a:xfrm rot="5400000">
+            <a:off x="4390297" y="4255409"/>
+            <a:ext cx="363406" cy="1"/>
+          </a:xfrm>
+          <a:prstGeom prst="bentConnector3">
+            <a:avLst>
+              <a:gd name="adj1" fmla="val 50000"/>
+            </a:avLst>
+          </a:prstGeom>
+          <a:ln w="57150">
+            <a:solidFill>
+              <a:schemeClr val="tx1"/>
+            </a:solidFill>
+            <a:tailEnd type="triangle"/>
+          </a:ln>
+        </p:spPr>
+        <p:style>
+          <a:lnRef idx="1">
+            <a:schemeClr val="accent1"/>
+          </a:lnRef>
+          <a:fillRef idx="0">
+            <a:schemeClr val="accent1"/>
+          </a:fillRef>
+          <a:effectRef idx="0">
+            <a:schemeClr val="accent1"/>
+          </a:effectRef>
+          <a:fontRef idx="minor">
+            <a:schemeClr val="tx1"/>
+          </a:fontRef>
+        </p:style>
+      </p:cxnSp>
+      <p:cxnSp>
+        <p:nvCxnSpPr>
+          <p:cNvPr id="25" name="Connecteur : en angle 24">
+            <a:extLst>
+              <a:ext uri="{FF2B5EF4-FFF2-40B4-BE49-F238E27FC236}">
+                <a16:creationId xmlns:a16="http://schemas.microsoft.com/office/drawing/2014/main" id="{E76BCD57-7753-D0A0-F184-EB1342B3D4DE}"/>
+              </a:ext>
+            </a:extLst>
+          </p:cNvPr>
+          <p:cNvCxnSpPr>
+            <a:cxnSpLocks/>
+            <a:stCxn id="12" idx="1"/>
+            <a:endCxn id="14" idx="3"/>
+          </p:cNvCxnSpPr>
+          <p:nvPr/>
+        </p:nvCxnSpPr>
+        <p:spPr>
+          <a:xfrm rot="10800000" flipV="1">
+            <a:off x="2384001" y="4760277"/>
+            <a:ext cx="908888" cy="866649"/>
+          </a:xfrm>
+          <a:prstGeom prst="bentConnector3">
+            <a:avLst>
+              <a:gd name="adj1" fmla="val 50000"/>
+            </a:avLst>
+          </a:prstGeom>
+          <a:ln w="57150">
+            <a:solidFill>
+              <a:schemeClr val="tx1"/>
+            </a:solidFill>
+            <a:tailEnd type="triangle"/>
+          </a:ln>
+        </p:spPr>
+        <p:style>
+          <a:lnRef idx="1">
+            <a:schemeClr val="accent1"/>
+          </a:lnRef>
+          <a:fillRef idx="0">
+            <a:schemeClr val="accent1"/>
+          </a:fillRef>
+          <a:effectRef idx="0">
+            <a:schemeClr val="accent1"/>
+          </a:effectRef>
+          <a:fontRef idx="minor">
+            <a:schemeClr val="tx1"/>
+          </a:fontRef>
+        </p:style>
+      </p:cxnSp>
+      <p:cxnSp>
+        <p:nvCxnSpPr>
+          <p:cNvPr id="29" name="Connecteur : en angle 28">
+            <a:extLst>
+              <a:ext uri="{FF2B5EF4-FFF2-40B4-BE49-F238E27FC236}">
+                <a16:creationId xmlns:a16="http://schemas.microsoft.com/office/drawing/2014/main" id="{855738E1-1E5E-F4EA-94C1-F2E09F923CC8}"/>
+              </a:ext>
+            </a:extLst>
+          </p:cNvPr>
+          <p:cNvCxnSpPr>
+            <a:cxnSpLocks/>
+            <a:stCxn id="12" idx="3"/>
+            <a:endCxn id="16" idx="1"/>
+          </p:cNvCxnSpPr>
+          <p:nvPr/>
+        </p:nvCxnSpPr>
+        <p:spPr>
+          <a:xfrm>
+            <a:off x="5851109" y="4760278"/>
+            <a:ext cx="908524" cy="866649"/>
+          </a:xfrm>
+          <a:prstGeom prst="bentConnector3">
+            <a:avLst>
+              <a:gd name="adj1" fmla="val 50000"/>
+            </a:avLst>
+          </a:prstGeom>
+          <a:ln w="57150">
+            <a:solidFill>
+              <a:schemeClr val="tx1"/>
+            </a:solidFill>
+            <a:tailEnd type="triangle"/>
+          </a:ln>
+        </p:spPr>
+        <p:style>
+          <a:lnRef idx="1">
+            <a:schemeClr val="accent1"/>
+          </a:lnRef>
+          <a:fillRef idx="0">
+            <a:schemeClr val="accent1"/>
+          </a:fillRef>
+          <a:effectRef idx="0">
+            <a:schemeClr val="accent1"/>
+          </a:effectRef>
+          <a:fontRef idx="minor">
+            <a:schemeClr val="tx1"/>
+          </a:fontRef>
+        </p:style>
+      </p:cxnSp>
+    </p:spTree>
+    <p:extLst>
+      <p:ext uri="{BB962C8B-B14F-4D97-AF65-F5344CB8AC3E}">
+        <p14:creationId xmlns:p14="http://schemas.microsoft.com/office/powerpoint/2010/main" val="2065933107"/>
+      </p:ext>
+    </p:extLst>
+  </p:cSld>
+  <p:clrMapOvr>
+    <a:masterClrMapping/>
+  </p:clrMapOvr>
+  <p:transition>
+    <p:fade/>
+  </p:transition>
+  <p:timing>
+    <p:tnLst>
+      <p:par>
+        <p:cTn id="1" dur="indefinite" restart="never" nodeType="tmRoot">
+          <p:childTnLst>
+            <p:seq concurrent="1" nextAc="seek">
+              <p:cTn id="2" dur="indefinite" nodeType="mainSeq">
+                <p:childTnLst>
+                  <p:par>
+                    <p:cTn id="3" fill="hold">
+                      <p:stCondLst>
+                        <p:cond delay="indefinite"/>
+                      </p:stCondLst>
+                      <p:childTnLst>
+                        <p:par>
+                          <p:cTn id="4" fill="hold">
+                            <p:stCondLst>
+                              <p:cond delay="0"/>
+                            </p:stCondLst>
+                            <p:childTnLst>
+                              <p:par>
+                                <p:cTn id="5" presetID="10" presetClass="entr" presetSubtype="0" fill="hold" nodeType="clickEffect">
+                                  <p:stCondLst>
+                                    <p:cond delay="0"/>
+                                  </p:stCondLst>
+                                  <p:childTnLst>
+                                    <p:set>
+                                      <p:cBhvr>
+                                        <p:cTn id="6" dur="1" fill="hold">
+                                          <p:stCondLst>
+                                            <p:cond delay="0"/>
+                                          </p:stCondLst>
+                                        </p:cTn>
+                                        <p:tgtEl>
+                                          <p:spTgt spid="3"/>
+                                        </p:tgtEl>
+                                        <p:attrNameLst>
+                                          <p:attrName>style.visibility</p:attrName>
+                                        </p:attrNameLst>
+                                      </p:cBhvr>
+                                      <p:to>
+                                        <p:strVal val="visible"/>
+                                      </p:to>
+                                    </p:set>
+                                    <p:animEffect transition="in" filter="fade">
+                                      <p:cBhvr>
+                                        <p:cTn id="7" dur="500"/>
+                                        <p:tgtEl>
+                                          <p:spTgt spid="3"/>
+                                        </p:tgtEl>
+                                      </p:cBhvr>
+                                    </p:animEffect>
+                                  </p:childTnLst>
+                                </p:cTn>
+                              </p:par>
+                            </p:childTnLst>
+                          </p:cTn>
+                        </p:par>
+                      </p:childTnLst>
+                    </p:cTn>
+                  </p:par>
+                  <p:par>
+                    <p:cTn id="8" fill="hold">
+                      <p:stCondLst>
+                        <p:cond delay="indefinite"/>
+                      </p:stCondLst>
+                      <p:childTnLst>
+                        <p:par>
+                          <p:cTn id="9" fill="hold">
+                            <p:stCondLst>
+                              <p:cond delay="0"/>
+                            </p:stCondLst>
+                            <p:childTnLst>
+                              <p:par>
+                                <p:cTn id="10" presetID="10" presetClass="entr" presetSubtype="0" fill="hold" grpId="0" nodeType="clickEffect">
+                                  <p:stCondLst>
+                                    <p:cond delay="0"/>
+                                  </p:stCondLst>
+                                  <p:childTnLst>
+                                    <p:set>
+                                      <p:cBhvr>
+                                        <p:cTn id="11" dur="1" fill="hold">
+                                          <p:stCondLst>
+                                            <p:cond delay="0"/>
+                                          </p:stCondLst>
+                                        </p:cTn>
+                                        <p:tgtEl>
+                                          <p:spTgt spid="12"/>
+                                        </p:tgtEl>
+                                        <p:attrNameLst>
+                                          <p:attrName>style.visibility</p:attrName>
+                                        </p:attrNameLst>
+                                      </p:cBhvr>
+                                      <p:to>
+                                        <p:strVal val="visible"/>
+                                      </p:to>
+                                    </p:set>
+                                    <p:animEffect transition="in" filter="fade">
+                                      <p:cBhvr>
+                                        <p:cTn id="12" dur="500"/>
+                                        <p:tgtEl>
+                                          <p:spTgt spid="12"/>
+                                        </p:tgtEl>
+                                      </p:cBhvr>
+                                    </p:animEffect>
+                                  </p:childTnLst>
+                                </p:cTn>
+                              </p:par>
+                              <p:par>
+                                <p:cTn id="13" presetID="10" presetClass="entr" presetSubtype="0" fill="hold" nodeType="withEffect">
+                                  <p:stCondLst>
+                                    <p:cond delay="0"/>
+                                  </p:stCondLst>
+                                  <p:childTnLst>
+                                    <p:set>
+                                      <p:cBhvr>
+                                        <p:cTn id="14" dur="1" fill="hold">
+                                          <p:stCondLst>
+                                            <p:cond delay="0"/>
+                                          </p:stCondLst>
+                                        </p:cTn>
+                                        <p:tgtEl>
+                                          <p:spTgt spid="21"/>
+                                        </p:tgtEl>
+                                        <p:attrNameLst>
+                                          <p:attrName>style.visibility</p:attrName>
+                                        </p:attrNameLst>
+                                      </p:cBhvr>
+                                      <p:to>
+                                        <p:strVal val="visible"/>
+                                      </p:to>
+                                    </p:set>
+                                    <p:animEffect transition="in" filter="fade">
+                                      <p:cBhvr>
+                                        <p:cTn id="15" dur="500"/>
+                                        <p:tgtEl>
+                                          <p:spTgt spid="21"/>
+                                        </p:tgtEl>
+                                      </p:cBhvr>
+                                    </p:animEffect>
+                                  </p:childTnLst>
+                                </p:cTn>
+                              </p:par>
+                            </p:childTnLst>
+                          </p:cTn>
+                        </p:par>
+                      </p:childTnLst>
+                    </p:cTn>
+                  </p:par>
+                  <p:par>
+                    <p:cTn id="16" fill="hold">
+                      <p:stCondLst>
+                        <p:cond delay="indefinite"/>
+                      </p:stCondLst>
+                      <p:childTnLst>
+                        <p:par>
+                          <p:cTn id="17" fill="hold">
+                            <p:stCondLst>
+                              <p:cond delay="0"/>
+                            </p:stCondLst>
+                            <p:childTnLst>
+                              <p:par>
+                                <p:cTn id="18" presetID="10" presetClass="entr" presetSubtype="0" fill="hold" nodeType="clickEffect">
+                                  <p:stCondLst>
+                                    <p:cond delay="0"/>
+                                  </p:stCondLst>
+                                  <p:childTnLst>
+                                    <p:set>
+                                      <p:cBhvr>
+                                        <p:cTn id="19" dur="1" fill="hold">
+                                          <p:stCondLst>
+                                            <p:cond delay="0"/>
+                                          </p:stCondLst>
+                                        </p:cTn>
+                                        <p:tgtEl>
+                                          <p:spTgt spid="25"/>
+                                        </p:tgtEl>
+                                        <p:attrNameLst>
+                                          <p:attrName>style.visibility</p:attrName>
+                                        </p:attrNameLst>
+                                      </p:cBhvr>
+                                      <p:to>
+                                        <p:strVal val="visible"/>
+                                      </p:to>
+                                    </p:set>
+                                    <p:animEffect transition="in" filter="fade">
+                                      <p:cBhvr>
+                                        <p:cTn id="20" dur="500"/>
+                                        <p:tgtEl>
+                                          <p:spTgt spid="25"/>
+                                        </p:tgtEl>
+                                      </p:cBhvr>
+                                    </p:animEffect>
+                                  </p:childTnLst>
+                                </p:cTn>
+                              </p:par>
+                              <p:par>
+                                <p:cTn id="21" presetID="10" presetClass="entr" presetSubtype="0" fill="hold" nodeType="withEffect">
+                                  <p:stCondLst>
+                                    <p:cond delay="0"/>
+                                  </p:stCondLst>
+                                  <p:childTnLst>
+                                    <p:set>
+                                      <p:cBhvr>
+                                        <p:cTn id="22" dur="1" fill="hold">
+                                          <p:stCondLst>
+                                            <p:cond delay="0"/>
+                                          </p:stCondLst>
+                                        </p:cTn>
+                                        <p:tgtEl>
+                                          <p:spTgt spid="14"/>
+                                        </p:tgtEl>
+                                        <p:attrNameLst>
+                                          <p:attrName>style.visibility</p:attrName>
+                                        </p:attrNameLst>
+                                      </p:cBhvr>
+                                      <p:to>
+                                        <p:strVal val="visible"/>
+                                      </p:to>
+                                    </p:set>
+                                    <p:animEffect transition="in" filter="fade">
+                                      <p:cBhvr>
+                                        <p:cTn id="23" dur="500"/>
+                                        <p:tgtEl>
+                                          <p:spTgt spid="14"/>
+                                        </p:tgtEl>
+                                      </p:cBhvr>
+                                    </p:animEffect>
+                                  </p:childTnLst>
+                                </p:cTn>
+                              </p:par>
+                            </p:childTnLst>
+                          </p:cTn>
+                        </p:par>
+                      </p:childTnLst>
+                    </p:cTn>
+                  </p:par>
+                  <p:par>
+                    <p:cTn id="24" fill="hold">
+                      <p:stCondLst>
+                        <p:cond delay="indefinite"/>
+                      </p:stCondLst>
+                      <p:childTnLst>
+                        <p:par>
+                          <p:cTn id="25" fill="hold">
+                            <p:stCondLst>
+                              <p:cond delay="0"/>
+                            </p:stCondLst>
+                            <p:childTnLst>
+                              <p:par>
+                                <p:cTn id="26" presetID="10" presetClass="entr" presetSubtype="0" fill="hold" nodeType="clickEffect">
+                                  <p:stCondLst>
+                                    <p:cond delay="0"/>
+                                  </p:stCondLst>
+                                  <p:childTnLst>
+                                    <p:set>
+                                      <p:cBhvr>
+                                        <p:cTn id="27" dur="1" fill="hold">
+                                          <p:stCondLst>
+                                            <p:cond delay="0"/>
+                                          </p:stCondLst>
+                                        </p:cTn>
+                                        <p:tgtEl>
+                                          <p:spTgt spid="29"/>
+                                        </p:tgtEl>
+                                        <p:attrNameLst>
+                                          <p:attrName>style.visibility</p:attrName>
+                                        </p:attrNameLst>
+                                      </p:cBhvr>
+                                      <p:to>
+                                        <p:strVal val="visible"/>
+                                      </p:to>
+                                    </p:set>
+                                    <p:animEffect transition="in" filter="fade">
+                                      <p:cBhvr>
+                                        <p:cTn id="28" dur="500"/>
+                                        <p:tgtEl>
+                                          <p:spTgt spid="29"/>
+                                        </p:tgtEl>
+                                      </p:cBhvr>
+                                    </p:animEffect>
+                                  </p:childTnLst>
+                                </p:cTn>
+                              </p:par>
+                              <p:par>
+                                <p:cTn id="29" presetID="10" presetClass="entr" presetSubtype="0" fill="hold" nodeType="withEffect">
+                                  <p:stCondLst>
+                                    <p:cond delay="0"/>
+                                  </p:stCondLst>
+                                  <p:childTnLst>
+                                    <p:set>
+                                      <p:cBhvr>
+                                        <p:cTn id="30" dur="1" fill="hold">
+                                          <p:stCondLst>
+                                            <p:cond delay="0"/>
+                                          </p:stCondLst>
+                                        </p:cTn>
+                                        <p:tgtEl>
+                                          <p:spTgt spid="16"/>
+                                        </p:tgtEl>
+                                        <p:attrNameLst>
+                                          <p:attrName>style.visibility</p:attrName>
+                                        </p:attrNameLst>
+                                      </p:cBhvr>
+                                      <p:to>
+                                        <p:strVal val="visible"/>
+                                      </p:to>
+                                    </p:set>
+                                    <p:animEffect transition="in" filter="fade">
+                                      <p:cBhvr>
+                                        <p:cTn id="31" dur="500"/>
+                                        <p:tgtEl>
+                                          <p:spTgt spid="16"/>
+                                        </p:tgtEl>
+                                      </p:cBhvr>
+                                    </p:animEffect>
+                                  </p:childTnLst>
+                                </p:cTn>
+                              </p:par>
+                            </p:childTnLst>
+                          </p:cTn>
+                        </p:par>
+                      </p:childTnLst>
+                    </p:cTn>
+                  </p:par>
+                </p:childTnLst>
+              </p:cTn>
+              <p:prevCondLst>
+                <p:cond evt="onPrev" delay="0">
+                  <p:tgtEl>
+                    <p:sldTgt/>
+                  </p:tgtEl>
+                </p:cond>
+              </p:prevCondLst>
+              <p:nextCondLst>
+                <p:cond evt="onNext" delay="0">
+                  <p:tgtEl>
+                    <p:sldTgt/>
+                  </p:tgtEl>
+                </p:cond>
+              </p:nextCondLst>
+            </p:seq>
+          </p:childTnLst>
+        </p:cTn>
+      </p:par>
+    </p:tnLst>
+    <p:bldLst>
+      <p:bldP spid="12" grpId="0" animBg="1"/>
+    </p:bldLst>
+  </p:timing>
+</p:sld>
+</file>
+
+<file path=ppt/slides/slide6.xml><?xml version="1.0" encoding="utf-8"?>
+<p:sld xmlns:a="http://schemas.openxmlformats.org/drawingml/2006/main" xmlns:r="http://schemas.openxmlformats.org/officeDocument/2006/relationships" xmlns:p="http://schemas.openxmlformats.org/presentationml/2006/main">
+  <p:cSld>
+    <p:spTree>
+      <p:nvGrpSpPr>
+        <p:cNvPr id="1" name=""/>
+        <p:cNvGrpSpPr/>
+        <p:nvPr/>
+      </p:nvGrpSpPr>
+      <p:grpSpPr>
+        <a:xfrm>
+          <a:off x="0" y="0"/>
+          <a:ext cx="0" cy="0"/>
+          <a:chOff x="0" y="0"/>
+          <a:chExt cx="0" cy="0"/>
+        </a:xfrm>
+      </p:grpSpPr>
+      <p:sp>
+        <p:nvSpPr>
+          <p:cNvPr id="4" name="ZoneTexte 3">
+            <a:extLst>
+              <a:ext uri="{FF2B5EF4-FFF2-40B4-BE49-F238E27FC236}">
+                <a16:creationId xmlns:a16="http://schemas.microsoft.com/office/drawing/2014/main" id="{5B83E49B-2489-EF47-0DC8-214B6E733633}"/>
+              </a:ext>
+            </a:extLst>
+          </p:cNvPr>
+          <p:cNvSpPr txBox="1"/>
+          <p:nvPr/>
+        </p:nvSpPr>
+        <p:spPr>
+          <a:xfrm>
+            <a:off x="467406" y="836712"/>
+            <a:ext cx="8209188" cy="707886"/>
+          </a:xfrm>
+          <a:prstGeom prst="rect">
+            <a:avLst/>
+          </a:prstGeom>
+          <a:solidFill>
+            <a:schemeClr val="bg1"/>
+          </a:solidFill>
+          <a:ln>
+            <a:solidFill>
+              <a:schemeClr val="tx1"/>
+            </a:solidFill>
+          </a:ln>
+        </p:spPr>
+        <p:style>
+          <a:lnRef idx="2">
+            <a:schemeClr val="dk1"/>
+          </a:lnRef>
+          <a:fillRef idx="1">
+            <a:schemeClr val="lt1"/>
+          </a:fillRef>
+          <a:effectRef idx="0">
+            <a:schemeClr val="dk1"/>
+          </a:effectRef>
+          <a:fontRef idx="minor">
+            <a:schemeClr val="dk1"/>
+          </a:fontRef>
+        </p:style>
+        <p:txBody>
+          <a:bodyPr wrap="square" rtlCol="0">
+            <a:spAutoFit/>
+          </a:bodyPr>
+          <a:lstStyle/>
+          <a:p>
+            <a:pPr algn="ctr"/>
+            <a:r>
               <a:rPr lang="fr-FR" sz="4000" b="1" dirty="0">
                 <a:solidFill>
                   <a:schemeClr val="tx1"/>
@@ -5005,7 +8428,1008 @@
 </p:sld>
 </file>
 
-<file path=ppt/slides/slide6.xml><?xml version="1.0" encoding="utf-8"?>
+<file path=ppt/slides/slide7.xml><?xml version="1.0" encoding="utf-8"?>
+<p:sld xmlns:a="http://schemas.openxmlformats.org/drawingml/2006/main" xmlns:r="http://schemas.openxmlformats.org/officeDocument/2006/relationships" xmlns:p="http://schemas.openxmlformats.org/presentationml/2006/main">
+  <p:cSld>
+    <p:spTree>
+      <p:nvGrpSpPr>
+        <p:cNvPr id="1" name=""/>
+        <p:cNvGrpSpPr/>
+        <p:nvPr/>
+      </p:nvGrpSpPr>
+      <p:grpSpPr>
+        <a:xfrm>
+          <a:off x="0" y="0"/>
+          <a:ext cx="0" cy="0"/>
+          <a:chOff x="0" y="0"/>
+          <a:chExt cx="0" cy="0"/>
+        </a:xfrm>
+      </p:grpSpPr>
+      <p:sp>
+        <p:nvSpPr>
+          <p:cNvPr id="4" name="ZoneTexte 3">
+            <a:extLst>
+              <a:ext uri="{FF2B5EF4-FFF2-40B4-BE49-F238E27FC236}">
+                <a16:creationId xmlns:a16="http://schemas.microsoft.com/office/drawing/2014/main" id="{5B83E49B-2489-EF47-0DC8-214B6E733633}"/>
+              </a:ext>
+            </a:extLst>
+          </p:cNvPr>
+          <p:cNvSpPr txBox="1"/>
+          <p:nvPr/>
+        </p:nvSpPr>
+        <p:spPr>
+          <a:xfrm>
+            <a:off x="467406" y="836712"/>
+            <a:ext cx="8209188" cy="707886"/>
+          </a:xfrm>
+          <a:prstGeom prst="rect">
+            <a:avLst/>
+          </a:prstGeom>
+          <a:solidFill>
+            <a:schemeClr val="bg1"/>
+          </a:solidFill>
+          <a:ln>
+            <a:solidFill>
+              <a:schemeClr val="tx1"/>
+            </a:solidFill>
+          </a:ln>
+        </p:spPr>
+        <p:style>
+          <a:lnRef idx="2">
+            <a:schemeClr val="dk1"/>
+          </a:lnRef>
+          <a:fillRef idx="1">
+            <a:schemeClr val="lt1"/>
+          </a:fillRef>
+          <a:effectRef idx="0">
+            <a:schemeClr val="dk1"/>
+          </a:effectRef>
+          <a:fontRef idx="minor">
+            <a:schemeClr val="dk1"/>
+          </a:fontRef>
+        </p:style>
+        <p:txBody>
+          <a:bodyPr wrap="square" rtlCol="0">
+            <a:spAutoFit/>
+          </a:bodyPr>
+          <a:lstStyle/>
+          <a:p>
+            <a:pPr algn="ctr"/>
+            <a:r>
+              <a:rPr lang="fr-FR" sz="4000" dirty="0" err="1">
+                <a:solidFill>
+                  <a:schemeClr val="tx1"/>
+                </a:solidFill>
+                <a:effectLst/>
+                <a:latin typeface="Arial" panose="020B0604020202020204" pitchFamily="34" charset="0"/>
+              </a:rPr>
+              <a:t>Collecting</a:t>
+            </a:r>
+            <a:r>
+              <a:rPr lang="fr-FR" sz="4000" dirty="0">
+                <a:solidFill>
+                  <a:schemeClr val="tx1"/>
+                </a:solidFill>
+                <a:effectLst/>
+                <a:latin typeface="Arial" panose="020B0604020202020204" pitchFamily="34" charset="0"/>
+              </a:rPr>
+              <a:t> Internet Data</a:t>
+            </a:r>
+            <a:endParaRPr lang="fr-FR" sz="4000" b="1" dirty="0">
+              <a:solidFill>
+                <a:schemeClr val="tx1"/>
+              </a:solidFill>
+              <a:latin typeface="Aharoni" panose="02010803020104030203" pitchFamily="2" charset="-79"/>
+              <a:cs typeface="Aharoni" panose="02010803020104030203" pitchFamily="2" charset="-79"/>
+            </a:endParaRPr>
+          </a:p>
+        </p:txBody>
+      </p:sp>
+      <p:pic>
+        <p:nvPicPr>
+          <p:cNvPr id="5" name="Image 4">
+            <a:extLst>
+              <a:ext uri="{FF2B5EF4-FFF2-40B4-BE49-F238E27FC236}">
+                <a16:creationId xmlns:a16="http://schemas.microsoft.com/office/drawing/2014/main" id="{D5B251E4-A22E-6C07-7A8D-B0271F9DBFCD}"/>
+              </a:ext>
+            </a:extLst>
+          </p:cNvPr>
+          <p:cNvPicPr>
+            <a:picLocks noChangeAspect="1"/>
+          </p:cNvPicPr>
+          <p:nvPr/>
+        </p:nvPicPr>
+        <p:blipFill>
+          <a:blip r:embed="rId2"/>
+          <a:stretch>
+            <a:fillRect/>
+          </a:stretch>
+        </p:blipFill>
+        <p:spPr>
+          <a:xfrm>
+            <a:off x="539552" y="1988840"/>
+            <a:ext cx="2756165" cy="4427225"/>
+          </a:xfrm>
+          <a:prstGeom prst="rect">
+            <a:avLst/>
+          </a:prstGeom>
+          <a:ln>
+            <a:solidFill>
+              <a:schemeClr val="tx1"/>
+            </a:solidFill>
+          </a:ln>
+        </p:spPr>
+      </p:pic>
+      <p:sp>
+        <p:nvSpPr>
+          <p:cNvPr id="6" name="Flèche : droite 5">
+            <a:extLst>
+              <a:ext uri="{FF2B5EF4-FFF2-40B4-BE49-F238E27FC236}">
+                <a16:creationId xmlns:a16="http://schemas.microsoft.com/office/drawing/2014/main" id="{92D47117-1A1C-91B1-AE09-B0411750F43D}"/>
+              </a:ext>
+            </a:extLst>
+          </p:cNvPr>
+          <p:cNvSpPr/>
+          <p:nvPr/>
+        </p:nvSpPr>
+        <p:spPr>
+          <a:xfrm>
+            <a:off x="3707904" y="3681028"/>
+            <a:ext cx="1224136" cy="648072"/>
+          </a:xfrm>
+          <a:prstGeom prst="rightArrow">
+            <a:avLst/>
+          </a:prstGeom>
+          <a:solidFill>
+            <a:schemeClr val="tx1"/>
+          </a:solidFill>
+          <a:ln>
+            <a:solidFill>
+              <a:schemeClr val="bg1"/>
+            </a:solidFill>
+          </a:ln>
+        </p:spPr>
+        <p:style>
+          <a:lnRef idx="2">
+            <a:schemeClr val="accent1">
+              <a:shade val="50000"/>
+            </a:schemeClr>
+          </a:lnRef>
+          <a:fillRef idx="1">
+            <a:schemeClr val="accent1"/>
+          </a:fillRef>
+          <a:effectRef idx="0">
+            <a:schemeClr val="accent1"/>
+          </a:effectRef>
+          <a:fontRef idx="minor">
+            <a:schemeClr val="lt1"/>
+          </a:fontRef>
+        </p:style>
+        <p:txBody>
+          <a:bodyPr rtlCol="0" anchor="ctr"/>
+          <a:lstStyle/>
+          <a:p>
+            <a:pPr algn="ctr"/>
+            <a:endParaRPr lang="fr-FR">
+              <a:ln>
+                <a:solidFill>
+                  <a:schemeClr val="bg1"/>
+                </a:solidFill>
+              </a:ln>
+            </a:endParaRPr>
+          </a:p>
+        </p:txBody>
+      </p:sp>
+      <p:sp>
+        <p:nvSpPr>
+          <p:cNvPr id="7" name="ZoneTexte 6">
+            <a:extLst>
+              <a:ext uri="{FF2B5EF4-FFF2-40B4-BE49-F238E27FC236}">
+                <a16:creationId xmlns:a16="http://schemas.microsoft.com/office/drawing/2014/main" id="{C97BDAFE-13D9-239D-4FF7-68B32898AE8E}"/>
+              </a:ext>
+            </a:extLst>
+          </p:cNvPr>
+          <p:cNvSpPr txBox="1"/>
+          <p:nvPr/>
+        </p:nvSpPr>
+        <p:spPr>
+          <a:xfrm>
+            <a:off x="5508104" y="2708920"/>
+            <a:ext cx="2664296" cy="646331"/>
+          </a:xfrm>
+          <a:prstGeom prst="rect">
+            <a:avLst/>
+          </a:prstGeom>
+          <a:solidFill>
+            <a:schemeClr val="bg1"/>
+          </a:solidFill>
+          <a:ln w="57150">
+            <a:solidFill>
+              <a:schemeClr val="tx1">
+                <a:lumMod val="75000"/>
+              </a:schemeClr>
+            </a:solidFill>
+          </a:ln>
+        </p:spPr>
+        <p:txBody>
+          <a:bodyPr wrap="square" rtlCol="0">
+            <a:spAutoFit/>
+          </a:bodyPr>
+          <a:lstStyle/>
+          <a:p>
+            <a:pPr algn="ctr"/>
+            <a:r>
+              <a:rPr lang="en-US" dirty="0"/>
+              <a:t>Minecraft Survival Mode - No Artifacts</a:t>
+            </a:r>
+            <a:endParaRPr lang="fr-FR" sz="3600" b="1" dirty="0"/>
+          </a:p>
+        </p:txBody>
+      </p:sp>
+      <p:sp>
+        <p:nvSpPr>
+          <p:cNvPr id="8" name="ZoneTexte 7">
+            <a:extLst>
+              <a:ext uri="{FF2B5EF4-FFF2-40B4-BE49-F238E27FC236}">
+                <a16:creationId xmlns:a16="http://schemas.microsoft.com/office/drawing/2014/main" id="{0600E19F-A635-17FE-D433-2E70460F8CF4}"/>
+              </a:ext>
+            </a:extLst>
+          </p:cNvPr>
+          <p:cNvSpPr txBox="1"/>
+          <p:nvPr/>
+        </p:nvSpPr>
+        <p:spPr>
+          <a:xfrm>
+            <a:off x="5508104" y="4603582"/>
+            <a:ext cx="2664296" cy="646331"/>
+          </a:xfrm>
+          <a:prstGeom prst="rect">
+            <a:avLst/>
+          </a:prstGeom>
+          <a:solidFill>
+            <a:schemeClr val="bg1"/>
+          </a:solidFill>
+          <a:ln w="57150">
+            <a:solidFill>
+              <a:schemeClr val="tx1">
+                <a:lumMod val="75000"/>
+              </a:schemeClr>
+            </a:solidFill>
+          </a:ln>
+        </p:spPr>
+        <p:txBody>
+          <a:bodyPr wrap="square" rtlCol="0">
+            <a:spAutoFit/>
+          </a:bodyPr>
+          <a:lstStyle/>
+          <a:p>
+            <a:pPr algn="ctr"/>
+            <a:r>
+              <a:rPr lang="fr-FR" dirty="0"/>
+              <a:t>None of the </a:t>
+            </a:r>
+          </a:p>
+          <a:p>
+            <a:pPr algn="ctr"/>
+            <a:r>
+              <a:rPr lang="fr-FR" dirty="0" err="1"/>
+              <a:t>Above</a:t>
+            </a:r>
+            <a:endParaRPr lang="fr-FR" sz="3600" b="1" dirty="0"/>
+          </a:p>
+        </p:txBody>
+      </p:sp>
+      <p:sp>
+        <p:nvSpPr>
+          <p:cNvPr id="9" name="ZoneTexte 8">
+            <a:extLst>
+              <a:ext uri="{FF2B5EF4-FFF2-40B4-BE49-F238E27FC236}">
+                <a16:creationId xmlns:a16="http://schemas.microsoft.com/office/drawing/2014/main" id="{D5E98E26-A8ED-2F64-DF25-2EAE6EE455E1}"/>
+              </a:ext>
+            </a:extLst>
+          </p:cNvPr>
+          <p:cNvSpPr txBox="1"/>
+          <p:nvPr/>
+        </p:nvSpPr>
+        <p:spPr>
+          <a:xfrm>
+            <a:off x="5508104" y="3656251"/>
+            <a:ext cx="2664296" cy="646331"/>
+          </a:xfrm>
+          <a:prstGeom prst="rect">
+            <a:avLst/>
+          </a:prstGeom>
+          <a:solidFill>
+            <a:schemeClr val="bg1"/>
+          </a:solidFill>
+          <a:ln w="57150">
+            <a:solidFill>
+              <a:schemeClr val="tx1">
+                <a:lumMod val="75000"/>
+              </a:schemeClr>
+            </a:solidFill>
+          </a:ln>
+        </p:spPr>
+        <p:txBody>
+          <a:bodyPr wrap="square" rtlCol="0">
+            <a:spAutoFit/>
+          </a:bodyPr>
+          <a:lstStyle/>
+          <a:p>
+            <a:pPr algn="ctr"/>
+            <a:r>
+              <a:rPr lang="en-US" dirty="0"/>
+              <a:t>Minecraft Survival Mode - </a:t>
+            </a:r>
+            <a:r>
+              <a:rPr lang="fr-FR" dirty="0" err="1"/>
+              <a:t>With</a:t>
+            </a:r>
+            <a:r>
+              <a:rPr lang="fr-FR" dirty="0"/>
+              <a:t> </a:t>
+            </a:r>
+            <a:r>
+              <a:rPr lang="fr-FR" dirty="0" err="1"/>
+              <a:t>Artifacts</a:t>
+            </a:r>
+            <a:endParaRPr lang="fr-FR" sz="3600" b="1" dirty="0"/>
+          </a:p>
+        </p:txBody>
+      </p:sp>
+    </p:spTree>
+    <p:extLst>
+      <p:ext uri="{BB962C8B-B14F-4D97-AF65-F5344CB8AC3E}">
+        <p14:creationId xmlns:p14="http://schemas.microsoft.com/office/powerpoint/2010/main" val="3704035417"/>
+      </p:ext>
+    </p:extLst>
+  </p:cSld>
+  <p:clrMapOvr>
+    <a:masterClrMapping/>
+  </p:clrMapOvr>
+  <p:transition>
+    <p:fade/>
+  </p:transition>
+  <p:timing>
+    <p:tnLst>
+      <p:par>
+        <p:cTn id="1" dur="indefinite" restart="never" nodeType="tmRoot">
+          <p:childTnLst>
+            <p:seq concurrent="1" nextAc="seek">
+              <p:cTn id="2" dur="indefinite" nodeType="mainSeq">
+                <p:childTnLst>
+                  <p:par>
+                    <p:cTn id="3" fill="hold">
+                      <p:stCondLst>
+                        <p:cond delay="indefinite"/>
+                      </p:stCondLst>
+                      <p:childTnLst>
+                        <p:par>
+                          <p:cTn id="4" fill="hold">
+                            <p:stCondLst>
+                              <p:cond delay="0"/>
+                            </p:stCondLst>
+                            <p:childTnLst>
+                              <p:par>
+                                <p:cTn id="5" presetID="10" presetClass="entr" presetSubtype="0" fill="hold" nodeType="clickEffect">
+                                  <p:stCondLst>
+                                    <p:cond delay="0"/>
+                                  </p:stCondLst>
+                                  <p:childTnLst>
+                                    <p:set>
+                                      <p:cBhvr>
+                                        <p:cTn id="6" dur="1" fill="hold">
+                                          <p:stCondLst>
+                                            <p:cond delay="0"/>
+                                          </p:stCondLst>
+                                        </p:cTn>
+                                        <p:tgtEl>
+                                          <p:spTgt spid="5"/>
+                                        </p:tgtEl>
+                                        <p:attrNameLst>
+                                          <p:attrName>style.visibility</p:attrName>
+                                        </p:attrNameLst>
+                                      </p:cBhvr>
+                                      <p:to>
+                                        <p:strVal val="visible"/>
+                                      </p:to>
+                                    </p:set>
+                                    <p:animEffect transition="in" filter="fade">
+                                      <p:cBhvr>
+                                        <p:cTn id="7" dur="500"/>
+                                        <p:tgtEl>
+                                          <p:spTgt spid="5"/>
+                                        </p:tgtEl>
+                                      </p:cBhvr>
+                                    </p:animEffect>
+                                  </p:childTnLst>
+                                </p:cTn>
+                              </p:par>
+                            </p:childTnLst>
+                          </p:cTn>
+                        </p:par>
+                      </p:childTnLst>
+                    </p:cTn>
+                  </p:par>
+                  <p:par>
+                    <p:cTn id="8" fill="hold">
+                      <p:stCondLst>
+                        <p:cond delay="indefinite"/>
+                      </p:stCondLst>
+                      <p:childTnLst>
+                        <p:par>
+                          <p:cTn id="9" fill="hold">
+                            <p:stCondLst>
+                              <p:cond delay="0"/>
+                            </p:stCondLst>
+                            <p:childTnLst>
+                              <p:par>
+                                <p:cTn id="10" presetID="10" presetClass="entr" presetSubtype="0" fill="hold" grpId="0" nodeType="clickEffect">
+                                  <p:stCondLst>
+                                    <p:cond delay="0"/>
+                                  </p:stCondLst>
+                                  <p:childTnLst>
+                                    <p:set>
+                                      <p:cBhvr>
+                                        <p:cTn id="11" dur="1" fill="hold">
+                                          <p:stCondLst>
+                                            <p:cond delay="0"/>
+                                          </p:stCondLst>
+                                        </p:cTn>
+                                        <p:tgtEl>
+                                          <p:spTgt spid="6"/>
+                                        </p:tgtEl>
+                                        <p:attrNameLst>
+                                          <p:attrName>style.visibility</p:attrName>
+                                        </p:attrNameLst>
+                                      </p:cBhvr>
+                                      <p:to>
+                                        <p:strVal val="visible"/>
+                                      </p:to>
+                                    </p:set>
+                                    <p:animEffect transition="in" filter="fade">
+                                      <p:cBhvr>
+                                        <p:cTn id="12" dur="500"/>
+                                        <p:tgtEl>
+                                          <p:spTgt spid="6"/>
+                                        </p:tgtEl>
+                                      </p:cBhvr>
+                                    </p:animEffect>
+                                  </p:childTnLst>
+                                </p:cTn>
+                              </p:par>
+                              <p:par>
+                                <p:cTn id="13" presetID="10" presetClass="entr" presetSubtype="0" fill="hold" grpId="0" nodeType="withEffect">
+                                  <p:stCondLst>
+                                    <p:cond delay="0"/>
+                                  </p:stCondLst>
+                                  <p:childTnLst>
+                                    <p:set>
+                                      <p:cBhvr>
+                                        <p:cTn id="14" dur="1" fill="hold">
+                                          <p:stCondLst>
+                                            <p:cond delay="0"/>
+                                          </p:stCondLst>
+                                        </p:cTn>
+                                        <p:tgtEl>
+                                          <p:spTgt spid="7"/>
+                                        </p:tgtEl>
+                                        <p:attrNameLst>
+                                          <p:attrName>style.visibility</p:attrName>
+                                        </p:attrNameLst>
+                                      </p:cBhvr>
+                                      <p:to>
+                                        <p:strVal val="visible"/>
+                                      </p:to>
+                                    </p:set>
+                                    <p:animEffect transition="in" filter="fade">
+                                      <p:cBhvr>
+                                        <p:cTn id="15" dur="500"/>
+                                        <p:tgtEl>
+                                          <p:spTgt spid="7"/>
+                                        </p:tgtEl>
+                                      </p:cBhvr>
+                                    </p:animEffect>
+                                  </p:childTnLst>
+                                </p:cTn>
+                              </p:par>
+                              <p:par>
+                                <p:cTn id="16" presetID="10" presetClass="entr" presetSubtype="0" fill="hold" grpId="0" nodeType="withEffect">
+                                  <p:stCondLst>
+                                    <p:cond delay="0"/>
+                                  </p:stCondLst>
+                                  <p:childTnLst>
+                                    <p:set>
+                                      <p:cBhvr>
+                                        <p:cTn id="17" dur="1" fill="hold">
+                                          <p:stCondLst>
+                                            <p:cond delay="0"/>
+                                          </p:stCondLst>
+                                        </p:cTn>
+                                        <p:tgtEl>
+                                          <p:spTgt spid="9"/>
+                                        </p:tgtEl>
+                                        <p:attrNameLst>
+                                          <p:attrName>style.visibility</p:attrName>
+                                        </p:attrNameLst>
+                                      </p:cBhvr>
+                                      <p:to>
+                                        <p:strVal val="visible"/>
+                                      </p:to>
+                                    </p:set>
+                                    <p:animEffect transition="in" filter="fade">
+                                      <p:cBhvr>
+                                        <p:cTn id="18" dur="500"/>
+                                        <p:tgtEl>
+                                          <p:spTgt spid="9"/>
+                                        </p:tgtEl>
+                                      </p:cBhvr>
+                                    </p:animEffect>
+                                  </p:childTnLst>
+                                </p:cTn>
+                              </p:par>
+                              <p:par>
+                                <p:cTn id="19" presetID="10" presetClass="entr" presetSubtype="0" fill="hold" grpId="0" nodeType="withEffect">
+                                  <p:stCondLst>
+                                    <p:cond delay="0"/>
+                                  </p:stCondLst>
+                                  <p:childTnLst>
+                                    <p:set>
+                                      <p:cBhvr>
+                                        <p:cTn id="20" dur="1" fill="hold">
+                                          <p:stCondLst>
+                                            <p:cond delay="0"/>
+                                          </p:stCondLst>
+                                        </p:cTn>
+                                        <p:tgtEl>
+                                          <p:spTgt spid="8"/>
+                                        </p:tgtEl>
+                                        <p:attrNameLst>
+                                          <p:attrName>style.visibility</p:attrName>
+                                        </p:attrNameLst>
+                                      </p:cBhvr>
+                                      <p:to>
+                                        <p:strVal val="visible"/>
+                                      </p:to>
+                                    </p:set>
+                                    <p:animEffect transition="in" filter="fade">
+                                      <p:cBhvr>
+                                        <p:cTn id="21" dur="500"/>
+                                        <p:tgtEl>
+                                          <p:spTgt spid="8"/>
+                                        </p:tgtEl>
+                                      </p:cBhvr>
+                                    </p:animEffect>
+                                  </p:childTnLst>
+                                </p:cTn>
+                              </p:par>
+                            </p:childTnLst>
+                          </p:cTn>
+                        </p:par>
+                      </p:childTnLst>
+                    </p:cTn>
+                  </p:par>
+                </p:childTnLst>
+              </p:cTn>
+              <p:prevCondLst>
+                <p:cond evt="onPrev" delay="0">
+                  <p:tgtEl>
+                    <p:sldTgt/>
+                  </p:tgtEl>
+                </p:cond>
+              </p:prevCondLst>
+              <p:nextCondLst>
+                <p:cond evt="onNext" delay="0">
+                  <p:tgtEl>
+                    <p:sldTgt/>
+                  </p:tgtEl>
+                </p:cond>
+              </p:nextCondLst>
+            </p:seq>
+          </p:childTnLst>
+        </p:cTn>
+      </p:par>
+    </p:tnLst>
+    <p:bldLst>
+      <p:bldP spid="6" grpId="0" animBg="1"/>
+      <p:bldP spid="7" grpId="0" animBg="1"/>
+      <p:bldP spid="8" grpId="0" animBg="1"/>
+      <p:bldP spid="9" grpId="0" animBg="1"/>
+    </p:bldLst>
+  </p:timing>
+</p:sld>
+</file>
+
+<file path=ppt/slides/slide8.xml><?xml version="1.0" encoding="utf-8"?>
+<p:sld xmlns:a="http://schemas.openxmlformats.org/drawingml/2006/main" xmlns:r="http://schemas.openxmlformats.org/officeDocument/2006/relationships" xmlns:p="http://schemas.openxmlformats.org/presentationml/2006/main">
+  <p:cSld>
+    <p:spTree>
+      <p:nvGrpSpPr>
+        <p:cNvPr id="1" name=""/>
+        <p:cNvGrpSpPr/>
+        <p:nvPr/>
+      </p:nvGrpSpPr>
+      <p:grpSpPr>
+        <a:xfrm>
+          <a:off x="0" y="0"/>
+          <a:ext cx="0" cy="0"/>
+          <a:chOff x="0" y="0"/>
+          <a:chExt cx="0" cy="0"/>
+        </a:xfrm>
+      </p:grpSpPr>
+      <p:sp>
+        <p:nvSpPr>
+          <p:cNvPr id="4" name="ZoneTexte 3">
+            <a:extLst>
+              <a:ext uri="{FF2B5EF4-FFF2-40B4-BE49-F238E27FC236}">
+                <a16:creationId xmlns:a16="http://schemas.microsoft.com/office/drawing/2014/main" id="{5B83E49B-2489-EF47-0DC8-214B6E733633}"/>
+              </a:ext>
+            </a:extLst>
+          </p:cNvPr>
+          <p:cNvSpPr txBox="1"/>
+          <p:nvPr/>
+        </p:nvSpPr>
+        <p:spPr>
+          <a:xfrm>
+            <a:off x="467406" y="836712"/>
+            <a:ext cx="8209188" cy="707886"/>
+          </a:xfrm>
+          <a:prstGeom prst="rect">
+            <a:avLst/>
+          </a:prstGeom>
+          <a:solidFill>
+            <a:schemeClr val="bg1"/>
+          </a:solidFill>
+          <a:ln>
+            <a:solidFill>
+              <a:schemeClr val="tx1"/>
+            </a:solidFill>
+          </a:ln>
+        </p:spPr>
+        <p:style>
+          <a:lnRef idx="2">
+            <a:schemeClr val="dk1"/>
+          </a:lnRef>
+          <a:fillRef idx="1">
+            <a:schemeClr val="lt1"/>
+          </a:fillRef>
+          <a:effectRef idx="0">
+            <a:schemeClr val="dk1"/>
+          </a:effectRef>
+          <a:fontRef idx="minor">
+            <a:schemeClr val="dk1"/>
+          </a:fontRef>
+        </p:style>
+        <p:txBody>
+          <a:bodyPr wrap="square" rtlCol="0">
+            <a:spAutoFit/>
+          </a:bodyPr>
+          <a:lstStyle/>
+          <a:p>
+            <a:pPr algn="ctr"/>
+            <a:r>
+              <a:rPr lang="fr-FR" sz="4000" dirty="0" err="1">
+                <a:solidFill>
+                  <a:schemeClr val="tx1"/>
+                </a:solidFill>
+                <a:effectLst/>
+                <a:latin typeface="Arial" panose="020B0604020202020204" pitchFamily="34" charset="0"/>
+              </a:rPr>
+              <a:t>Collecting</a:t>
+            </a:r>
+            <a:r>
+              <a:rPr lang="fr-FR" sz="4000" dirty="0">
+                <a:solidFill>
+                  <a:schemeClr val="tx1"/>
+                </a:solidFill>
+                <a:effectLst/>
+                <a:latin typeface="Arial" panose="020B0604020202020204" pitchFamily="34" charset="0"/>
+              </a:rPr>
+              <a:t> Internet Data</a:t>
+            </a:r>
+            <a:endParaRPr lang="fr-FR" sz="4000" b="1" dirty="0">
+              <a:solidFill>
+                <a:schemeClr val="tx1"/>
+              </a:solidFill>
+              <a:latin typeface="Aharoni" panose="02010803020104030203" pitchFamily="2" charset="-79"/>
+              <a:cs typeface="Aharoni" panose="02010803020104030203" pitchFamily="2" charset="-79"/>
+            </a:endParaRPr>
+          </a:p>
+        </p:txBody>
+      </p:sp>
+      <p:pic>
+        <p:nvPicPr>
+          <p:cNvPr id="3" name="Image 2">
+            <a:extLst>
+              <a:ext uri="{FF2B5EF4-FFF2-40B4-BE49-F238E27FC236}">
+                <a16:creationId xmlns:a16="http://schemas.microsoft.com/office/drawing/2014/main" id="{EF26F0EA-7927-6263-6FDF-5E2948B7DA79}"/>
+              </a:ext>
+            </a:extLst>
+          </p:cNvPr>
+          <p:cNvPicPr>
+            <a:picLocks noChangeAspect="1"/>
+          </p:cNvPicPr>
+          <p:nvPr/>
+        </p:nvPicPr>
+        <p:blipFill>
+          <a:blip r:embed="rId2"/>
+          <a:stretch>
+            <a:fillRect/>
+          </a:stretch>
+        </p:blipFill>
+        <p:spPr>
+          <a:xfrm>
+            <a:off x="1385646" y="1887752"/>
+            <a:ext cx="6372708" cy="2715689"/>
+          </a:xfrm>
+          <a:prstGeom prst="rect">
+            <a:avLst/>
+          </a:prstGeom>
+        </p:spPr>
+      </p:pic>
+      <p:pic>
+        <p:nvPicPr>
+          <p:cNvPr id="11" name="Image 10">
+            <a:extLst>
+              <a:ext uri="{FF2B5EF4-FFF2-40B4-BE49-F238E27FC236}">
+                <a16:creationId xmlns:a16="http://schemas.microsoft.com/office/drawing/2014/main" id="{B4802D78-52DA-C3E9-50F5-4D9902039CE3}"/>
+              </a:ext>
+            </a:extLst>
+          </p:cNvPr>
+          <p:cNvPicPr>
+            <a:picLocks noChangeAspect="1"/>
+          </p:cNvPicPr>
+          <p:nvPr/>
+        </p:nvPicPr>
+        <p:blipFill>
+          <a:blip r:embed="rId3"/>
+          <a:stretch>
+            <a:fillRect/>
+          </a:stretch>
+        </p:blipFill>
+        <p:spPr>
+          <a:xfrm>
+            <a:off x="750119" y="5255818"/>
+            <a:ext cx="7643760" cy="1530939"/>
+          </a:xfrm>
+          <a:prstGeom prst="rect">
+            <a:avLst/>
+          </a:prstGeom>
+        </p:spPr>
+      </p:pic>
+      <p:sp>
+        <p:nvSpPr>
+          <p:cNvPr id="12" name="ZoneTexte 11">
+            <a:extLst>
+              <a:ext uri="{FF2B5EF4-FFF2-40B4-BE49-F238E27FC236}">
+                <a16:creationId xmlns:a16="http://schemas.microsoft.com/office/drawing/2014/main" id="{33DEFAB2-3882-8303-5843-F48E15FC630E}"/>
+              </a:ext>
+            </a:extLst>
+          </p:cNvPr>
+          <p:cNvSpPr txBox="1"/>
+          <p:nvPr/>
+        </p:nvSpPr>
+        <p:spPr>
+          <a:xfrm>
+            <a:off x="1450151" y="4652916"/>
+            <a:ext cx="6243697" cy="307777"/>
+          </a:xfrm>
+          <a:prstGeom prst="rect">
+            <a:avLst/>
+          </a:prstGeom>
+          <a:noFill/>
+          <a:ln>
+            <a:noFill/>
+          </a:ln>
+        </p:spPr>
+        <p:txBody>
+          <a:bodyPr wrap="none" rtlCol="0">
+            <a:spAutoFit/>
+          </a:bodyPr>
+          <a:lstStyle/>
+          <a:p>
+            <a:r>
+              <a:rPr lang="en-US" sz="1400" dirty="0">
+                <a:effectLst/>
+                <a:latin typeface="Arial" panose="020B0604020202020204" pitchFamily="34" charset="0"/>
+              </a:rPr>
+              <a:t>Amazon Mechanical Turk worker interface showing an example labeling task</a:t>
+            </a:r>
+            <a:endParaRPr lang="fr-FR" sz="1400" dirty="0"/>
+          </a:p>
+        </p:txBody>
+      </p:sp>
+    </p:spTree>
+    <p:extLst>
+      <p:ext uri="{BB962C8B-B14F-4D97-AF65-F5344CB8AC3E}">
+        <p14:creationId xmlns:p14="http://schemas.microsoft.com/office/powerpoint/2010/main" val="786287525"/>
+      </p:ext>
+    </p:extLst>
+  </p:cSld>
+  <p:clrMapOvr>
+    <a:masterClrMapping/>
+  </p:clrMapOvr>
+  <p:transition>
+    <p:fade/>
+  </p:transition>
+  <p:timing>
+    <p:tnLst>
+      <p:par>
+        <p:cTn id="1" dur="indefinite" restart="never" nodeType="tmRoot">
+          <p:childTnLst>
+            <p:seq concurrent="1" nextAc="seek">
+              <p:cTn id="2" dur="indefinite" nodeType="mainSeq">
+                <p:childTnLst>
+                  <p:par>
+                    <p:cTn id="3" fill="hold">
+                      <p:stCondLst>
+                        <p:cond delay="indefinite"/>
+                      </p:stCondLst>
+                      <p:childTnLst>
+                        <p:par>
+                          <p:cTn id="4" fill="hold">
+                            <p:stCondLst>
+                              <p:cond delay="0"/>
+                            </p:stCondLst>
+                            <p:childTnLst>
+                              <p:par>
+                                <p:cTn id="5" presetID="10" presetClass="entr" presetSubtype="0" fill="hold" nodeType="clickEffect">
+                                  <p:stCondLst>
+                                    <p:cond delay="0"/>
+                                  </p:stCondLst>
+                                  <p:childTnLst>
+                                    <p:set>
+                                      <p:cBhvr>
+                                        <p:cTn id="6" dur="1" fill="hold">
+                                          <p:stCondLst>
+                                            <p:cond delay="0"/>
+                                          </p:stCondLst>
+                                        </p:cTn>
+                                        <p:tgtEl>
+                                          <p:spTgt spid="3"/>
+                                        </p:tgtEl>
+                                        <p:attrNameLst>
+                                          <p:attrName>style.visibility</p:attrName>
+                                        </p:attrNameLst>
+                                      </p:cBhvr>
+                                      <p:to>
+                                        <p:strVal val="visible"/>
+                                      </p:to>
+                                    </p:set>
+                                    <p:animEffect transition="in" filter="fade">
+                                      <p:cBhvr>
+                                        <p:cTn id="7" dur="500"/>
+                                        <p:tgtEl>
+                                          <p:spTgt spid="3"/>
+                                        </p:tgtEl>
+                                      </p:cBhvr>
+                                    </p:animEffect>
+                                  </p:childTnLst>
+                                </p:cTn>
+                              </p:par>
+                              <p:par>
+                                <p:cTn id="8" presetID="10" presetClass="entr" presetSubtype="0" fill="hold" grpId="0" nodeType="withEffect">
+                                  <p:stCondLst>
+                                    <p:cond delay="0"/>
+                                  </p:stCondLst>
+                                  <p:childTnLst>
+                                    <p:set>
+                                      <p:cBhvr>
+                                        <p:cTn id="9" dur="1" fill="hold">
+                                          <p:stCondLst>
+                                            <p:cond delay="0"/>
+                                          </p:stCondLst>
+                                        </p:cTn>
+                                        <p:tgtEl>
+                                          <p:spTgt spid="12"/>
+                                        </p:tgtEl>
+                                        <p:attrNameLst>
+                                          <p:attrName>style.visibility</p:attrName>
+                                        </p:attrNameLst>
+                                      </p:cBhvr>
+                                      <p:to>
+                                        <p:strVal val="visible"/>
+                                      </p:to>
+                                    </p:set>
+                                    <p:animEffect transition="in" filter="fade">
+                                      <p:cBhvr>
+                                        <p:cTn id="10" dur="500"/>
+                                        <p:tgtEl>
+                                          <p:spTgt spid="12"/>
+                                        </p:tgtEl>
+                                      </p:cBhvr>
+                                    </p:animEffect>
+                                  </p:childTnLst>
+                                </p:cTn>
+                              </p:par>
+                            </p:childTnLst>
+                          </p:cTn>
+                        </p:par>
+                      </p:childTnLst>
+                    </p:cTn>
+                  </p:par>
+                  <p:par>
+                    <p:cTn id="11" fill="hold">
+                      <p:stCondLst>
+                        <p:cond delay="indefinite"/>
+                      </p:stCondLst>
+                      <p:childTnLst>
+                        <p:par>
+                          <p:cTn id="12" fill="hold">
+                            <p:stCondLst>
+                              <p:cond delay="0"/>
+                            </p:stCondLst>
+                            <p:childTnLst>
+                              <p:par>
+                                <p:cTn id="13" presetID="10" presetClass="entr" presetSubtype="0" fill="hold" nodeType="clickEffect">
+                                  <p:stCondLst>
+                                    <p:cond delay="0"/>
+                                  </p:stCondLst>
+                                  <p:childTnLst>
+                                    <p:set>
+                                      <p:cBhvr>
+                                        <p:cTn id="14" dur="1" fill="hold">
+                                          <p:stCondLst>
+                                            <p:cond delay="0"/>
+                                          </p:stCondLst>
+                                        </p:cTn>
+                                        <p:tgtEl>
+                                          <p:spTgt spid="11"/>
+                                        </p:tgtEl>
+                                        <p:attrNameLst>
+                                          <p:attrName>style.visibility</p:attrName>
+                                        </p:attrNameLst>
+                                      </p:cBhvr>
+                                      <p:to>
+                                        <p:strVal val="visible"/>
+                                      </p:to>
+                                    </p:set>
+                                    <p:animEffect transition="in" filter="fade">
+                                      <p:cBhvr>
+                                        <p:cTn id="15" dur="500"/>
+                                        <p:tgtEl>
+                                          <p:spTgt spid="11"/>
+                                        </p:tgtEl>
+                                      </p:cBhvr>
+                                    </p:animEffect>
+                                  </p:childTnLst>
+                                </p:cTn>
+                              </p:par>
+                            </p:childTnLst>
+                          </p:cTn>
+                        </p:par>
+                      </p:childTnLst>
+                    </p:cTn>
+                  </p:par>
+                </p:childTnLst>
+              </p:cTn>
+              <p:prevCondLst>
+                <p:cond evt="onPrev" delay="0">
+                  <p:tgtEl>
+                    <p:sldTgt/>
+                  </p:tgtEl>
+                </p:cond>
+              </p:prevCondLst>
+              <p:nextCondLst>
+                <p:cond evt="onNext" delay="0">
+                  <p:tgtEl>
+                    <p:sldTgt/>
+                  </p:tgtEl>
+                </p:cond>
+              </p:nextCondLst>
+            </p:seq>
+          </p:childTnLst>
+        </p:cTn>
+      </p:par>
+    </p:tnLst>
+    <p:bldLst>
+      <p:bldP spid="12" grpId="0"/>
+    </p:bldLst>
+  </p:timing>
+</p:sld>
+</file>
+
+<file path=ppt/slides/slide9.xml><?xml version="1.0" encoding="utf-8"?>
 <p:sld xmlns:a="http://schemas.openxmlformats.org/drawingml/2006/main" xmlns:r="http://schemas.openxmlformats.org/officeDocument/2006/relationships" xmlns:p="http://schemas.openxmlformats.org/presentationml/2006/main">
   <p:cSld>
     <p:spTree>
@@ -5502,1563 +9926,6 @@
       <p:bldP spid="8" grpId="0" animBg="1"/>
     </p:bldLst>
   </p:timing>
-</p:sld>
-</file>
-
-<file path=ppt/slides/slide7.xml><?xml version="1.0" encoding="utf-8"?>
-<p:sld xmlns:a="http://schemas.openxmlformats.org/drawingml/2006/main" xmlns:r="http://schemas.openxmlformats.org/officeDocument/2006/relationships" xmlns:p="http://schemas.openxmlformats.org/presentationml/2006/main">
-  <p:cSld>
-    <p:spTree>
-      <p:nvGrpSpPr>
-        <p:cNvPr id="1" name=""/>
-        <p:cNvGrpSpPr/>
-        <p:nvPr/>
-      </p:nvGrpSpPr>
-      <p:grpSpPr>
-        <a:xfrm>
-          <a:off x="0" y="0"/>
-          <a:ext cx="0" cy="0"/>
-          <a:chOff x="0" y="0"/>
-          <a:chExt cx="0" cy="0"/>
-        </a:xfrm>
-      </p:grpSpPr>
-      <p:sp>
-        <p:nvSpPr>
-          <p:cNvPr id="4" name="ZoneTexte 3">
-            <a:extLst>
-              <a:ext uri="{FF2B5EF4-FFF2-40B4-BE49-F238E27FC236}">
-                <a16:creationId xmlns:a16="http://schemas.microsoft.com/office/drawing/2014/main" id="{5B83E49B-2489-EF47-0DC8-214B6E733633}"/>
-              </a:ext>
-            </a:extLst>
-          </p:cNvPr>
-          <p:cNvSpPr txBox="1"/>
-          <p:nvPr/>
-        </p:nvSpPr>
-        <p:spPr>
-          <a:xfrm>
-            <a:off x="467406" y="836712"/>
-            <a:ext cx="8209188" cy="707886"/>
-          </a:xfrm>
-          <a:prstGeom prst="rect">
-            <a:avLst/>
-          </a:prstGeom>
-          <a:solidFill>
-            <a:schemeClr val="bg1"/>
-          </a:solidFill>
-          <a:ln>
-            <a:solidFill>
-              <a:schemeClr val="tx1"/>
-            </a:solidFill>
-          </a:ln>
-        </p:spPr>
-        <p:style>
-          <a:lnRef idx="2">
-            <a:schemeClr val="dk1"/>
-          </a:lnRef>
-          <a:fillRef idx="1">
-            <a:schemeClr val="lt1"/>
-          </a:fillRef>
-          <a:effectRef idx="0">
-            <a:schemeClr val="dk1"/>
-          </a:effectRef>
-          <a:fontRef idx="minor">
-            <a:schemeClr val="dk1"/>
-          </a:fontRef>
-        </p:style>
-        <p:txBody>
-          <a:bodyPr wrap="square" rtlCol="0">
-            <a:spAutoFit/>
-          </a:bodyPr>
-          <a:lstStyle/>
-          <a:p>
-            <a:pPr algn="ctr"/>
-            <a:r>
-              <a:rPr lang="fr-FR" sz="4000" b="1" dirty="0">
-                <a:solidFill>
-                  <a:schemeClr val="tx1"/>
-                </a:solidFill>
-                <a:latin typeface="Aharoni" panose="02010803020104030203" pitchFamily="2" charset="-79"/>
-                <a:cs typeface="Aharoni" panose="02010803020104030203" pitchFamily="2" charset="-79"/>
-              </a:rPr>
-              <a:t>Methods </a:t>
-            </a:r>
-            <a:r>
-              <a:rPr lang="fr-FR" sz="4000" b="1" dirty="0" err="1">
-                <a:solidFill>
-                  <a:schemeClr val="tx1"/>
-                </a:solidFill>
-                <a:latin typeface="Aharoni" panose="02010803020104030203" pitchFamily="2" charset="-79"/>
-                <a:cs typeface="Aharoni" panose="02010803020104030203" pitchFamily="2" charset="-79"/>
-              </a:rPr>
-              <a:t>Used</a:t>
-            </a:r>
-            <a:endParaRPr lang="fr-FR" sz="4000" b="1" dirty="0">
-              <a:solidFill>
-                <a:schemeClr val="tx1"/>
-              </a:solidFill>
-              <a:latin typeface="Aharoni" panose="02010803020104030203" pitchFamily="2" charset="-79"/>
-              <a:cs typeface="Aharoni" panose="02010803020104030203" pitchFamily="2" charset="-79"/>
-            </a:endParaRPr>
-          </a:p>
-        </p:txBody>
-      </p:sp>
-      <p:sp>
-        <p:nvSpPr>
-          <p:cNvPr id="8" name="ZoneTexte 7">
-            <a:extLst>
-              <a:ext uri="{FF2B5EF4-FFF2-40B4-BE49-F238E27FC236}">
-                <a16:creationId xmlns:a16="http://schemas.microsoft.com/office/drawing/2014/main" id="{2B311EC8-09C8-80FF-0ECF-204893ED1FF2}"/>
-              </a:ext>
-            </a:extLst>
-          </p:cNvPr>
-          <p:cNvSpPr txBox="1"/>
-          <p:nvPr/>
-        </p:nvSpPr>
-        <p:spPr>
-          <a:xfrm>
-            <a:off x="2162607" y="3700640"/>
-            <a:ext cx="4818780" cy="646331"/>
-          </a:xfrm>
-          <a:prstGeom prst="rect">
-            <a:avLst/>
-          </a:prstGeom>
-          <a:solidFill>
-            <a:schemeClr val="bg1"/>
-          </a:solidFill>
-          <a:ln w="57150">
-            <a:solidFill>
-              <a:schemeClr val="tx1">
-                <a:lumMod val="75000"/>
-              </a:schemeClr>
-            </a:solidFill>
-          </a:ln>
-        </p:spPr>
-        <p:txBody>
-          <a:bodyPr wrap="square" rtlCol="0">
-            <a:spAutoFit/>
-          </a:bodyPr>
-          <a:lstStyle/>
-          <a:p>
-            <a:pPr algn="ctr"/>
-            <a:r>
-              <a:rPr lang="fr-FR" sz="3600" b="1" dirty="0" err="1"/>
-              <a:t>Labeled</a:t>
-            </a:r>
-            <a:r>
-              <a:rPr lang="fr-FR" sz="3600" b="1" dirty="0"/>
-              <a:t> Contractor Data</a:t>
-            </a:r>
-          </a:p>
-        </p:txBody>
-      </p:sp>
-      <p:pic>
-        <p:nvPicPr>
-          <p:cNvPr id="3" name="Image 2">
-            <a:extLst>
-              <a:ext uri="{FF2B5EF4-FFF2-40B4-BE49-F238E27FC236}">
-                <a16:creationId xmlns:a16="http://schemas.microsoft.com/office/drawing/2014/main" id="{F821E293-60E6-AF5D-55E3-65BE41E38D4D}"/>
-              </a:ext>
-            </a:extLst>
-          </p:cNvPr>
-          <p:cNvPicPr>
-            <a:picLocks noChangeAspect="1"/>
-          </p:cNvPicPr>
-          <p:nvPr/>
-        </p:nvPicPr>
-        <p:blipFill>
-          <a:blip r:embed="rId2"/>
-          <a:stretch>
-            <a:fillRect/>
-          </a:stretch>
-        </p:blipFill>
-        <p:spPr>
-          <a:xfrm>
-            <a:off x="2385705" y="1841460"/>
-            <a:ext cx="4372585" cy="1562318"/>
-          </a:xfrm>
-          <a:prstGeom prst="rect">
-            <a:avLst/>
-          </a:prstGeom>
-          <a:ln w="57150">
-            <a:solidFill>
-              <a:schemeClr val="tx1">
-                <a:lumMod val="75000"/>
-              </a:schemeClr>
-            </a:solidFill>
-          </a:ln>
-        </p:spPr>
-      </p:pic>
-      <p:sp>
-        <p:nvSpPr>
-          <p:cNvPr id="9" name="ZoneTexte 8">
-            <a:extLst>
-              <a:ext uri="{FF2B5EF4-FFF2-40B4-BE49-F238E27FC236}">
-                <a16:creationId xmlns:a16="http://schemas.microsoft.com/office/drawing/2014/main" id="{D2F47EBB-2029-1944-C129-765927F3C392}"/>
-              </a:ext>
-            </a:extLst>
-          </p:cNvPr>
-          <p:cNvSpPr txBox="1"/>
-          <p:nvPr/>
-        </p:nvSpPr>
-        <p:spPr>
-          <a:xfrm>
-            <a:off x="3115271" y="4799470"/>
-            <a:ext cx="2913449" cy="646331"/>
-          </a:xfrm>
-          <a:prstGeom prst="rect">
-            <a:avLst/>
-          </a:prstGeom>
-          <a:solidFill>
-            <a:schemeClr val="bg1"/>
-          </a:solidFill>
-          <a:ln w="57150">
-            <a:solidFill>
-              <a:schemeClr val="tx1">
-                <a:lumMod val="75000"/>
-              </a:schemeClr>
-            </a:solidFill>
-          </a:ln>
-        </p:spPr>
-        <p:txBody>
-          <a:bodyPr wrap="square" rtlCol="0">
-            <a:spAutoFit/>
-          </a:bodyPr>
-          <a:lstStyle/>
-          <a:p>
-            <a:pPr algn="ctr"/>
-            <a:r>
-              <a:rPr lang="fr-FR" sz="3600" b="1" dirty="0"/>
-              <a:t>Train the IDM</a:t>
-            </a:r>
-          </a:p>
-        </p:txBody>
-      </p:sp>
-      <p:sp>
-        <p:nvSpPr>
-          <p:cNvPr id="12" name="ZoneTexte 11">
-            <a:extLst>
-              <a:ext uri="{FF2B5EF4-FFF2-40B4-BE49-F238E27FC236}">
-                <a16:creationId xmlns:a16="http://schemas.microsoft.com/office/drawing/2014/main" id="{CBB03CB3-658C-DC02-28DC-81C44C5A6CE4}"/>
-              </a:ext>
-            </a:extLst>
-          </p:cNvPr>
-          <p:cNvSpPr txBox="1"/>
-          <p:nvPr/>
-        </p:nvSpPr>
-        <p:spPr>
-          <a:xfrm>
-            <a:off x="791575" y="5898300"/>
-            <a:ext cx="7560840" cy="646331"/>
-          </a:xfrm>
-          <a:prstGeom prst="rect">
-            <a:avLst/>
-          </a:prstGeom>
-          <a:solidFill>
-            <a:schemeClr val="bg1"/>
-          </a:solidFill>
-          <a:ln w="57150">
-            <a:solidFill>
-              <a:schemeClr val="tx1">
-                <a:lumMod val="75000"/>
-              </a:schemeClr>
-            </a:solidFill>
-          </a:ln>
-        </p:spPr>
-        <p:txBody>
-          <a:bodyPr wrap="square" rtlCol="0">
-            <a:spAutoFit/>
-          </a:bodyPr>
-          <a:lstStyle/>
-          <a:p>
-            <a:pPr algn="ctr"/>
-            <a:r>
-              <a:rPr lang="en-US" sz="3600" b="1" dirty="0"/>
-              <a:t> Can be used to label online videos</a:t>
-            </a:r>
-            <a:endParaRPr lang="fr-FR" sz="3600" b="1" dirty="0"/>
-          </a:p>
-        </p:txBody>
-      </p:sp>
-      <p:cxnSp>
-        <p:nvCxnSpPr>
-          <p:cNvPr id="14" name="Connecteur : en angle 13">
-            <a:extLst>
-              <a:ext uri="{FF2B5EF4-FFF2-40B4-BE49-F238E27FC236}">
-                <a16:creationId xmlns:a16="http://schemas.microsoft.com/office/drawing/2014/main" id="{9DD51E81-20C5-0667-2A2D-EDAAD9D02A1F}"/>
-              </a:ext>
-            </a:extLst>
-          </p:cNvPr>
-          <p:cNvCxnSpPr>
-            <a:cxnSpLocks/>
-            <a:stCxn id="8" idx="2"/>
-            <a:endCxn id="9" idx="0"/>
-          </p:cNvCxnSpPr>
-          <p:nvPr/>
-        </p:nvCxnSpPr>
-        <p:spPr>
-          <a:xfrm rot="5400000">
-            <a:off x="4345748" y="4573220"/>
-            <a:ext cx="452499" cy="1"/>
-          </a:xfrm>
-          <a:prstGeom prst="bentConnector3">
-            <a:avLst>
-              <a:gd name="adj1" fmla="val 50000"/>
-            </a:avLst>
-          </a:prstGeom>
-          <a:ln w="57150">
-            <a:solidFill>
-              <a:schemeClr val="tx1"/>
-            </a:solidFill>
-            <a:tailEnd type="triangle"/>
-          </a:ln>
-        </p:spPr>
-        <p:style>
-          <a:lnRef idx="1">
-            <a:schemeClr val="accent1"/>
-          </a:lnRef>
-          <a:fillRef idx="0">
-            <a:schemeClr val="accent1"/>
-          </a:fillRef>
-          <a:effectRef idx="0">
-            <a:schemeClr val="accent1"/>
-          </a:effectRef>
-          <a:fontRef idx="minor">
-            <a:schemeClr val="tx1"/>
-          </a:fontRef>
-        </p:style>
-      </p:cxnSp>
-      <p:cxnSp>
-        <p:nvCxnSpPr>
-          <p:cNvPr id="18" name="Connecteur : en angle 17">
-            <a:extLst>
-              <a:ext uri="{FF2B5EF4-FFF2-40B4-BE49-F238E27FC236}">
-                <a16:creationId xmlns:a16="http://schemas.microsoft.com/office/drawing/2014/main" id="{0C72FECE-4ABB-AD12-8F3C-00CBC910F888}"/>
-              </a:ext>
-            </a:extLst>
-          </p:cNvPr>
-          <p:cNvCxnSpPr>
-            <a:cxnSpLocks/>
-            <a:stCxn id="9" idx="2"/>
-            <a:endCxn id="12" idx="0"/>
-          </p:cNvCxnSpPr>
-          <p:nvPr/>
-        </p:nvCxnSpPr>
-        <p:spPr>
-          <a:xfrm rot="5400000">
-            <a:off x="4345747" y="5672050"/>
-            <a:ext cx="452499" cy="1"/>
-          </a:xfrm>
-          <a:prstGeom prst="bentConnector3">
-            <a:avLst>
-              <a:gd name="adj1" fmla="val 50000"/>
-            </a:avLst>
-          </a:prstGeom>
-          <a:ln w="57150">
-            <a:solidFill>
-              <a:schemeClr val="tx1"/>
-            </a:solidFill>
-            <a:tailEnd type="triangle"/>
-          </a:ln>
-        </p:spPr>
-        <p:style>
-          <a:lnRef idx="1">
-            <a:schemeClr val="accent1"/>
-          </a:lnRef>
-          <a:fillRef idx="0">
-            <a:schemeClr val="accent1"/>
-          </a:fillRef>
-          <a:effectRef idx="0">
-            <a:schemeClr val="accent1"/>
-          </a:effectRef>
-          <a:fontRef idx="minor">
-            <a:schemeClr val="tx1"/>
-          </a:fontRef>
-        </p:style>
-      </p:cxnSp>
-    </p:spTree>
-    <p:extLst>
-      <p:ext uri="{BB962C8B-B14F-4D97-AF65-F5344CB8AC3E}">
-        <p14:creationId xmlns:p14="http://schemas.microsoft.com/office/powerpoint/2010/main" val="1109315540"/>
-      </p:ext>
-    </p:extLst>
-  </p:cSld>
-  <p:clrMapOvr>
-    <a:masterClrMapping/>
-  </p:clrMapOvr>
-  <p:transition>
-    <p:fade/>
-  </p:transition>
-  <p:timing>
-    <p:tnLst>
-      <p:par>
-        <p:cTn id="1" dur="indefinite" restart="never" nodeType="tmRoot">
-          <p:childTnLst>
-            <p:seq concurrent="1" nextAc="seek">
-              <p:cTn id="2" dur="indefinite" nodeType="mainSeq">
-                <p:childTnLst>
-                  <p:par>
-                    <p:cTn id="3" fill="hold">
-                      <p:stCondLst>
-                        <p:cond delay="indefinite"/>
-                        <p:cond evt="onBegin" delay="0">
-                          <p:tn val="2"/>
-                        </p:cond>
-                      </p:stCondLst>
-                      <p:childTnLst>
-                        <p:par>
-                          <p:cTn id="4" fill="hold">
-                            <p:stCondLst>
-                              <p:cond delay="0"/>
-                            </p:stCondLst>
-                            <p:childTnLst>
-                              <p:par>
-                                <p:cTn id="5" presetID="10" presetClass="entr" presetSubtype="0" fill="hold" grpId="0" nodeType="withEffect">
-                                  <p:stCondLst>
-                                    <p:cond delay="0"/>
-                                  </p:stCondLst>
-                                  <p:childTnLst>
-                                    <p:set>
-                                      <p:cBhvr>
-                                        <p:cTn id="6" dur="1" fill="hold">
-                                          <p:stCondLst>
-                                            <p:cond delay="0"/>
-                                          </p:stCondLst>
-                                        </p:cTn>
-                                        <p:tgtEl>
-                                          <p:spTgt spid="8"/>
-                                        </p:tgtEl>
-                                        <p:attrNameLst>
-                                          <p:attrName>style.visibility</p:attrName>
-                                        </p:attrNameLst>
-                                      </p:cBhvr>
-                                      <p:to>
-                                        <p:strVal val="visible"/>
-                                      </p:to>
-                                    </p:set>
-                                    <p:animEffect transition="in" filter="fade">
-                                      <p:cBhvr>
-                                        <p:cTn id="7" dur="500"/>
-                                        <p:tgtEl>
-                                          <p:spTgt spid="8"/>
-                                        </p:tgtEl>
-                                      </p:cBhvr>
-                                    </p:animEffect>
-                                  </p:childTnLst>
-                                </p:cTn>
-                              </p:par>
-                              <p:par>
-                                <p:cTn id="8" presetID="10" presetClass="entr" presetSubtype="0" fill="hold" grpId="0" nodeType="withEffect">
-                                  <p:stCondLst>
-                                    <p:cond delay="0"/>
-                                  </p:stCondLst>
-                                  <p:childTnLst>
-                                    <p:set>
-                                      <p:cBhvr>
-                                        <p:cTn id="9" dur="1" fill="hold">
-                                          <p:stCondLst>
-                                            <p:cond delay="0"/>
-                                          </p:stCondLst>
-                                        </p:cTn>
-                                        <p:tgtEl>
-                                          <p:spTgt spid="9"/>
-                                        </p:tgtEl>
-                                        <p:attrNameLst>
-                                          <p:attrName>style.visibility</p:attrName>
-                                        </p:attrNameLst>
-                                      </p:cBhvr>
-                                      <p:to>
-                                        <p:strVal val="visible"/>
-                                      </p:to>
-                                    </p:set>
-                                    <p:animEffect transition="in" filter="fade">
-                                      <p:cBhvr>
-                                        <p:cTn id="10" dur="500"/>
-                                        <p:tgtEl>
-                                          <p:spTgt spid="9"/>
-                                        </p:tgtEl>
-                                      </p:cBhvr>
-                                    </p:animEffect>
-                                  </p:childTnLst>
-                                </p:cTn>
-                              </p:par>
-                              <p:par>
-                                <p:cTn id="11" presetID="10" presetClass="entr" presetSubtype="0" fill="hold" grpId="0" nodeType="withEffect">
-                                  <p:stCondLst>
-                                    <p:cond delay="0"/>
-                                  </p:stCondLst>
-                                  <p:childTnLst>
-                                    <p:set>
-                                      <p:cBhvr>
-                                        <p:cTn id="12" dur="1" fill="hold">
-                                          <p:stCondLst>
-                                            <p:cond delay="0"/>
-                                          </p:stCondLst>
-                                        </p:cTn>
-                                        <p:tgtEl>
-                                          <p:spTgt spid="12"/>
-                                        </p:tgtEl>
-                                        <p:attrNameLst>
-                                          <p:attrName>style.visibility</p:attrName>
-                                        </p:attrNameLst>
-                                      </p:cBhvr>
-                                      <p:to>
-                                        <p:strVal val="visible"/>
-                                      </p:to>
-                                    </p:set>
-                                    <p:animEffect transition="in" filter="fade">
-                                      <p:cBhvr>
-                                        <p:cTn id="13" dur="500"/>
-                                        <p:tgtEl>
-                                          <p:spTgt spid="12"/>
-                                        </p:tgtEl>
-                                      </p:cBhvr>
-                                    </p:animEffect>
-                                  </p:childTnLst>
-                                </p:cTn>
-                              </p:par>
-                            </p:childTnLst>
-                          </p:cTn>
-                        </p:par>
-                      </p:childTnLst>
-                    </p:cTn>
-                  </p:par>
-                  <p:par>
-                    <p:cTn id="14" fill="hold">
-                      <p:stCondLst>
-                        <p:cond delay="indefinite"/>
-                      </p:stCondLst>
-                      <p:childTnLst>
-                        <p:par>
-                          <p:cTn id="15" fill="hold">
-                            <p:stCondLst>
-                              <p:cond delay="0"/>
-                            </p:stCondLst>
-                            <p:childTnLst>
-                              <p:par>
-                                <p:cTn id="16" presetID="10" presetClass="entr" presetSubtype="0" fill="hold" grpId="1" nodeType="clickEffect">
-                                  <p:stCondLst>
-                                    <p:cond delay="0"/>
-                                  </p:stCondLst>
-                                  <p:childTnLst>
-                                    <p:set>
-                                      <p:cBhvr>
-                                        <p:cTn id="17" dur="1" fill="hold">
-                                          <p:stCondLst>
-                                            <p:cond delay="0"/>
-                                          </p:stCondLst>
-                                        </p:cTn>
-                                        <p:tgtEl>
-                                          <p:spTgt spid="8"/>
-                                        </p:tgtEl>
-                                        <p:attrNameLst>
-                                          <p:attrName>style.visibility</p:attrName>
-                                        </p:attrNameLst>
-                                      </p:cBhvr>
-                                      <p:to>
-                                        <p:strVal val="visible"/>
-                                      </p:to>
-                                    </p:set>
-                                    <p:animEffect transition="in" filter="fade">
-                                      <p:cBhvr>
-                                        <p:cTn id="18" dur="500"/>
-                                        <p:tgtEl>
-                                          <p:spTgt spid="8"/>
-                                        </p:tgtEl>
-                                      </p:cBhvr>
-                                    </p:animEffect>
-                                  </p:childTnLst>
-                                </p:cTn>
-                              </p:par>
-                            </p:childTnLst>
-                          </p:cTn>
-                        </p:par>
-                      </p:childTnLst>
-                    </p:cTn>
-                  </p:par>
-                  <p:par>
-                    <p:cTn id="19" fill="hold">
-                      <p:stCondLst>
-                        <p:cond delay="indefinite"/>
-                      </p:stCondLst>
-                      <p:childTnLst>
-                        <p:par>
-                          <p:cTn id="20" fill="hold">
-                            <p:stCondLst>
-                              <p:cond delay="0"/>
-                            </p:stCondLst>
-                            <p:childTnLst>
-                              <p:par>
-                                <p:cTn id="21" presetID="10" presetClass="entr" presetSubtype="0" fill="hold" grpId="1" nodeType="clickEffect">
-                                  <p:stCondLst>
-                                    <p:cond delay="0"/>
-                                  </p:stCondLst>
-                                  <p:childTnLst>
-                                    <p:set>
-                                      <p:cBhvr>
-                                        <p:cTn id="22" dur="1" fill="hold">
-                                          <p:stCondLst>
-                                            <p:cond delay="0"/>
-                                          </p:stCondLst>
-                                        </p:cTn>
-                                        <p:tgtEl>
-                                          <p:spTgt spid="9"/>
-                                        </p:tgtEl>
-                                        <p:attrNameLst>
-                                          <p:attrName>style.visibility</p:attrName>
-                                        </p:attrNameLst>
-                                      </p:cBhvr>
-                                      <p:to>
-                                        <p:strVal val="visible"/>
-                                      </p:to>
-                                    </p:set>
-                                    <p:animEffect transition="in" filter="fade">
-                                      <p:cBhvr>
-                                        <p:cTn id="23" dur="500"/>
-                                        <p:tgtEl>
-                                          <p:spTgt spid="9"/>
-                                        </p:tgtEl>
-                                      </p:cBhvr>
-                                    </p:animEffect>
-                                  </p:childTnLst>
-                                </p:cTn>
-                              </p:par>
-                              <p:par>
-                                <p:cTn id="24" presetID="10" presetClass="entr" presetSubtype="0" fill="hold" nodeType="withEffect">
-                                  <p:stCondLst>
-                                    <p:cond delay="0"/>
-                                  </p:stCondLst>
-                                  <p:childTnLst>
-                                    <p:set>
-                                      <p:cBhvr>
-                                        <p:cTn id="25" dur="1" fill="hold">
-                                          <p:stCondLst>
-                                            <p:cond delay="0"/>
-                                          </p:stCondLst>
-                                        </p:cTn>
-                                        <p:tgtEl>
-                                          <p:spTgt spid="14"/>
-                                        </p:tgtEl>
-                                        <p:attrNameLst>
-                                          <p:attrName>style.visibility</p:attrName>
-                                        </p:attrNameLst>
-                                      </p:cBhvr>
-                                      <p:to>
-                                        <p:strVal val="visible"/>
-                                      </p:to>
-                                    </p:set>
-                                    <p:animEffect transition="in" filter="fade">
-                                      <p:cBhvr>
-                                        <p:cTn id="26" dur="500"/>
-                                        <p:tgtEl>
-                                          <p:spTgt spid="14"/>
-                                        </p:tgtEl>
-                                      </p:cBhvr>
-                                    </p:animEffect>
-                                  </p:childTnLst>
-                                </p:cTn>
-                              </p:par>
-                            </p:childTnLst>
-                          </p:cTn>
-                        </p:par>
-                      </p:childTnLst>
-                    </p:cTn>
-                  </p:par>
-                  <p:par>
-                    <p:cTn id="27" fill="hold">
-                      <p:stCondLst>
-                        <p:cond delay="indefinite"/>
-                      </p:stCondLst>
-                      <p:childTnLst>
-                        <p:par>
-                          <p:cTn id="28" fill="hold">
-                            <p:stCondLst>
-                              <p:cond delay="0"/>
-                            </p:stCondLst>
-                            <p:childTnLst>
-                              <p:par>
-                                <p:cTn id="29" presetID="10" presetClass="entr" presetSubtype="0" fill="hold" grpId="1" nodeType="clickEffect">
-                                  <p:stCondLst>
-                                    <p:cond delay="0"/>
-                                  </p:stCondLst>
-                                  <p:childTnLst>
-                                    <p:set>
-                                      <p:cBhvr>
-                                        <p:cTn id="30" dur="1" fill="hold">
-                                          <p:stCondLst>
-                                            <p:cond delay="0"/>
-                                          </p:stCondLst>
-                                        </p:cTn>
-                                        <p:tgtEl>
-                                          <p:spTgt spid="12"/>
-                                        </p:tgtEl>
-                                        <p:attrNameLst>
-                                          <p:attrName>style.visibility</p:attrName>
-                                        </p:attrNameLst>
-                                      </p:cBhvr>
-                                      <p:to>
-                                        <p:strVal val="visible"/>
-                                      </p:to>
-                                    </p:set>
-                                    <p:animEffect transition="in" filter="fade">
-                                      <p:cBhvr>
-                                        <p:cTn id="31" dur="500"/>
-                                        <p:tgtEl>
-                                          <p:spTgt spid="12"/>
-                                        </p:tgtEl>
-                                      </p:cBhvr>
-                                    </p:animEffect>
-                                  </p:childTnLst>
-                                </p:cTn>
-                              </p:par>
-                              <p:par>
-                                <p:cTn id="32" presetID="10" presetClass="entr" presetSubtype="0" fill="hold" nodeType="withEffect">
-                                  <p:stCondLst>
-                                    <p:cond delay="0"/>
-                                  </p:stCondLst>
-                                  <p:childTnLst>
-                                    <p:set>
-                                      <p:cBhvr>
-                                        <p:cTn id="33" dur="1" fill="hold">
-                                          <p:stCondLst>
-                                            <p:cond delay="0"/>
-                                          </p:stCondLst>
-                                        </p:cTn>
-                                        <p:tgtEl>
-                                          <p:spTgt spid="18"/>
-                                        </p:tgtEl>
-                                        <p:attrNameLst>
-                                          <p:attrName>style.visibility</p:attrName>
-                                        </p:attrNameLst>
-                                      </p:cBhvr>
-                                      <p:to>
-                                        <p:strVal val="visible"/>
-                                      </p:to>
-                                    </p:set>
-                                    <p:animEffect transition="in" filter="fade">
-                                      <p:cBhvr>
-                                        <p:cTn id="34" dur="500"/>
-                                        <p:tgtEl>
-                                          <p:spTgt spid="18"/>
-                                        </p:tgtEl>
-                                      </p:cBhvr>
-                                    </p:animEffect>
-                                  </p:childTnLst>
-                                </p:cTn>
-                              </p:par>
-                            </p:childTnLst>
-                          </p:cTn>
-                        </p:par>
-                      </p:childTnLst>
-                    </p:cTn>
-                  </p:par>
-                </p:childTnLst>
-              </p:cTn>
-              <p:prevCondLst>
-                <p:cond evt="onPrev" delay="0">
-                  <p:tgtEl>
-                    <p:sldTgt/>
-                  </p:tgtEl>
-                </p:cond>
-              </p:prevCondLst>
-              <p:nextCondLst>
-                <p:cond evt="onNext" delay="0">
-                  <p:tgtEl>
-                    <p:sldTgt/>
-                  </p:tgtEl>
-                </p:cond>
-              </p:nextCondLst>
-            </p:seq>
-          </p:childTnLst>
-        </p:cTn>
-      </p:par>
-    </p:tnLst>
-    <p:bldLst>
-      <p:bldP spid="8" grpId="0" animBg="1"/>
-      <p:bldP spid="8" grpId="1" animBg="1"/>
-      <p:bldP spid="9" grpId="0" animBg="1"/>
-      <p:bldP spid="9" grpId="1" animBg="1"/>
-      <p:bldP spid="12" grpId="0" animBg="1"/>
-      <p:bldP spid="12" grpId="1" animBg="1"/>
-    </p:bldLst>
-  </p:timing>
-</p:sld>
-</file>
-
-<file path=ppt/slides/slide8.xml><?xml version="1.0" encoding="utf-8"?>
-<p:sld xmlns:a="http://schemas.openxmlformats.org/drawingml/2006/main" xmlns:r="http://schemas.openxmlformats.org/officeDocument/2006/relationships" xmlns:p="http://schemas.openxmlformats.org/presentationml/2006/main">
-  <p:cSld>
-    <p:spTree>
-      <p:nvGrpSpPr>
-        <p:cNvPr id="1" name=""/>
-        <p:cNvGrpSpPr/>
-        <p:nvPr/>
-      </p:nvGrpSpPr>
-      <p:grpSpPr>
-        <a:xfrm>
-          <a:off x="0" y="0"/>
-          <a:ext cx="0" cy="0"/>
-          <a:chOff x="0" y="0"/>
-          <a:chExt cx="0" cy="0"/>
-        </a:xfrm>
-      </p:grpSpPr>
-      <p:sp>
-        <p:nvSpPr>
-          <p:cNvPr id="4" name="ZoneTexte 3">
-            <a:extLst>
-              <a:ext uri="{FF2B5EF4-FFF2-40B4-BE49-F238E27FC236}">
-                <a16:creationId xmlns:a16="http://schemas.microsoft.com/office/drawing/2014/main" id="{5B83E49B-2489-EF47-0DC8-214B6E733633}"/>
-              </a:ext>
-            </a:extLst>
-          </p:cNvPr>
-          <p:cNvSpPr txBox="1"/>
-          <p:nvPr/>
-        </p:nvSpPr>
-        <p:spPr>
-          <a:xfrm>
-            <a:off x="467406" y="836712"/>
-            <a:ext cx="8209188" cy="707886"/>
-          </a:xfrm>
-          <a:prstGeom prst="rect">
-            <a:avLst/>
-          </a:prstGeom>
-          <a:solidFill>
-            <a:schemeClr val="bg1"/>
-          </a:solidFill>
-          <a:ln>
-            <a:solidFill>
-              <a:schemeClr val="tx1"/>
-            </a:solidFill>
-          </a:ln>
-        </p:spPr>
-        <p:style>
-          <a:lnRef idx="2">
-            <a:schemeClr val="dk1"/>
-          </a:lnRef>
-          <a:fillRef idx="1">
-            <a:schemeClr val="lt1"/>
-          </a:fillRef>
-          <a:effectRef idx="0">
-            <a:schemeClr val="dk1"/>
-          </a:effectRef>
-          <a:fontRef idx="minor">
-            <a:schemeClr val="dk1"/>
-          </a:fontRef>
-        </p:style>
-        <p:txBody>
-          <a:bodyPr wrap="square" rtlCol="0">
-            <a:spAutoFit/>
-          </a:bodyPr>
-          <a:lstStyle/>
-          <a:p>
-            <a:pPr algn="ctr"/>
-            <a:r>
-              <a:rPr lang="fr-FR" sz="4000" b="1" dirty="0">
-                <a:solidFill>
-                  <a:schemeClr val="tx1"/>
-                </a:solidFill>
-                <a:latin typeface="Aharoni" panose="02010803020104030203" pitchFamily="2" charset="-79"/>
-                <a:cs typeface="Aharoni" panose="02010803020104030203" pitchFamily="2" charset="-79"/>
-              </a:rPr>
-              <a:t>Methods </a:t>
-            </a:r>
-            <a:r>
-              <a:rPr lang="fr-FR" sz="4000" b="1" dirty="0" err="1">
-                <a:solidFill>
-                  <a:schemeClr val="tx1"/>
-                </a:solidFill>
-                <a:latin typeface="Aharoni" panose="02010803020104030203" pitchFamily="2" charset="-79"/>
-                <a:cs typeface="Aharoni" panose="02010803020104030203" pitchFamily="2" charset="-79"/>
-              </a:rPr>
-              <a:t>Used</a:t>
-            </a:r>
-            <a:endParaRPr lang="fr-FR" sz="4000" b="1" dirty="0">
-              <a:solidFill>
-                <a:schemeClr val="tx1"/>
-              </a:solidFill>
-              <a:latin typeface="Aharoni" panose="02010803020104030203" pitchFamily="2" charset="-79"/>
-              <a:cs typeface="Aharoni" panose="02010803020104030203" pitchFamily="2" charset="-79"/>
-            </a:endParaRPr>
-          </a:p>
-        </p:txBody>
-      </p:sp>
-      <p:pic>
-        <p:nvPicPr>
-          <p:cNvPr id="5" name="Image 4">
-            <a:extLst>
-              <a:ext uri="{FF2B5EF4-FFF2-40B4-BE49-F238E27FC236}">
-                <a16:creationId xmlns:a16="http://schemas.microsoft.com/office/drawing/2014/main" id="{75CE3641-73AE-7CCB-F453-EAB5AE85D533}"/>
-              </a:ext>
-            </a:extLst>
-          </p:cNvPr>
-          <p:cNvPicPr>
-            <a:picLocks noChangeAspect="1"/>
-          </p:cNvPicPr>
-          <p:nvPr/>
-        </p:nvPicPr>
-        <p:blipFill>
-          <a:blip r:embed="rId2"/>
-          <a:stretch>
-            <a:fillRect/>
-          </a:stretch>
-        </p:blipFill>
-        <p:spPr>
-          <a:xfrm>
-            <a:off x="2504786" y="1772816"/>
-            <a:ext cx="4134427" cy="2495898"/>
-          </a:xfrm>
-          <a:prstGeom prst="rect">
-            <a:avLst/>
-          </a:prstGeom>
-          <a:ln w="57150">
-            <a:solidFill>
-              <a:schemeClr val="tx1">
-                <a:lumMod val="75000"/>
-              </a:schemeClr>
-            </a:solidFill>
-          </a:ln>
-        </p:spPr>
-      </p:pic>
-      <p:sp>
-        <p:nvSpPr>
-          <p:cNvPr id="6" name="ZoneTexte 5">
-            <a:extLst>
-              <a:ext uri="{FF2B5EF4-FFF2-40B4-BE49-F238E27FC236}">
-                <a16:creationId xmlns:a16="http://schemas.microsoft.com/office/drawing/2014/main" id="{812844EC-8C2C-FFEC-0B25-0F5C14B37C6C}"/>
-              </a:ext>
-            </a:extLst>
-          </p:cNvPr>
-          <p:cNvSpPr txBox="1"/>
-          <p:nvPr/>
-        </p:nvSpPr>
-        <p:spPr>
-          <a:xfrm>
-            <a:off x="414975" y="4513769"/>
-            <a:ext cx="8314047" cy="523220"/>
-          </a:xfrm>
-          <a:prstGeom prst="rect">
-            <a:avLst/>
-          </a:prstGeom>
-          <a:solidFill>
-            <a:schemeClr val="bg1"/>
-          </a:solidFill>
-          <a:ln w="57150">
-            <a:solidFill>
-              <a:schemeClr val="tx1">
-                <a:lumMod val="75000"/>
-              </a:schemeClr>
-            </a:solidFill>
-          </a:ln>
-        </p:spPr>
-        <p:txBody>
-          <a:bodyPr wrap="square" rtlCol="0">
-            <a:spAutoFit/>
-          </a:bodyPr>
-          <a:lstStyle/>
-          <a:p>
-            <a:pPr algn="ctr"/>
-            <a:r>
-              <a:rPr lang="fr-FR" sz="2800" b="1" dirty="0"/>
-              <a:t>Have </a:t>
-            </a:r>
-            <a:r>
-              <a:rPr lang="fr-FR" sz="2800" b="1" dirty="0" err="1"/>
-              <a:t>Unlabeled</a:t>
-            </a:r>
-            <a:r>
-              <a:rPr lang="fr-FR" sz="2800" b="1" dirty="0"/>
-              <a:t> to </a:t>
-            </a:r>
-            <a:r>
-              <a:rPr lang="fr-FR" sz="2800" b="1" dirty="0" err="1"/>
-              <a:t>Labeled</a:t>
-            </a:r>
-            <a:r>
-              <a:rPr lang="fr-FR" sz="2800" b="1" dirty="0"/>
-              <a:t> </a:t>
-            </a:r>
-            <a:r>
-              <a:rPr lang="fr-FR" sz="2800" b="1" dirty="0" err="1"/>
-              <a:t>Videos</a:t>
-            </a:r>
-            <a:r>
-              <a:rPr lang="fr-FR" sz="2800" b="1" dirty="0"/>
-              <a:t> in Entry</a:t>
-            </a:r>
-          </a:p>
-        </p:txBody>
-      </p:sp>
-      <p:sp>
-        <p:nvSpPr>
-          <p:cNvPr id="7" name="ZoneTexte 6">
-            <a:extLst>
-              <a:ext uri="{FF2B5EF4-FFF2-40B4-BE49-F238E27FC236}">
-                <a16:creationId xmlns:a16="http://schemas.microsoft.com/office/drawing/2014/main" id="{BC2A79AF-897D-5116-A5C8-D13D9449F64B}"/>
-              </a:ext>
-            </a:extLst>
-          </p:cNvPr>
-          <p:cNvSpPr txBox="1"/>
-          <p:nvPr/>
-        </p:nvSpPr>
-        <p:spPr>
-          <a:xfrm>
-            <a:off x="1799801" y="5403830"/>
-            <a:ext cx="5544394" cy="523220"/>
-          </a:xfrm>
-          <a:prstGeom prst="rect">
-            <a:avLst/>
-          </a:prstGeom>
-          <a:solidFill>
-            <a:schemeClr val="bg1"/>
-          </a:solidFill>
-          <a:ln w="57150">
-            <a:solidFill>
-              <a:schemeClr val="tx1">
-                <a:lumMod val="75000"/>
-              </a:schemeClr>
-            </a:solidFill>
-          </a:ln>
-        </p:spPr>
-        <p:txBody>
-          <a:bodyPr wrap="square" rtlCol="0">
-            <a:spAutoFit/>
-          </a:bodyPr>
-          <a:lstStyle/>
-          <a:p>
-            <a:pPr algn="ctr"/>
-            <a:r>
-              <a:rPr lang="fr-FR" sz="2800" b="1" dirty="0"/>
-              <a:t>Training by </a:t>
-            </a:r>
-            <a:r>
-              <a:rPr lang="fr-FR" sz="2800" b="1" dirty="0" err="1"/>
-              <a:t>Watching</a:t>
-            </a:r>
-            <a:r>
-              <a:rPr lang="fr-FR" sz="2800" b="1" dirty="0"/>
-              <a:t> </a:t>
-            </a:r>
-            <a:r>
-              <a:rPr lang="fr-FR" sz="2800" b="1" dirty="0" err="1"/>
-              <a:t>Videos</a:t>
-            </a:r>
-            <a:endParaRPr lang="fr-FR" sz="2800" b="1" dirty="0"/>
-          </a:p>
-        </p:txBody>
-      </p:sp>
-      <p:sp>
-        <p:nvSpPr>
-          <p:cNvPr id="10" name="ZoneTexte 9">
-            <a:extLst>
-              <a:ext uri="{FF2B5EF4-FFF2-40B4-BE49-F238E27FC236}">
-                <a16:creationId xmlns:a16="http://schemas.microsoft.com/office/drawing/2014/main" id="{62A7413B-BB50-D476-220D-4F5C6D3D3053}"/>
-              </a:ext>
-            </a:extLst>
-          </p:cNvPr>
-          <p:cNvSpPr txBox="1"/>
-          <p:nvPr/>
-        </p:nvSpPr>
-        <p:spPr>
-          <a:xfrm>
-            <a:off x="1799801" y="6290733"/>
-            <a:ext cx="5544394" cy="523220"/>
-          </a:xfrm>
-          <a:prstGeom prst="rect">
-            <a:avLst/>
-          </a:prstGeom>
-          <a:solidFill>
-            <a:schemeClr val="bg1"/>
-          </a:solidFill>
-          <a:ln w="57150">
-            <a:solidFill>
-              <a:schemeClr val="tx1">
-                <a:lumMod val="75000"/>
-              </a:schemeClr>
-            </a:solidFill>
-          </a:ln>
-        </p:spPr>
-        <p:txBody>
-          <a:bodyPr wrap="square" rtlCol="0">
-            <a:spAutoFit/>
-          </a:bodyPr>
-          <a:lstStyle/>
-          <a:p>
-            <a:pPr algn="ctr"/>
-            <a:r>
-              <a:rPr lang="fr-FR" sz="2800" b="1" dirty="0"/>
-              <a:t>Model can Play Minecraft</a:t>
-            </a:r>
-          </a:p>
-        </p:txBody>
-      </p:sp>
-      <p:cxnSp>
-        <p:nvCxnSpPr>
-          <p:cNvPr id="11" name="Connecteur : en angle 10">
-            <a:extLst>
-              <a:ext uri="{FF2B5EF4-FFF2-40B4-BE49-F238E27FC236}">
-                <a16:creationId xmlns:a16="http://schemas.microsoft.com/office/drawing/2014/main" id="{33AB4D81-9B51-75AF-D2F4-DA92B98942BE}"/>
-              </a:ext>
-            </a:extLst>
-          </p:cNvPr>
-          <p:cNvCxnSpPr>
-            <a:cxnSpLocks/>
-            <a:stCxn id="6" idx="2"/>
-            <a:endCxn id="7" idx="0"/>
-          </p:cNvCxnSpPr>
-          <p:nvPr/>
-        </p:nvCxnSpPr>
-        <p:spPr>
-          <a:xfrm rot="5400000">
-            <a:off x="4388579" y="5220409"/>
-            <a:ext cx="366841" cy="1"/>
-          </a:xfrm>
-          <a:prstGeom prst="bentConnector3">
-            <a:avLst>
-              <a:gd name="adj1" fmla="val 50000"/>
-            </a:avLst>
-          </a:prstGeom>
-          <a:ln w="57150">
-            <a:solidFill>
-              <a:schemeClr val="tx1"/>
-            </a:solidFill>
-            <a:tailEnd type="triangle"/>
-          </a:ln>
-        </p:spPr>
-        <p:style>
-          <a:lnRef idx="1">
-            <a:schemeClr val="accent1"/>
-          </a:lnRef>
-          <a:fillRef idx="0">
-            <a:schemeClr val="accent1"/>
-          </a:fillRef>
-          <a:effectRef idx="0">
-            <a:schemeClr val="accent1"/>
-          </a:effectRef>
-          <a:fontRef idx="minor">
-            <a:schemeClr val="tx1"/>
-          </a:fontRef>
-        </p:style>
-      </p:cxnSp>
-      <p:cxnSp>
-        <p:nvCxnSpPr>
-          <p:cNvPr id="16" name="Connecteur : en angle 15">
-            <a:extLst>
-              <a:ext uri="{FF2B5EF4-FFF2-40B4-BE49-F238E27FC236}">
-                <a16:creationId xmlns:a16="http://schemas.microsoft.com/office/drawing/2014/main" id="{3FD13CD4-A9E8-952E-68E2-40F6F53166B7}"/>
-              </a:ext>
-            </a:extLst>
-          </p:cNvPr>
-          <p:cNvCxnSpPr>
-            <a:cxnSpLocks/>
-            <a:stCxn id="7" idx="2"/>
-            <a:endCxn id="10" idx="0"/>
-          </p:cNvCxnSpPr>
-          <p:nvPr/>
-        </p:nvCxnSpPr>
-        <p:spPr>
-          <a:xfrm rot="5400000">
-            <a:off x="4390157" y="6108891"/>
-            <a:ext cx="363683" cy="12700"/>
-          </a:xfrm>
-          <a:prstGeom prst="bentConnector3">
-            <a:avLst>
-              <a:gd name="adj1" fmla="val 50000"/>
-            </a:avLst>
-          </a:prstGeom>
-          <a:ln w="57150">
-            <a:solidFill>
-              <a:schemeClr val="tx1"/>
-            </a:solidFill>
-            <a:tailEnd type="triangle"/>
-          </a:ln>
-        </p:spPr>
-        <p:style>
-          <a:lnRef idx="1">
-            <a:schemeClr val="accent1"/>
-          </a:lnRef>
-          <a:fillRef idx="0">
-            <a:schemeClr val="accent1"/>
-          </a:fillRef>
-          <a:effectRef idx="0">
-            <a:schemeClr val="accent1"/>
-          </a:effectRef>
-          <a:fontRef idx="minor">
-            <a:schemeClr val="tx1"/>
-          </a:fontRef>
-        </p:style>
-      </p:cxnSp>
-    </p:spTree>
-    <p:extLst>
-      <p:ext uri="{BB962C8B-B14F-4D97-AF65-F5344CB8AC3E}">
-        <p14:creationId xmlns:p14="http://schemas.microsoft.com/office/powerpoint/2010/main" val="2383016029"/>
-      </p:ext>
-    </p:extLst>
-  </p:cSld>
-  <p:clrMapOvr>
-    <a:masterClrMapping/>
-  </p:clrMapOvr>
-  <p:transition>
-    <p:fade/>
-  </p:transition>
-  <p:timing>
-    <p:tnLst>
-      <p:par>
-        <p:cTn id="1" dur="indefinite" restart="never" nodeType="tmRoot">
-          <p:childTnLst>
-            <p:seq concurrent="1" nextAc="seek">
-              <p:cTn id="2" dur="indefinite" nodeType="mainSeq">
-                <p:childTnLst>
-                  <p:par>
-                    <p:cTn id="3" fill="hold">
-                      <p:stCondLst>
-                        <p:cond delay="indefinite"/>
-                      </p:stCondLst>
-                      <p:childTnLst>
-                        <p:par>
-                          <p:cTn id="4" fill="hold">
-                            <p:stCondLst>
-                              <p:cond delay="0"/>
-                            </p:stCondLst>
-                            <p:childTnLst>
-                              <p:par>
-                                <p:cTn id="5" presetID="10" presetClass="entr" presetSubtype="0" fill="hold" grpId="0" nodeType="clickEffect">
-                                  <p:stCondLst>
-                                    <p:cond delay="0"/>
-                                  </p:stCondLst>
-                                  <p:childTnLst>
-                                    <p:set>
-                                      <p:cBhvr>
-                                        <p:cTn id="6" dur="1" fill="hold">
-                                          <p:stCondLst>
-                                            <p:cond delay="0"/>
-                                          </p:stCondLst>
-                                        </p:cTn>
-                                        <p:tgtEl>
-                                          <p:spTgt spid="6"/>
-                                        </p:tgtEl>
-                                        <p:attrNameLst>
-                                          <p:attrName>style.visibility</p:attrName>
-                                        </p:attrNameLst>
-                                      </p:cBhvr>
-                                      <p:to>
-                                        <p:strVal val="visible"/>
-                                      </p:to>
-                                    </p:set>
-                                    <p:animEffect transition="in" filter="fade">
-                                      <p:cBhvr>
-                                        <p:cTn id="7" dur="500"/>
-                                        <p:tgtEl>
-                                          <p:spTgt spid="6"/>
-                                        </p:tgtEl>
-                                      </p:cBhvr>
-                                    </p:animEffect>
-                                  </p:childTnLst>
-                                </p:cTn>
-                              </p:par>
-                            </p:childTnLst>
-                          </p:cTn>
-                        </p:par>
-                      </p:childTnLst>
-                    </p:cTn>
-                  </p:par>
-                  <p:par>
-                    <p:cTn id="8" fill="hold">
-                      <p:stCondLst>
-                        <p:cond delay="indefinite"/>
-                      </p:stCondLst>
-                      <p:childTnLst>
-                        <p:par>
-                          <p:cTn id="9" fill="hold">
-                            <p:stCondLst>
-                              <p:cond delay="0"/>
-                            </p:stCondLst>
-                            <p:childTnLst>
-                              <p:par>
-                                <p:cTn id="10" presetID="10" presetClass="entr" presetSubtype="0" fill="hold" nodeType="clickEffect">
-                                  <p:stCondLst>
-                                    <p:cond delay="0"/>
-                                  </p:stCondLst>
-                                  <p:childTnLst>
-                                    <p:set>
-                                      <p:cBhvr>
-                                        <p:cTn id="11" dur="1" fill="hold">
-                                          <p:stCondLst>
-                                            <p:cond delay="0"/>
-                                          </p:stCondLst>
-                                        </p:cTn>
-                                        <p:tgtEl>
-                                          <p:spTgt spid="11"/>
-                                        </p:tgtEl>
-                                        <p:attrNameLst>
-                                          <p:attrName>style.visibility</p:attrName>
-                                        </p:attrNameLst>
-                                      </p:cBhvr>
-                                      <p:to>
-                                        <p:strVal val="visible"/>
-                                      </p:to>
-                                    </p:set>
-                                    <p:animEffect transition="in" filter="fade">
-                                      <p:cBhvr>
-                                        <p:cTn id="12" dur="500"/>
-                                        <p:tgtEl>
-                                          <p:spTgt spid="11"/>
-                                        </p:tgtEl>
-                                      </p:cBhvr>
-                                    </p:animEffect>
-                                  </p:childTnLst>
-                                </p:cTn>
-                              </p:par>
-                              <p:par>
-                                <p:cTn id="13" presetID="10" presetClass="entr" presetSubtype="0" fill="hold" grpId="0" nodeType="withEffect">
-                                  <p:stCondLst>
-                                    <p:cond delay="0"/>
-                                  </p:stCondLst>
-                                  <p:childTnLst>
-                                    <p:set>
-                                      <p:cBhvr>
-                                        <p:cTn id="14" dur="1" fill="hold">
-                                          <p:stCondLst>
-                                            <p:cond delay="0"/>
-                                          </p:stCondLst>
-                                        </p:cTn>
-                                        <p:tgtEl>
-                                          <p:spTgt spid="7"/>
-                                        </p:tgtEl>
-                                        <p:attrNameLst>
-                                          <p:attrName>style.visibility</p:attrName>
-                                        </p:attrNameLst>
-                                      </p:cBhvr>
-                                      <p:to>
-                                        <p:strVal val="visible"/>
-                                      </p:to>
-                                    </p:set>
-                                    <p:animEffect transition="in" filter="fade">
-                                      <p:cBhvr>
-                                        <p:cTn id="15" dur="500"/>
-                                        <p:tgtEl>
-                                          <p:spTgt spid="7"/>
-                                        </p:tgtEl>
-                                      </p:cBhvr>
-                                    </p:animEffect>
-                                  </p:childTnLst>
-                                </p:cTn>
-                              </p:par>
-                            </p:childTnLst>
-                          </p:cTn>
-                        </p:par>
-                      </p:childTnLst>
-                    </p:cTn>
-                  </p:par>
-                  <p:par>
-                    <p:cTn id="16" fill="hold">
-                      <p:stCondLst>
-                        <p:cond delay="indefinite"/>
-                      </p:stCondLst>
-                      <p:childTnLst>
-                        <p:par>
-                          <p:cTn id="17" fill="hold">
-                            <p:stCondLst>
-                              <p:cond delay="0"/>
-                            </p:stCondLst>
-                            <p:childTnLst>
-                              <p:par>
-                                <p:cTn id="18" presetID="10" presetClass="entr" presetSubtype="0" fill="hold" nodeType="clickEffect">
-                                  <p:stCondLst>
-                                    <p:cond delay="0"/>
-                                  </p:stCondLst>
-                                  <p:childTnLst>
-                                    <p:set>
-                                      <p:cBhvr>
-                                        <p:cTn id="19" dur="1" fill="hold">
-                                          <p:stCondLst>
-                                            <p:cond delay="0"/>
-                                          </p:stCondLst>
-                                        </p:cTn>
-                                        <p:tgtEl>
-                                          <p:spTgt spid="16"/>
-                                        </p:tgtEl>
-                                        <p:attrNameLst>
-                                          <p:attrName>style.visibility</p:attrName>
-                                        </p:attrNameLst>
-                                      </p:cBhvr>
-                                      <p:to>
-                                        <p:strVal val="visible"/>
-                                      </p:to>
-                                    </p:set>
-                                    <p:animEffect transition="in" filter="fade">
-                                      <p:cBhvr>
-                                        <p:cTn id="20" dur="500"/>
-                                        <p:tgtEl>
-                                          <p:spTgt spid="16"/>
-                                        </p:tgtEl>
-                                      </p:cBhvr>
-                                    </p:animEffect>
-                                  </p:childTnLst>
-                                </p:cTn>
-                              </p:par>
-                              <p:par>
-                                <p:cTn id="21" presetID="10" presetClass="entr" presetSubtype="0" fill="hold" grpId="0" nodeType="withEffect">
-                                  <p:stCondLst>
-                                    <p:cond delay="0"/>
-                                  </p:stCondLst>
-                                  <p:childTnLst>
-                                    <p:set>
-                                      <p:cBhvr>
-                                        <p:cTn id="22" dur="1" fill="hold">
-                                          <p:stCondLst>
-                                            <p:cond delay="0"/>
-                                          </p:stCondLst>
-                                        </p:cTn>
-                                        <p:tgtEl>
-                                          <p:spTgt spid="10"/>
-                                        </p:tgtEl>
-                                        <p:attrNameLst>
-                                          <p:attrName>style.visibility</p:attrName>
-                                        </p:attrNameLst>
-                                      </p:cBhvr>
-                                      <p:to>
-                                        <p:strVal val="visible"/>
-                                      </p:to>
-                                    </p:set>
-                                    <p:animEffect transition="in" filter="fade">
-                                      <p:cBhvr>
-                                        <p:cTn id="23" dur="500"/>
-                                        <p:tgtEl>
-                                          <p:spTgt spid="10"/>
-                                        </p:tgtEl>
-                                      </p:cBhvr>
-                                    </p:animEffect>
-                                  </p:childTnLst>
-                                </p:cTn>
-                              </p:par>
-                            </p:childTnLst>
-                          </p:cTn>
-                        </p:par>
-                      </p:childTnLst>
-                    </p:cTn>
-                  </p:par>
-                </p:childTnLst>
-              </p:cTn>
-              <p:prevCondLst>
-                <p:cond evt="onPrev" delay="0">
-                  <p:tgtEl>
-                    <p:sldTgt/>
-                  </p:tgtEl>
-                </p:cond>
-              </p:prevCondLst>
-              <p:nextCondLst>
-                <p:cond evt="onNext" delay="0">
-                  <p:tgtEl>
-                    <p:sldTgt/>
-                  </p:tgtEl>
-                </p:cond>
-              </p:nextCondLst>
-            </p:seq>
-          </p:childTnLst>
-        </p:cTn>
-      </p:par>
-    </p:tnLst>
-    <p:bldLst>
-      <p:bldP spid="6" grpId="0" animBg="1"/>
-      <p:bldP spid="7" grpId="0" animBg="1"/>
-      <p:bldP spid="10" grpId="0" animBg="1"/>
-    </p:bldLst>
-  </p:timing>
-</p:sld>
-</file>
-
-<file path=ppt/slides/slide9.xml><?xml version="1.0" encoding="utf-8"?>
-<p:sld xmlns:a="http://schemas.openxmlformats.org/drawingml/2006/main" xmlns:r="http://schemas.openxmlformats.org/officeDocument/2006/relationships" xmlns:p="http://schemas.openxmlformats.org/presentationml/2006/main">
-  <p:cSld>
-    <p:spTree>
-      <p:nvGrpSpPr>
-        <p:cNvPr id="1" name=""/>
-        <p:cNvGrpSpPr/>
-        <p:nvPr/>
-      </p:nvGrpSpPr>
-      <p:grpSpPr>
-        <a:xfrm>
-          <a:off x="0" y="0"/>
-          <a:ext cx="0" cy="0"/>
-          <a:chOff x="0" y="0"/>
-          <a:chExt cx="0" cy="0"/>
-        </a:xfrm>
-      </p:grpSpPr>
-      <p:sp>
-        <p:nvSpPr>
-          <p:cNvPr id="4" name="ZoneTexte 3">
-            <a:extLst>
-              <a:ext uri="{FF2B5EF4-FFF2-40B4-BE49-F238E27FC236}">
-                <a16:creationId xmlns:a16="http://schemas.microsoft.com/office/drawing/2014/main" id="{5B83E49B-2489-EF47-0DC8-214B6E733633}"/>
-              </a:ext>
-            </a:extLst>
-          </p:cNvPr>
-          <p:cNvSpPr txBox="1"/>
-          <p:nvPr/>
-        </p:nvSpPr>
-        <p:spPr>
-          <a:xfrm>
-            <a:off x="467406" y="836712"/>
-            <a:ext cx="8209188" cy="707886"/>
-          </a:xfrm>
-          <a:prstGeom prst="rect">
-            <a:avLst/>
-          </a:prstGeom>
-          <a:solidFill>
-            <a:schemeClr val="bg1"/>
-          </a:solidFill>
-          <a:ln>
-            <a:solidFill>
-              <a:schemeClr val="tx1"/>
-            </a:solidFill>
-          </a:ln>
-        </p:spPr>
-        <p:style>
-          <a:lnRef idx="2">
-            <a:schemeClr val="dk1"/>
-          </a:lnRef>
-          <a:fillRef idx="1">
-            <a:schemeClr val="lt1"/>
-          </a:fillRef>
-          <a:effectRef idx="0">
-            <a:schemeClr val="dk1"/>
-          </a:effectRef>
-          <a:fontRef idx="minor">
-            <a:schemeClr val="dk1"/>
-          </a:fontRef>
-        </p:style>
-        <p:txBody>
-          <a:bodyPr wrap="square" rtlCol="0">
-            <a:spAutoFit/>
-          </a:bodyPr>
-          <a:lstStyle/>
-          <a:p>
-            <a:pPr algn="ctr"/>
-            <a:r>
-              <a:rPr lang="fr-FR" sz="4000" b="1" dirty="0">
-                <a:solidFill>
-                  <a:schemeClr val="tx1"/>
-                </a:solidFill>
-                <a:latin typeface="Aharoni" panose="02010803020104030203" pitchFamily="2" charset="-79"/>
-                <a:cs typeface="Aharoni" panose="02010803020104030203" pitchFamily="2" charset="-79"/>
-              </a:rPr>
-              <a:t>Results</a:t>
-            </a:r>
-          </a:p>
-        </p:txBody>
-      </p:sp>
-    </p:spTree>
-    <p:extLst>
-      <p:ext uri="{BB962C8B-B14F-4D97-AF65-F5344CB8AC3E}">
-        <p14:creationId xmlns:p14="http://schemas.microsoft.com/office/powerpoint/2010/main" val="4041368600"/>
-      </p:ext>
-    </p:extLst>
-  </p:cSld>
-  <p:clrMapOvr>
-    <a:masterClrMapping/>
-  </p:clrMapOvr>
-  <p:transition>
-    <p:fade/>
-  </p:transition>
 </p:sld>
 </file>
 
@@ -7631,6 +10498,1065 @@
 </file>
 
 <file path=customXml/item1.xml><?xml version="1.0" encoding="utf-8"?>
+<ct:contentTypeSchema xmlns:ct="http://schemas.microsoft.com/office/2006/metadata/contentType" xmlns:ma="http://schemas.microsoft.com/office/2006/metadata/properties/metaAttributes" ct:_="" ma:_="" ma:contentTypeName="TemplateFile" ma:contentTypeID="0x01010069924D1ECC420D47A2456556BC94F7370400BDF4491DEA4973499845289601F88B9F" ma:contentTypeVersion="55" ma:contentTypeDescription="Create a new document." ma:contentTypeScope="" ma:versionID="41eb558a2b826e6e4f9defd990175bec">
+  <xsd:schema xmlns:xsd="http://www.w3.org/2001/XMLSchema" xmlns:xs="http://www.w3.org/2001/XMLSchema" xmlns:p="http://schemas.microsoft.com/office/2006/metadata/properties" xmlns:ns2="6d93d202-47fc-4405-873a-cab67cc5f1b2" xmlns:ns3="64acb2c5-0a2b-4bda-bd34-58e36cbb80d2" targetNamespace="http://schemas.microsoft.com/office/2006/metadata/properties" ma:root="true" ma:fieldsID="19deea0185cf7bc57eee9b90b1ba2ace" ns2:_="" ns3:_="">
+    <xsd:import namespace="6d93d202-47fc-4405-873a-cab67cc5f1b2"/>
+    <xsd:import namespace="64acb2c5-0a2b-4bda-bd34-58e36cbb80d2"/>
+    <xsd:element name="properties">
+      <xsd:complexType>
+        <xsd:sequence>
+          <xsd:element name="documentManagement">
+            <xsd:complexType>
+              <xsd:all>
+                <xsd:element ref="ns2:AcquiredFrom" minOccurs="0"/>
+                <xsd:element ref="ns2:UACurrentWords" minOccurs="0"/>
+                <xsd:element ref="ns2:TPApplication" minOccurs="0"/>
+                <xsd:element ref="ns2:ApprovalLog" minOccurs="0"/>
+                <xsd:element ref="ns2:ApprovalStatus" minOccurs="0"/>
+                <xsd:element ref="ns2:AssetStart" minOccurs="0"/>
+                <xsd:element ref="ns2:AssetExpire" minOccurs="0"/>
+                <xsd:element ref="ns2:AssetId" minOccurs="0"/>
+                <xsd:element ref="ns2:IsSearchable" minOccurs="0"/>
+                <xsd:element ref="ns2:AssetType" minOccurs="0"/>
+                <xsd:element ref="ns2:APAuthor" minOccurs="0"/>
+                <xsd:element ref="ns2:AverageRating" minOccurs="0"/>
+                <xsd:element ref="ns2:BlockPublish" minOccurs="0"/>
+                <xsd:element ref="ns2:BugNumber" minOccurs="0"/>
+                <xsd:element ref="ns2:CampaignTagsTaxHTField0" minOccurs="0"/>
+                <xsd:element ref="ns2:TPClientViewer" minOccurs="0"/>
+                <xsd:element ref="ns2:ClipArtFilename" minOccurs="0"/>
+                <xsd:element ref="ns2:TPCommandLine" minOccurs="0"/>
+                <xsd:element ref="ns2:TPComponent" minOccurs="0"/>
+                <xsd:element ref="ns2:ContentItem" minOccurs="0"/>
+                <xsd:element ref="ns2:CrawlForDependencies" minOccurs="0"/>
+                <xsd:element ref="ns2:CSXHash" minOccurs="0"/>
+                <xsd:element ref="ns2:CSXSubmissionMarket" minOccurs="0"/>
+                <xsd:element ref="ns2:CSXUpdate" minOccurs="0"/>
+                <xsd:element ref="ns2:IntlLangReviewDate" minOccurs="0"/>
+                <xsd:element ref="ns2:IsDeleted" minOccurs="0"/>
+                <xsd:element ref="ns2:APDescription" minOccurs="0"/>
+                <xsd:element ref="ns2:DirectSourceMarket" minOccurs="0"/>
+                <xsd:element ref="ns2:Downloads" minOccurs="0"/>
+                <xsd:element ref="ns2:DSATActionTaken" minOccurs="0"/>
+                <xsd:element ref="ns2:APEditor" minOccurs="0"/>
+                <xsd:element ref="ns2:EditorialStatus" minOccurs="0"/>
+                <xsd:element ref="ns2:EditorialTags" minOccurs="0"/>
+                <xsd:element ref="ns2:TPExecutable" minOccurs="0"/>
+                <xsd:element ref="ns2:FeatureTagsTaxHTField0" minOccurs="0"/>
+                <xsd:element ref="ns2:TPFriendlyName" minOccurs="0"/>
+                <xsd:element ref="ns2:FriendlyTitle" minOccurs="0"/>
+                <xsd:element ref="ns2:PrimaryImageGen" minOccurs="0"/>
+                <xsd:element ref="ns2:HandoffToMSDN" minOccurs="0"/>
+                <xsd:element ref="ns2:InProjectListLookup" minOccurs="0"/>
+                <xsd:element ref="ns2:TPInstallLocation" minOccurs="0"/>
+                <xsd:element ref="ns2:InternalTagsTaxHTField0" minOccurs="0"/>
+                <xsd:element ref="ns2:IntlLangReview" minOccurs="0"/>
+                <xsd:element ref="ns2:IntlLangReviewer" minOccurs="0"/>
+                <xsd:element ref="ns2:MarketSpecific" minOccurs="0"/>
+                <xsd:element ref="ns2:LastCompleteVersionLookup" minOccurs="0"/>
+                <xsd:element ref="ns2:LastHandOff" minOccurs="0"/>
+                <xsd:element ref="ns2:LastModifiedDateTime" minOccurs="0"/>
+                <xsd:element ref="ns2:LastPreviewErrorLookup" minOccurs="0"/>
+                <xsd:element ref="ns2:LastPreviewResultLookup" minOccurs="0"/>
+                <xsd:element ref="ns2:LastPreviewAttemptDateLookup" minOccurs="0"/>
+                <xsd:element ref="ns2:LastPreviewedByLookup" minOccurs="0"/>
+                <xsd:element ref="ns2:LastPreviewTimeLookup" minOccurs="0"/>
+                <xsd:element ref="ns2:LastPreviewVersionLookup" minOccurs="0"/>
+                <xsd:element ref="ns2:LastPublishErrorLookup" minOccurs="0"/>
+                <xsd:element ref="ns2:LastPublishResultLookup" minOccurs="0"/>
+                <xsd:element ref="ns2:LastPublishAttemptDateLookup" minOccurs="0"/>
+                <xsd:element ref="ns2:LastPublishedByLookup" minOccurs="0"/>
+                <xsd:element ref="ns2:LastPublishTimeLookup" minOccurs="0"/>
+                <xsd:element ref="ns2:LastPublishVersionLookup" minOccurs="0"/>
+                <xsd:element ref="ns2:TPLaunchHelpLinkType" minOccurs="0"/>
+                <xsd:element ref="ns2:LegacyData" minOccurs="0"/>
+                <xsd:element ref="ns2:TPLaunchHelpLink" minOccurs="0"/>
+                <xsd:element ref="ns2:LocComments" minOccurs="0"/>
+                <xsd:element ref="ns2:LocLastLocAttemptVersionLookup" minOccurs="0"/>
+                <xsd:element ref="ns2:LocLastLocAttemptVersionTypeLookup" minOccurs="0"/>
+                <xsd:element ref="ns2:LocManualTestRequired" minOccurs="0"/>
+                <xsd:element ref="ns2:LocMarketGroupTiers2" minOccurs="0"/>
+                <xsd:element ref="ns2:LocNewPublishedVersionLookup" minOccurs="0"/>
+                <xsd:element ref="ns2:LocOverallHandbackStatusLookup" minOccurs="0"/>
+                <xsd:element ref="ns2:LocOverallLocStatusLookup" minOccurs="0"/>
+                <xsd:element ref="ns2:LocOverallPreviewStatusLookup" minOccurs="0"/>
+                <xsd:element ref="ns2:LocOverallPublishStatusLookup" minOccurs="0"/>
+                <xsd:element ref="ns2:IntlLocPriority" minOccurs="0"/>
+                <xsd:element ref="ns2:LocProcessedForHandoffsLookup" minOccurs="0"/>
+                <xsd:element ref="ns2:LocProcessedForMarketsLookup" minOccurs="0"/>
+                <xsd:element ref="ns2:LocPublishedDependentAssetsLookup" minOccurs="0"/>
+                <xsd:element ref="ns2:LocPublishedLinkedAssetsLookup" minOccurs="0"/>
+                <xsd:element ref="ns2:LocRecommendedHandoff" minOccurs="0"/>
+                <xsd:element ref="ns2:LocalizationTagsTaxHTField0" minOccurs="0"/>
+                <xsd:element ref="ns2:MachineTranslated" minOccurs="0"/>
+                <xsd:element ref="ns2:Manager" minOccurs="0"/>
+                <xsd:element ref="ns2:Markets" minOccurs="0"/>
+                <xsd:element ref="ns2:Milestone" minOccurs="0"/>
+                <xsd:element ref="ns2:TPNamespace" minOccurs="0"/>
+                <xsd:element ref="ns2:NumericId" minOccurs="0"/>
+                <xsd:element ref="ns2:NumOfRatingsLookup" minOccurs="0"/>
+                <xsd:element ref="ns2:OOCacheId" minOccurs="0"/>
+                <xsd:element ref="ns2:OpenTemplate" minOccurs="0"/>
+                <xsd:element ref="ns2:OriginAsset" minOccurs="0"/>
+                <xsd:element ref="ns2:OriginalRelease" minOccurs="0"/>
+                <xsd:element ref="ns2:OriginalSourceMarket" minOccurs="0"/>
+                <xsd:element ref="ns2:OutputCachingOn" minOccurs="0"/>
+                <xsd:element ref="ns2:ParentAssetId" minOccurs="0"/>
+                <xsd:element ref="ns2:PlannedPubDate" minOccurs="0"/>
+                <xsd:element ref="ns2:PolicheckWords" minOccurs="0"/>
+                <xsd:element ref="ns2:BusinessGroup" minOccurs="0"/>
+                <xsd:element ref="ns2:UAProjectedTotalWords" minOccurs="0"/>
+                <xsd:element ref="ns2:Provider" minOccurs="0"/>
+                <xsd:element ref="ns2:Providers" minOccurs="0"/>
+                <xsd:element ref="ns2:PublishStatusLookup" minOccurs="0"/>
+                <xsd:element ref="ns2:PublishTargets" minOccurs="0"/>
+                <xsd:element ref="ns2:RecommendationsModifier" minOccurs="0"/>
+                <xsd:element ref="ns2:ArtSampleDocs" minOccurs="0"/>
+                <xsd:element ref="ns2:ScenarioTagsTaxHTField0" minOccurs="0"/>
+                <xsd:element ref="ns2:ShowIn" minOccurs="0"/>
+                <xsd:element ref="ns2:SourceTitle" minOccurs="0"/>
+                <xsd:element ref="ns2:CSXSubmissionDate" minOccurs="0"/>
+                <xsd:element ref="ns2:SubmitterId" minOccurs="0"/>
+                <xsd:element ref="ns2:TaxCatchAll" minOccurs="0"/>
+                <xsd:element ref="ns2:TaxCatchAllLabel" minOccurs="0"/>
+                <xsd:element ref="ns2:TemplateStatus" minOccurs="0"/>
+                <xsd:element ref="ns2:TemplateTemplateType" minOccurs="0"/>
+                <xsd:element ref="ns2:ThumbnailAssetId" minOccurs="0"/>
+                <xsd:element ref="ns2:TimesCloned" minOccurs="0"/>
+                <xsd:element ref="ns2:TrustLevel" minOccurs="0"/>
+                <xsd:element ref="ns2:UALocComments" minOccurs="0"/>
+                <xsd:element ref="ns2:UALocRecommendation" minOccurs="0"/>
+                <xsd:element ref="ns2:UANotes" minOccurs="0"/>
+                <xsd:element ref="ns2:TPAppVersion" minOccurs="0"/>
+                <xsd:element ref="ns2:VoteCount" minOccurs="0"/>
+                <xsd:element ref="ns3:Description0" minOccurs="0"/>
+                <xsd:element ref="ns3:Component" minOccurs="0"/>
+              </xsd:all>
+            </xsd:complexType>
+          </xsd:element>
+        </xsd:sequence>
+      </xsd:complexType>
+    </xsd:element>
+  </xsd:schema>
+  <xsd:schema xmlns:xsd="http://www.w3.org/2001/XMLSchema" xmlns:xs="http://www.w3.org/2001/XMLSchema" xmlns:dms="http://schemas.microsoft.com/office/2006/documentManagement/types" xmlns:pc="http://schemas.microsoft.com/office/infopath/2007/PartnerControls" targetNamespace="6d93d202-47fc-4405-873a-cab67cc5f1b2" elementFormDefault="qualified">
+    <xsd:import namespace="http://schemas.microsoft.com/office/2006/documentManagement/types"/>
+    <xsd:import namespace="http://schemas.microsoft.com/office/infopath/2007/PartnerControls"/>
+    <xsd:element name="AcquiredFrom" ma:index="1" nillable="true" ma:displayName="Acquired From" ma:default="Internal MS" ma:internalName="AcquiredFrom" ma:readOnly="false">
+      <xsd:simpleType>
+        <xsd:restriction base="dms:Choice">
+          <xsd:enumeration value="Internal MS"/>
+          <xsd:enumeration value="Community"/>
+          <xsd:enumeration value="MVP"/>
+          <xsd:enumeration value="Publisher"/>
+          <xsd:enumeration value="Partner"/>
+          <xsd:enumeration value="None"/>
+        </xsd:restriction>
+      </xsd:simpleType>
+    </xsd:element>
+    <xsd:element name="UACurrentWords" ma:index="2" nillable="true" ma:displayName="Actual Word Count" ma:default="" ma:internalName="UACurrentWords" ma:readOnly="false">
+      <xsd:simpleType>
+        <xsd:restriction base="dms:Unknown"/>
+      </xsd:simpleType>
+    </xsd:element>
+    <xsd:element name="TPApplication" ma:index="3" nillable="true" ma:displayName="Application to Open Template With" ma:default="" ma:internalName="TPApplication">
+      <xsd:simpleType>
+        <xsd:restriction base="dms:Text"/>
+      </xsd:simpleType>
+    </xsd:element>
+    <xsd:element name="ApprovalLog" ma:index="4" nillable="true" ma:displayName="Approval Log" ma:default="" ma:hidden="true" ma:internalName="ApprovalLog" ma:readOnly="false">
+      <xsd:simpleType>
+        <xsd:restriction base="dms:Note"/>
+      </xsd:simpleType>
+    </xsd:element>
+    <xsd:element name="ApprovalStatus" ma:index="5" nillable="true" ma:displayName="Approval Status" ma:default="InProgress" ma:internalName="ApprovalStatus" ma:readOnly="false">
+      <xsd:simpleType>
+        <xsd:restriction base="dms:Choice">
+          <xsd:enumeration value="InProgress"/>
+          <xsd:enumeration value="Rejected"/>
+          <xsd:enumeration value="Questionable"/>
+          <xsd:enumeration value="ApprovedAutomatic"/>
+          <xsd:enumeration value="ApprovedManual"/>
+          <xsd:enumeration value="On Hold"/>
+          <xsd:enumeration value="Needs Review"/>
+          <xsd:enumeration value="A Violation"/>
+          <xsd:enumeration value="Unpublished Violation"/>
+        </xsd:restriction>
+      </xsd:simpleType>
+    </xsd:element>
+    <xsd:element name="AssetStart" ma:index="6" nillable="true" ma:displayName="Asset Begin Date" ma:default="[Today]" ma:internalName="AssetStart" ma:readOnly="false">
+      <xsd:simpleType>
+        <xsd:restriction base="dms:DateTime"/>
+      </xsd:simpleType>
+    </xsd:element>
+    <xsd:element name="AssetExpire" ma:index="7" nillable="true" ma:displayName="Asset End Date" ma:default="2029-01-01T00:00:00Z" ma:internalName="AssetExpire" ma:readOnly="false">
+      <xsd:simpleType>
+        <xsd:restriction base="dms:DateTime"/>
+      </xsd:simpleType>
+    </xsd:element>
+    <xsd:element name="AssetId" ma:index="8" nillable="true" ma:displayName="Asset ID" ma:default="" ma:indexed="true" ma:internalName="AssetId" ma:readOnly="false">
+      <xsd:simpleType>
+        <xsd:restriction base="dms:Text">
+          <xsd:maxLength value="255"/>
+        </xsd:restriction>
+      </xsd:simpleType>
+    </xsd:element>
+    <xsd:element name="IsSearchable" ma:index="9" nillable="true" ma:displayName="Asset Searchable?" ma:default="true" ma:internalName="IsSearchable" ma:readOnly="false">
+      <xsd:simpleType>
+        <xsd:restriction base="dms:Boolean"/>
+      </xsd:simpleType>
+    </xsd:element>
+    <xsd:element name="AssetType" ma:index="10" nillable="true" ma:displayName="Asset Type" ma:default="" ma:internalName="AssetType" ma:readOnly="false">
+      <xsd:simpleType>
+        <xsd:restriction base="dms:Unknown"/>
+      </xsd:simpleType>
+    </xsd:element>
+    <xsd:element name="APAuthor" ma:index="11" nillable="true" ma:displayName="Author" ma:default="" ma:list="UserInfo" ma:internalName="APAuthor" ma:readOnly="false">
+      <xsd:complexType>
+        <xsd:complexContent>
+          <xsd:extension base="dms:User">
+            <xsd:sequence>
+              <xsd:element name="UserInfo" minOccurs="0" maxOccurs="unbounded">
+                <xsd:complexType>
+                  <xsd:sequence>
+                    <xsd:element name="DisplayName" type="xsd:string" minOccurs="0"/>
+                    <xsd:element name="AccountId" type="dms:UserId" minOccurs="0" nillable="true"/>
+                    <xsd:element name="AccountType" type="xsd:string" minOccurs="0"/>
+                  </xsd:sequence>
+                </xsd:complexType>
+              </xsd:element>
+            </xsd:sequence>
+          </xsd:extension>
+        </xsd:complexContent>
+      </xsd:complexType>
+    </xsd:element>
+    <xsd:element name="AverageRating" ma:index="12" nillable="true" ma:displayName="Average Rating" ma:internalName="AverageRating" ma:readOnly="false">
+      <xsd:simpleType>
+        <xsd:restriction base="dms:Text"/>
+      </xsd:simpleType>
+    </xsd:element>
+    <xsd:element name="BlockPublish" ma:index="13" nillable="true" ma:displayName="Block from Publishing?" ma:default="" ma:internalName="BlockPublish" ma:readOnly="false">
+      <xsd:simpleType>
+        <xsd:restriction base="dms:Boolean"/>
+      </xsd:simpleType>
+    </xsd:element>
+    <xsd:element name="BugNumber" ma:index="14" nillable="true" ma:displayName="Bug Number" ma:default="" ma:internalName="BugNumber" ma:readOnly="false">
+      <xsd:simpleType>
+        <xsd:restriction base="dms:Text"/>
+      </xsd:simpleType>
+    </xsd:element>
+    <xsd:element name="CampaignTagsTaxHTField0" ma:index="16" nillable="true" ma:taxonomy="true" ma:internalName="CampaignTagsTaxHTField0" ma:taxonomyFieldName="CampaignTags" ma:displayName="Campaigns" ma:readOnly="false" ma:default="" ma:fieldId="{dc79c007-7f28-4db9-9ba1-525d19a3279b}" ma:taxonomyMulti="true" ma:sspId="8f79753a-75d3-41f5-8ca3-40b843941b4f" ma:termSetId="ca0e50d4-faa1-44ce-961e-bb1441c60e66" ma:anchorId="00000000-0000-0000-0000-000000000000" ma:open="false" ma:isKeyword="false">
+      <xsd:complexType>
+        <xsd:sequence>
+          <xsd:element ref="pc:Terms" minOccurs="0" maxOccurs="1"/>
+        </xsd:sequence>
+      </xsd:complexType>
+    </xsd:element>
+    <xsd:element name="TPClientViewer" ma:index="17" nillable="true" ma:displayName="Client Viewer" ma:default="" ma:internalName="TPClientViewer">
+      <xsd:simpleType>
+        <xsd:restriction base="dms:Text"/>
+      </xsd:simpleType>
+    </xsd:element>
+    <xsd:element name="ClipArtFilename" ma:index="18" nillable="true" ma:displayName="Clip Art Name" ma:default="" ma:internalName="ClipArtFilename" ma:readOnly="false">
+      <xsd:simpleType>
+        <xsd:restriction base="dms:Text"/>
+      </xsd:simpleType>
+    </xsd:element>
+    <xsd:element name="TPCommandLine" ma:index="19" nillable="true" ma:displayName="Command Line" ma:default="" ma:internalName="TPCommandLine">
+      <xsd:simpleType>
+        <xsd:restriction base="dms:Text"/>
+      </xsd:simpleType>
+    </xsd:element>
+    <xsd:element name="TPComponent" ma:index="20" nillable="true" ma:displayName="Component" ma:default="" ma:internalName="TPComponent">
+      <xsd:simpleType>
+        <xsd:restriction base="dms:Text"/>
+      </xsd:simpleType>
+    </xsd:element>
+    <xsd:element name="ContentItem" ma:index="21" nillable="true" ma:displayName="Content Item" ma:default="" ma:hidden="true" ma:internalName="ContentItem" ma:readOnly="false">
+      <xsd:simpleType>
+        <xsd:restriction base="dms:Unknown"/>
+      </xsd:simpleType>
+    </xsd:element>
+    <xsd:element name="CrawlForDependencies" ma:index="23" nillable="true" ma:displayName="Crawl for Dependencies?" ma:default="true" ma:internalName="CrawlForDependencies" ma:readOnly="false">
+      <xsd:simpleType>
+        <xsd:restriction base="dms:Boolean"/>
+      </xsd:simpleType>
+    </xsd:element>
+    <xsd:element name="CSXHash" ma:index="26" nillable="true" ma:displayName="CSX Hash" ma:default="" ma:indexed="true" ma:internalName="CSXHash" ma:readOnly="false">
+      <xsd:simpleType>
+        <xsd:restriction base="dms:Text"/>
+      </xsd:simpleType>
+    </xsd:element>
+    <xsd:element name="CSXSubmissionMarket" ma:index="27" nillable="true" ma:displayName="CSX Submission Market" ma:default="" ma:list="{80C6DD30-196A-4C6B-B1BF-A43F3B8ACD4F}" ma:internalName="CSXSubmissionMarket" ma:readOnly="false" ma:showField="MarketName" ma:web="6d93d202-47fc-4405-873a-cab67cc5f1b2">
+      <xsd:simpleType>
+        <xsd:restriction base="dms:Lookup"/>
+      </xsd:simpleType>
+    </xsd:element>
+    <xsd:element name="CSXUpdate" ma:index="28" nillable="true" ma:displayName="CSX Updated?" ma:default="false" ma:internalName="CSXUpdate" ma:readOnly="false">
+      <xsd:simpleType>
+        <xsd:restriction base="dms:Boolean"/>
+      </xsd:simpleType>
+    </xsd:element>
+    <xsd:element name="IntlLangReviewDate" ma:index="29" nillable="true" ma:displayName="Date to Complete Intl QA" ma:default="" ma:internalName="IntlLangReviewDate" ma:readOnly="false">
+      <xsd:simpleType>
+        <xsd:restriction base="dms:DateTime"/>
+      </xsd:simpleType>
+    </xsd:element>
+    <xsd:element name="IsDeleted" ma:index="30" nillable="true" ma:displayName="Deleted?" ma:default="" ma:internalName="IsDeleted" ma:readOnly="false">
+      <xsd:simpleType>
+        <xsd:restriction base="dms:Boolean"/>
+      </xsd:simpleType>
+    </xsd:element>
+    <xsd:element name="APDescription" ma:index="31" nillable="true" ma:displayName="Description" ma:default="" ma:internalName="APDescription" ma:readOnly="false">
+      <xsd:simpleType>
+        <xsd:restriction base="dms:Note"/>
+      </xsd:simpleType>
+    </xsd:element>
+    <xsd:element name="DirectSourceMarket" ma:index="32" nillable="true" ma:displayName="Direct Source Market Group" ma:default="" ma:internalName="DirectSourceMarket" ma:readOnly="false">
+      <xsd:simpleType>
+        <xsd:restriction base="dms:Text"/>
+      </xsd:simpleType>
+    </xsd:element>
+    <xsd:element name="Downloads" ma:index="33" nillable="true" ma:displayName="Downloads" ma:default="0" ma:hidden="true" ma:internalName="Downloads" ma:readOnly="false">
+      <xsd:simpleType>
+        <xsd:restriction base="dms:Unknown"/>
+      </xsd:simpleType>
+    </xsd:element>
+    <xsd:element name="DSATActionTaken" ma:index="34" nillable="true" ma:displayName="DSAT Action Taken" ma:default="" ma:internalName="DSATActionTaken" ma:readOnly="false">
+      <xsd:simpleType>
+        <xsd:restriction base="dms:Choice">
+          <xsd:enumeration value="Best Bets"/>
+          <xsd:enumeration value="Expire"/>
+          <xsd:enumeration value="Hide"/>
+          <xsd:enumeration value="None"/>
+        </xsd:restriction>
+      </xsd:simpleType>
+    </xsd:element>
+    <xsd:element name="APEditor" ma:index="35" nillable="true" ma:displayName="Editor" ma:default="" ma:list="UserInfo" ma:internalName="APEditor" ma:readOnly="false">
+      <xsd:complexType>
+        <xsd:complexContent>
+          <xsd:extension base="dms:User">
+            <xsd:sequence>
+              <xsd:element name="UserInfo" minOccurs="0" maxOccurs="unbounded">
+                <xsd:complexType>
+                  <xsd:sequence>
+                    <xsd:element name="DisplayName" type="xsd:string" minOccurs="0"/>
+                    <xsd:element name="AccountId" type="dms:UserId" minOccurs="0" nillable="true"/>
+                    <xsd:element name="AccountType" type="xsd:string" minOccurs="0"/>
+                  </xsd:sequence>
+                </xsd:complexType>
+              </xsd:element>
+            </xsd:sequence>
+          </xsd:extension>
+        </xsd:complexContent>
+      </xsd:complexType>
+    </xsd:element>
+    <xsd:element name="EditorialStatus" ma:index="36" nillable="true" ma:displayName="Editorial Status" ma:default="" ma:internalName="EditorialStatus" ma:readOnly="false">
+      <xsd:simpleType>
+        <xsd:restriction base="dms:Unknown"/>
+      </xsd:simpleType>
+    </xsd:element>
+    <xsd:element name="EditorialTags" ma:index="37" nillable="true" ma:displayName="Editorial Tags" ma:default="" ma:internalName="EditorialTags">
+      <xsd:simpleType>
+        <xsd:restriction base="dms:Unknown"/>
+      </xsd:simpleType>
+    </xsd:element>
+    <xsd:element name="TPExecutable" ma:index="38" nillable="true" ma:displayName="Executable" ma:default="" ma:internalName="TPExecutable">
+      <xsd:simpleType>
+        <xsd:restriction base="dms:Text"/>
+      </xsd:simpleType>
+    </xsd:element>
+    <xsd:element name="FeatureTagsTaxHTField0" ma:index="40" nillable="true" ma:taxonomy="true" ma:internalName="FeatureTagsTaxHTField0" ma:taxonomyFieldName="FeatureTags" ma:displayName="Features" ma:readOnly="false" ma:default="" ma:fieldId="{bb16b974-ed24-4278-8820-8e232d38904b}" ma:taxonomyMulti="true" ma:sspId="8f79753a-75d3-41f5-8ca3-40b843941b4f" ma:termSetId="f1ab6845-967d-4854-a0ba-4ec07f0f8113" ma:anchorId="00000000-0000-0000-0000-000000000000" ma:open="false" ma:isKeyword="false">
+      <xsd:complexType>
+        <xsd:sequence>
+          <xsd:element ref="pc:Terms" minOccurs="0" maxOccurs="1"/>
+        </xsd:sequence>
+      </xsd:complexType>
+    </xsd:element>
+    <xsd:element name="TPFriendlyName" ma:index="41" nillable="true" ma:displayName="Friendly Name" ma:default="" ma:internalName="TPFriendlyName">
+      <xsd:simpleType>
+        <xsd:restriction base="dms:Text"/>
+      </xsd:simpleType>
+    </xsd:element>
+    <xsd:element name="FriendlyTitle" ma:index="42" nillable="true" ma:displayName="Friendly Title" ma:default="" ma:description="Shorter title to be used when displaying search results" ma:internalName="FriendlyTitle" ma:readOnly="false">
+      <xsd:simpleType>
+        <xsd:restriction base="dms:Text"/>
+      </xsd:simpleType>
+    </xsd:element>
+    <xsd:element name="PrimaryImageGen" ma:index="43" nillable="true" ma:displayName="Generate Images?" ma:default="true" ma:internalName="PrimaryImageGen">
+      <xsd:simpleType>
+        <xsd:restriction base="dms:Boolean"/>
+      </xsd:simpleType>
+    </xsd:element>
+    <xsd:element name="HandoffToMSDN" ma:index="44" nillable="true" ma:displayName="Handoff To MSDN Date" ma:default="" ma:internalName="HandoffToMSDN" ma:readOnly="false">
+      <xsd:simpleType>
+        <xsd:restriction base="dms:DateTime"/>
+      </xsd:simpleType>
+    </xsd:element>
+    <xsd:element name="InProjectListLookup" ma:index="45" nillable="true" ma:displayName="InProjectListLookup" ma:list="{7E2D4CA2-442A-4FDA-AA57-71B8C7B2C53C}" ma:internalName="InProjectListLookup" ma:readOnly="true" ma:showField="InProjectList" ma:web="6d93d202-47fc-4405-873a-cab67cc5f1b2">
+      <xsd:complexType>
+        <xsd:complexContent>
+          <xsd:extension base="dms:MultiChoiceLookup">
+            <xsd:sequence>
+              <xsd:element name="Value" type="dms:Lookup" maxOccurs="unbounded" minOccurs="0" nillable="true"/>
+            </xsd:sequence>
+          </xsd:extension>
+        </xsd:complexContent>
+      </xsd:complexType>
+    </xsd:element>
+    <xsd:element name="TPInstallLocation" ma:index="46" nillable="true" ma:displayName="Install Location" ma:default="" ma:internalName="TPInstallLocation">
+      <xsd:simpleType>
+        <xsd:restriction base="dms:Text"/>
+      </xsd:simpleType>
+    </xsd:element>
+    <xsd:element name="InternalTagsTaxHTField0" ma:index="48" nillable="true" ma:taxonomy="true" ma:internalName="InternalTagsTaxHTField0" ma:taxonomyFieldName="InternalTags" ma:displayName="Internal Tags" ma:readOnly="false" ma:default="" ma:fieldId="{fd9a49dc-3dbf-4047-b62d-1d587abe7b40}" ma:taxonomyMulti="true" ma:sspId="8f79753a-75d3-41f5-8ca3-40b843941b4f" ma:termSetId="82b6639e-f7fc-4c18-ad2d-003a6e707765" ma:anchorId="00000000-0000-0000-0000-000000000000" ma:open="false" ma:isKeyword="false">
+      <xsd:complexType>
+        <xsd:sequence>
+          <xsd:element ref="pc:Terms" minOccurs="0" maxOccurs="1"/>
+        </xsd:sequence>
+      </xsd:complexType>
+    </xsd:element>
+    <xsd:element name="IntlLangReview" ma:index="49" nillable="true" ma:displayName="Intl Lang QA Review Required?" ma:default="" ma:internalName="IntlLangReview" ma:readOnly="false">
+      <xsd:simpleType>
+        <xsd:restriction base="dms:Boolean"/>
+      </xsd:simpleType>
+    </xsd:element>
+    <xsd:element name="IntlLangReviewer" ma:index="50" nillable="true" ma:displayName="Intl Lang QA Reviewer" ma:default="" ma:internalName="IntlLangReviewer" ma:readOnly="false">
+      <xsd:simpleType>
+        <xsd:restriction base="dms:Text"/>
+      </xsd:simpleType>
+    </xsd:element>
+    <xsd:element name="MarketSpecific" ma:index="51" nillable="true" ma:displayName="Is Market Specific?" ma:default="" ma:internalName="MarketSpecific" ma:readOnly="false">
+      <xsd:simpleType>
+        <xsd:restriction base="dms:Boolean"/>
+      </xsd:simpleType>
+    </xsd:element>
+    <xsd:element name="LastCompleteVersionLookup" ma:index="52" nillable="true" ma:displayName="Last Complete Version Lookup" ma:default="" ma:list="{7E2D4CA2-442A-4FDA-AA57-71B8C7B2C53C}" ma:internalName="LastCompleteVersionLookup" ma:readOnly="true" ma:showField="LastCompleteVersion" ma:web="6d93d202-47fc-4405-873a-cab67cc5f1b2">
+      <xsd:complexType>
+        <xsd:complexContent>
+          <xsd:extension base="dms:MultiChoiceLookup">
+            <xsd:sequence>
+              <xsd:element name="Value" type="dms:Lookup" maxOccurs="unbounded" minOccurs="0" nillable="true"/>
+            </xsd:sequence>
+          </xsd:extension>
+        </xsd:complexContent>
+      </xsd:complexType>
+    </xsd:element>
+    <xsd:element name="LastHandOff" ma:index="53" nillable="true" ma:displayName="Last Hand-off" ma:default="" ma:internalName="LastHandOff" ma:readOnly="false">
+      <xsd:simpleType>
+        <xsd:restriction base="dms:DateTime"/>
+      </xsd:simpleType>
+    </xsd:element>
+    <xsd:element name="LastModifiedDateTime" ma:index="54" nillable="true" ma:displayName="Last Modified Date" ma:default="" ma:internalName="LastModifiedDateTime" ma:readOnly="false">
+      <xsd:simpleType>
+        <xsd:restriction base="dms:DateTime"/>
+      </xsd:simpleType>
+    </xsd:element>
+    <xsd:element name="LastPreviewErrorLookup" ma:index="55" nillable="true" ma:displayName="Last Preview Attempt Error" ma:default="" ma:list="{7E2D4CA2-442A-4FDA-AA57-71B8C7B2C53C}" ma:internalName="LastPreviewErrorLookup" ma:readOnly="true" ma:showField="LastPreviewError" ma:web="6d93d202-47fc-4405-873a-cab67cc5f1b2">
+      <xsd:complexType>
+        <xsd:complexContent>
+          <xsd:extension base="dms:MultiChoiceLookup">
+            <xsd:sequence>
+              <xsd:element name="Value" type="dms:Lookup" maxOccurs="unbounded" minOccurs="0" nillable="true"/>
+            </xsd:sequence>
+          </xsd:extension>
+        </xsd:complexContent>
+      </xsd:complexType>
+    </xsd:element>
+    <xsd:element name="LastPreviewResultLookup" ma:index="56" nillable="true" ma:displayName="Last Preview Attempt Result" ma:default="" ma:list="{7E2D4CA2-442A-4FDA-AA57-71B8C7B2C53C}" ma:internalName="LastPreviewResultLookup" ma:readOnly="true" ma:showField="LastPreviewResult" ma:web="6d93d202-47fc-4405-873a-cab67cc5f1b2">
+      <xsd:complexType>
+        <xsd:complexContent>
+          <xsd:extension base="dms:MultiChoiceLookup">
+            <xsd:sequence>
+              <xsd:element name="Value" type="dms:Lookup" maxOccurs="unbounded" minOccurs="0" nillable="true"/>
+            </xsd:sequence>
+          </xsd:extension>
+        </xsd:complexContent>
+      </xsd:complexType>
+    </xsd:element>
+    <xsd:element name="LastPreviewAttemptDateLookup" ma:index="57" nillable="true" ma:displayName="Last Preview Attempted On" ma:default="" ma:list="{7E2D4CA2-442A-4FDA-AA57-71B8C7B2C53C}" ma:internalName="LastPreviewAttemptDateLookup" ma:readOnly="true" ma:showField="LastPreviewAttemptDate" ma:web="6d93d202-47fc-4405-873a-cab67cc5f1b2">
+      <xsd:complexType>
+        <xsd:complexContent>
+          <xsd:extension base="dms:MultiChoiceLookup">
+            <xsd:sequence>
+              <xsd:element name="Value" type="dms:Lookup" maxOccurs="unbounded" minOccurs="0" nillable="true"/>
+            </xsd:sequence>
+          </xsd:extension>
+        </xsd:complexContent>
+      </xsd:complexType>
+    </xsd:element>
+    <xsd:element name="LastPreviewedByLookup" ma:index="58" nillable="true" ma:displayName="Last Previewed By" ma:default="" ma:list="{7E2D4CA2-442A-4FDA-AA57-71B8C7B2C53C}" ma:internalName="LastPreviewedByLookup" ma:readOnly="true" ma:showField="LastPreviewedBy" ma:web="6d93d202-47fc-4405-873a-cab67cc5f1b2">
+      <xsd:complexType>
+        <xsd:complexContent>
+          <xsd:extension base="dms:MultiChoiceLookup">
+            <xsd:sequence>
+              <xsd:element name="Value" type="dms:Lookup" maxOccurs="unbounded" minOccurs="0" nillable="true"/>
+            </xsd:sequence>
+          </xsd:extension>
+        </xsd:complexContent>
+      </xsd:complexType>
+    </xsd:element>
+    <xsd:element name="LastPreviewTimeLookup" ma:index="59" nillable="true" ma:displayName="Last Previewed Date" ma:default="" ma:list="{7E2D4CA2-442A-4FDA-AA57-71B8C7B2C53C}" ma:internalName="LastPreviewTimeLookup" ma:readOnly="true" ma:showField="LastPreviewTime" ma:web="6d93d202-47fc-4405-873a-cab67cc5f1b2">
+      <xsd:complexType>
+        <xsd:complexContent>
+          <xsd:extension base="dms:MultiChoiceLookup">
+            <xsd:sequence>
+              <xsd:element name="Value" type="dms:Lookup" maxOccurs="unbounded" minOccurs="0" nillable="true"/>
+            </xsd:sequence>
+          </xsd:extension>
+        </xsd:complexContent>
+      </xsd:complexType>
+    </xsd:element>
+    <xsd:element name="LastPreviewVersionLookup" ma:index="60" nillable="true" ma:displayName="Last Previewed Version" ma:default="" ma:list="{7E2D4CA2-442A-4FDA-AA57-71B8C7B2C53C}" ma:internalName="LastPreviewVersionLookup" ma:readOnly="true" ma:showField="LastPreviewVersion" ma:web="6d93d202-47fc-4405-873a-cab67cc5f1b2">
+      <xsd:complexType>
+        <xsd:complexContent>
+          <xsd:extension base="dms:MultiChoiceLookup">
+            <xsd:sequence>
+              <xsd:element name="Value" type="dms:Lookup" maxOccurs="unbounded" minOccurs="0" nillable="true"/>
+            </xsd:sequence>
+          </xsd:extension>
+        </xsd:complexContent>
+      </xsd:complexType>
+    </xsd:element>
+    <xsd:element name="LastPublishErrorLookup" ma:index="61" nillable="true" ma:displayName="Last Publish Attempt Error" ma:default="" ma:list="{7E2D4CA2-442A-4FDA-AA57-71B8C7B2C53C}" ma:internalName="LastPublishErrorLookup" ma:readOnly="true" ma:showField="LastPublishError" ma:web="6d93d202-47fc-4405-873a-cab67cc5f1b2">
+      <xsd:complexType>
+        <xsd:complexContent>
+          <xsd:extension base="dms:MultiChoiceLookup">
+            <xsd:sequence>
+              <xsd:element name="Value" type="dms:Lookup" maxOccurs="unbounded" minOccurs="0" nillable="true"/>
+            </xsd:sequence>
+          </xsd:extension>
+        </xsd:complexContent>
+      </xsd:complexType>
+    </xsd:element>
+    <xsd:element name="LastPublishResultLookup" ma:index="62" nillable="true" ma:displayName="Last Publish Attempt Result" ma:default="" ma:list="{7E2D4CA2-442A-4FDA-AA57-71B8C7B2C53C}" ma:internalName="LastPublishResultLookup" ma:readOnly="true" ma:showField="LastPublishResult" ma:web="6d93d202-47fc-4405-873a-cab67cc5f1b2">
+      <xsd:complexType>
+        <xsd:complexContent>
+          <xsd:extension base="dms:MultiChoiceLookup">
+            <xsd:sequence>
+              <xsd:element name="Value" type="dms:Lookup" maxOccurs="unbounded" minOccurs="0" nillable="true"/>
+            </xsd:sequence>
+          </xsd:extension>
+        </xsd:complexContent>
+      </xsd:complexType>
+    </xsd:element>
+    <xsd:element name="LastPublishAttemptDateLookup" ma:index="63" nillable="true" ma:displayName="Last Publish Attempted On" ma:default="" ma:list="{7E2D4CA2-442A-4FDA-AA57-71B8C7B2C53C}" ma:internalName="LastPublishAttemptDateLookup" ma:readOnly="true" ma:showField="LastPublishAttemptDate" ma:web="6d93d202-47fc-4405-873a-cab67cc5f1b2">
+      <xsd:complexType>
+        <xsd:complexContent>
+          <xsd:extension base="dms:MultiChoiceLookup">
+            <xsd:sequence>
+              <xsd:element name="Value" type="dms:Lookup" maxOccurs="unbounded" minOccurs="0" nillable="true"/>
+            </xsd:sequence>
+          </xsd:extension>
+        </xsd:complexContent>
+      </xsd:complexType>
+    </xsd:element>
+    <xsd:element name="LastPublishedByLookup" ma:index="64" nillable="true" ma:displayName="Last Published By" ma:default="" ma:list="{7E2D4CA2-442A-4FDA-AA57-71B8C7B2C53C}" ma:internalName="LastPublishedByLookup" ma:readOnly="true" ma:showField="LastPublishedBy" ma:web="6d93d202-47fc-4405-873a-cab67cc5f1b2">
+      <xsd:complexType>
+        <xsd:complexContent>
+          <xsd:extension base="dms:MultiChoiceLookup">
+            <xsd:sequence>
+              <xsd:element name="Value" type="dms:Lookup" maxOccurs="unbounded" minOccurs="0" nillable="true"/>
+            </xsd:sequence>
+          </xsd:extension>
+        </xsd:complexContent>
+      </xsd:complexType>
+    </xsd:element>
+    <xsd:element name="LastPublishTimeLookup" ma:index="65" nillable="true" ma:displayName="Last Published Date" ma:default="" ma:list="{7E2D4CA2-442A-4FDA-AA57-71B8C7B2C53C}" ma:internalName="LastPublishTimeLookup" ma:readOnly="true" ma:showField="LastPublishTime" ma:web="6d93d202-47fc-4405-873a-cab67cc5f1b2">
+      <xsd:complexType>
+        <xsd:complexContent>
+          <xsd:extension base="dms:MultiChoiceLookup">
+            <xsd:sequence>
+              <xsd:element name="Value" type="dms:Lookup" maxOccurs="unbounded" minOccurs="0" nillable="true"/>
+            </xsd:sequence>
+          </xsd:extension>
+        </xsd:complexContent>
+      </xsd:complexType>
+    </xsd:element>
+    <xsd:element name="LastPublishVersionLookup" ma:index="66" nillable="true" ma:displayName="Last Published Version" ma:default="" ma:list="{7E2D4CA2-442A-4FDA-AA57-71B8C7B2C53C}" ma:internalName="LastPublishVersionLookup" ma:readOnly="true" ma:showField="LastPublishVersion" ma:web="6d93d202-47fc-4405-873a-cab67cc5f1b2">
+      <xsd:complexType>
+        <xsd:complexContent>
+          <xsd:extension base="dms:MultiChoiceLookup">
+            <xsd:sequence>
+              <xsd:element name="Value" type="dms:Lookup" maxOccurs="unbounded" minOccurs="0" nillable="true"/>
+            </xsd:sequence>
+          </xsd:extension>
+        </xsd:complexContent>
+      </xsd:complexType>
+    </xsd:element>
+    <xsd:element name="TPLaunchHelpLinkType" ma:index="67" nillable="true" ma:displayName="Launch Help Link Type" ma:default="Template" ma:internalName="TPLaunchHelpLinkType">
+      <xsd:simpleType>
+        <xsd:restriction base="dms:Choice">
+          <xsd:enumeration value="Template"/>
+          <xsd:enumeration value="Training"/>
+          <xsd:enumeration value="URL"/>
+          <xsd:enumeration value="None"/>
+        </xsd:restriction>
+      </xsd:simpleType>
+    </xsd:element>
+    <xsd:element name="LegacyData" ma:index="68" nillable="true" ma:displayName="Legacy Data" ma:default="" ma:internalName="LegacyData" ma:readOnly="false">
+      <xsd:simpleType>
+        <xsd:restriction base="dms:Note"/>
+      </xsd:simpleType>
+    </xsd:element>
+    <xsd:element name="TPLaunchHelpLink" ma:index="69" nillable="true" ma:displayName="Link to Launch Help Topic" ma:default="" ma:internalName="TPLaunchHelpLink">
+      <xsd:simpleType>
+        <xsd:restriction base="dms:Text"/>
+      </xsd:simpleType>
+    </xsd:element>
+    <xsd:element name="LocComments" ma:index="70" nillable="true" ma:displayName="Loc Approval Comments" ma:default="" ma:internalName="LocComments" ma:readOnly="false">
+      <xsd:simpleType>
+        <xsd:restriction base="dms:Note"/>
+      </xsd:simpleType>
+    </xsd:element>
+    <xsd:element name="LocLastLocAttemptVersionLookup" ma:index="71" nillable="true" ma:displayName="Loc Last Loc Attempt Version" ma:default="" ma:list="{4CDE398E-75A7-4993-8C61-2BFD31F64754}" ma:internalName="LocLastLocAttemptVersionLookup" ma:readOnly="false" ma:showField="LastLocAttemptVersion" ma:web="6d93d202-47fc-4405-873a-cab67cc5f1b2">
+      <xsd:simpleType>
+        <xsd:restriction base="dms:Lookup"/>
+      </xsd:simpleType>
+    </xsd:element>
+    <xsd:element name="LocLastLocAttemptVersionTypeLookup" ma:index="72" nillable="true" ma:displayName="Loc Last Loc Attempt Version Type" ma:default="" ma:list="{4CDE398E-75A7-4993-8C61-2BFD31F64754}" ma:internalName="LocLastLocAttemptVersionTypeLookup" ma:readOnly="true" ma:showField="LastLocAttemptVersionType" ma:web="6d93d202-47fc-4405-873a-cab67cc5f1b2">
+      <xsd:simpleType>
+        <xsd:restriction base="dms:Lookup"/>
+      </xsd:simpleType>
+    </xsd:element>
+    <xsd:element name="LocManualTestRequired" ma:index="73" nillable="true" ma:displayName="Loc Manual Test Required" ma:default="" ma:internalName="LocManualTestRequired" ma:readOnly="false">
+      <xsd:simpleType>
+        <xsd:restriction base="dms:Boolean"/>
+      </xsd:simpleType>
+    </xsd:element>
+    <xsd:element name="LocMarketGroupTiers2" ma:index="74" nillable="true" ma:displayName="Loc Market Group Tiers" ma:internalName="LocMarketGroupTiers2" ma:readOnly="false">
+      <xsd:simpleType>
+        <xsd:restriction base="dms:Unknown"/>
+      </xsd:simpleType>
+    </xsd:element>
+    <xsd:element name="LocNewPublishedVersionLookup" ma:index="75" nillable="true" ma:displayName="Loc New Published Version Lookup" ma:default="" ma:list="{4CDE398E-75A7-4993-8C61-2BFD31F64754}" ma:internalName="LocNewPublishedVersionLookup" ma:readOnly="true" ma:showField="NewPublishedVersion" ma:web="6d93d202-47fc-4405-873a-cab67cc5f1b2">
+      <xsd:simpleType>
+        <xsd:restriction base="dms:Lookup"/>
+      </xsd:simpleType>
+    </xsd:element>
+    <xsd:element name="LocOverallHandbackStatusLookup" ma:index="76" nillable="true" ma:displayName="Loc Overall Handback Status" ma:default="" ma:list="{4CDE398E-75A7-4993-8C61-2BFD31F64754}" ma:internalName="LocOverallHandbackStatusLookup" ma:readOnly="true" ma:showField="OverallHandbackStatus" ma:web="6d93d202-47fc-4405-873a-cab67cc5f1b2">
+      <xsd:simpleType>
+        <xsd:restriction base="dms:Lookup"/>
+      </xsd:simpleType>
+    </xsd:element>
+    <xsd:element name="LocOverallLocStatusLookup" ma:index="77" nillable="true" ma:displayName="Loc Overall Localize Status" ma:default="" ma:list="{4CDE398E-75A7-4993-8C61-2BFD31F64754}" ma:internalName="LocOverallLocStatusLookup" ma:readOnly="true" ma:showField="OverallLocStatus" ma:web="6d93d202-47fc-4405-873a-cab67cc5f1b2">
+      <xsd:simpleType>
+        <xsd:restriction base="dms:Lookup"/>
+      </xsd:simpleType>
+    </xsd:element>
+    <xsd:element name="LocOverallPreviewStatusLookup" ma:index="78" nillable="true" ma:displayName="Loc Overall Preview Status" ma:default="" ma:list="{4CDE398E-75A7-4993-8C61-2BFD31F64754}" ma:internalName="LocOverallPreviewStatusLookup" ma:readOnly="true" ma:showField="OverallPreviewStatus" ma:web="6d93d202-47fc-4405-873a-cab67cc5f1b2">
+      <xsd:simpleType>
+        <xsd:restriction base="dms:Lookup"/>
+      </xsd:simpleType>
+    </xsd:element>
+    <xsd:element name="LocOverallPublishStatusLookup" ma:index="79" nillable="true" ma:displayName="Loc Overall Publish Status" ma:default="" ma:list="{4CDE398E-75A7-4993-8C61-2BFD31F64754}" ma:internalName="LocOverallPublishStatusLookup" ma:readOnly="true" ma:showField="OverallPublishStatus" ma:web="6d93d202-47fc-4405-873a-cab67cc5f1b2">
+      <xsd:simpleType>
+        <xsd:restriction base="dms:Lookup"/>
+      </xsd:simpleType>
+    </xsd:element>
+    <xsd:element name="IntlLocPriority" ma:index="80" nillable="true" ma:displayName="Loc Priority" ma:default="" ma:internalName="IntlLocPriority" ma:readOnly="false">
+      <xsd:simpleType>
+        <xsd:restriction base="dms:Unknown"/>
+      </xsd:simpleType>
+    </xsd:element>
+    <xsd:element name="LocProcessedForHandoffsLookup" ma:index="81" nillable="true" ma:displayName="Loc Processed For Handoffs" ma:default="" ma:list="{4CDE398E-75A7-4993-8C61-2BFD31F64754}" ma:internalName="LocProcessedForHandoffsLookup" ma:readOnly="true" ma:showField="ProcessedForHandoffs" ma:web="6d93d202-47fc-4405-873a-cab67cc5f1b2">
+      <xsd:simpleType>
+        <xsd:restriction base="dms:Lookup"/>
+      </xsd:simpleType>
+    </xsd:element>
+    <xsd:element name="LocProcessedForMarketsLookup" ma:index="82" nillable="true" ma:displayName="Loc Processed For Markets" ma:default="" ma:list="{4CDE398E-75A7-4993-8C61-2BFD31F64754}" ma:internalName="LocProcessedForMarketsLookup" ma:readOnly="true" ma:showField="ProcessedForMarkets" ma:web="6d93d202-47fc-4405-873a-cab67cc5f1b2">
+      <xsd:simpleType>
+        <xsd:restriction base="dms:Lookup"/>
+      </xsd:simpleType>
+    </xsd:element>
+    <xsd:element name="LocPublishedDependentAssetsLookup" ma:index="83" nillable="true" ma:displayName="Loc Published Dependent Assets" ma:default="" ma:list="{4CDE398E-75A7-4993-8C61-2BFD31F64754}" ma:internalName="LocPublishedDependentAssetsLookup" ma:readOnly="true" ma:showField="PublishedDependentAssets" ma:web="6d93d202-47fc-4405-873a-cab67cc5f1b2">
+      <xsd:simpleType>
+        <xsd:restriction base="dms:Lookup"/>
+      </xsd:simpleType>
+    </xsd:element>
+    <xsd:element name="LocPublishedLinkedAssetsLookup" ma:index="84" nillable="true" ma:displayName="Loc Published Linked Assets" ma:default="" ma:list="{4CDE398E-75A7-4993-8C61-2BFD31F64754}" ma:internalName="LocPublishedLinkedAssetsLookup" ma:readOnly="true" ma:showField="PublishedLinkedAssets" ma:web="6d93d202-47fc-4405-873a-cab67cc5f1b2">
+      <xsd:simpleType>
+        <xsd:restriction base="dms:Lookup"/>
+      </xsd:simpleType>
+    </xsd:element>
+    <xsd:element name="LocRecommendedHandoff" ma:index="85" nillable="true" ma:displayName="Loc Recommended Handoff" ma:default="" ma:indexed="true" ma:internalName="LocRecommendedHandoff" ma:readOnly="false">
+      <xsd:simpleType>
+        <xsd:restriction base="dms:Text"/>
+      </xsd:simpleType>
+    </xsd:element>
+    <xsd:element name="LocalizationTagsTaxHTField0" ma:index="87" nillable="true" ma:taxonomy="true" ma:internalName="LocalizationTagsTaxHTField0" ma:taxonomyFieldName="LocalizationTags" ma:displayName="Localization Tags" ma:readOnly="false" ma:default="" ma:fieldId="{db560eb5-700a-4f94-8fda-b57de4261f12}" ma:taxonomyMulti="true" ma:sspId="8f79753a-75d3-41f5-8ca3-40b843941b4f" ma:termSetId="5b7703a5-8e8b-4b58-8b31-1cea35331da3" ma:anchorId="00000000-0000-0000-0000-000000000000" ma:open="false" ma:isKeyword="false">
+      <xsd:complexType>
+        <xsd:sequence>
+          <xsd:element ref="pc:Terms" minOccurs="0" maxOccurs="1"/>
+        </xsd:sequence>
+      </xsd:complexType>
+    </xsd:element>
+    <xsd:element name="MachineTranslated" ma:index="88" nillable="true" ma:displayName="Machine Translated" ma:default="" ma:internalName="MachineTranslated" ma:readOnly="false">
+      <xsd:simpleType>
+        <xsd:restriction base="dms:Boolean"/>
+      </xsd:simpleType>
+    </xsd:element>
+    <xsd:element name="Manager" ma:index="89" nillable="true" ma:displayName="Manager" ma:hidden="true" ma:internalName="Manager" ma:readOnly="false">
+      <xsd:simpleType>
+        <xsd:restriction base="dms:Text"/>
+      </xsd:simpleType>
+    </xsd:element>
+    <xsd:element name="Markets" ma:index="90" nillable="true" ma:displayName="Markets" ma:default="" ma:description="Leave blank to show in all markets" ma:list="{80C6DD30-196A-4C6B-B1BF-A43F3B8ACD4F}" ma:internalName="Markets" ma:readOnly="false" ma:showField="MarketName" ma:web="6d93d202-47fc-4405-873a-cab67cc5f1b2">
+      <xsd:complexType>
+        <xsd:complexContent>
+          <xsd:extension base="dms:MultiChoiceLookup">
+            <xsd:sequence>
+              <xsd:element name="Value" type="dms:Lookup" maxOccurs="unbounded" minOccurs="0" nillable="true"/>
+            </xsd:sequence>
+          </xsd:extension>
+        </xsd:complexContent>
+      </xsd:complexType>
+    </xsd:element>
+    <xsd:element name="Milestone" ma:index="91" nillable="true" ma:displayName="Milestone" ma:default="" ma:internalName="Milestone" ma:readOnly="false">
+      <xsd:simpleType>
+        <xsd:restriction base="dms:Unknown"/>
+      </xsd:simpleType>
+    </xsd:element>
+    <xsd:element name="TPNamespace" ma:index="94" nillable="true" ma:displayName="Namespace" ma:default="" ma:internalName="TPNamespace">
+      <xsd:simpleType>
+        <xsd:restriction base="dms:Text"/>
+      </xsd:simpleType>
+    </xsd:element>
+    <xsd:element name="NumericId" ma:index="95" nillable="true" ma:displayName="Numeric ID" ma:default="" ma:indexed="true" ma:internalName="NumericId" ma:readOnly="false">
+      <xsd:simpleType>
+        <xsd:restriction base="dms:Number"/>
+      </xsd:simpleType>
+    </xsd:element>
+    <xsd:element name="NumOfRatingsLookup" ma:index="96" nillable="true" ma:displayName="NumOfRatings" ma:default="" ma:list="{7E2D4CA2-442A-4FDA-AA57-71B8C7B2C53C}" ma:internalName="NumOfRatingsLookup" ma:readOnly="true" ma:showField="NumOfRatings" ma:web="6d93d202-47fc-4405-873a-cab67cc5f1b2">
+      <xsd:complexType>
+        <xsd:complexContent>
+          <xsd:extension base="dms:MultiChoiceLookup">
+            <xsd:sequence>
+              <xsd:element name="Value" type="dms:Lookup" maxOccurs="unbounded" minOccurs="0" nillable="true"/>
+            </xsd:sequence>
+          </xsd:extension>
+        </xsd:complexContent>
+      </xsd:complexType>
+    </xsd:element>
+    <xsd:element name="OOCacheId" ma:index="97" nillable="true" ma:displayName="OOCacheId" ma:internalName="OOCacheId" ma:readOnly="false">
+      <xsd:simpleType>
+        <xsd:restriction base="dms:Text"/>
+      </xsd:simpleType>
+    </xsd:element>
+    <xsd:element name="OpenTemplate" ma:index="98" nillable="true" ma:displayName="Open Template" ma:default="true" ma:internalName="OpenTemplate">
+      <xsd:simpleType>
+        <xsd:restriction base="dms:Boolean"/>
+      </xsd:simpleType>
+    </xsd:element>
+    <xsd:element name="OriginAsset" ma:index="99" nillable="true" ma:displayName="Origin Asset" ma:default="" ma:internalName="OriginAsset" ma:readOnly="false">
+      <xsd:simpleType>
+        <xsd:restriction base="dms:Text"/>
+      </xsd:simpleType>
+    </xsd:element>
+    <xsd:element name="OriginalRelease" ma:index="100" nillable="true" ma:displayName="Original Release" ma:default="15" ma:internalName="OriginalRelease" ma:readOnly="false">
+      <xsd:simpleType>
+        <xsd:restriction base="dms:Choice">
+          <xsd:enumeration value="14"/>
+          <xsd:enumeration value="15"/>
+          <xsd:enumeration value="16"/>
+        </xsd:restriction>
+      </xsd:simpleType>
+    </xsd:element>
+    <xsd:element name="OriginalSourceMarket" ma:index="101" nillable="true" ma:displayName="Original Source Market Group" ma:default="" ma:internalName="OriginalSourceMarket" ma:readOnly="false">
+      <xsd:simpleType>
+        <xsd:restriction base="dms:Text"/>
+      </xsd:simpleType>
+    </xsd:element>
+    <xsd:element name="OutputCachingOn" ma:index="102" nillable="true" ma:displayName="Output Caching" ma:default="true" ma:hidden="true" ma:internalName="OutputCachingOn" ma:readOnly="false">
+      <xsd:simpleType>
+        <xsd:restriction base="dms:Boolean"/>
+      </xsd:simpleType>
+    </xsd:element>
+    <xsd:element name="ParentAssetId" ma:index="103" nillable="true" ma:displayName="Parent Asset Id" ma:default="" ma:internalName="ParentAssetId" ma:readOnly="false">
+      <xsd:simpleType>
+        <xsd:restriction base="dms:Text"/>
+      </xsd:simpleType>
+    </xsd:element>
+    <xsd:element name="PlannedPubDate" ma:index="104" nillable="true" ma:displayName="Planned Publish Date" ma:default="" ma:indexed="true" ma:internalName="PlannedPubDate" ma:readOnly="false">
+      <xsd:simpleType>
+        <xsd:restriction base="dms:DateTime"/>
+      </xsd:simpleType>
+    </xsd:element>
+    <xsd:element name="PolicheckWords" ma:index="105" nillable="true" ma:displayName="Policheck Words" ma:default="" ma:internalName="PolicheckWords" ma:readOnly="false">
+      <xsd:simpleType>
+        <xsd:restriction base="dms:Text"/>
+      </xsd:simpleType>
+    </xsd:element>
+    <xsd:element name="BusinessGroup" ma:index="106" nillable="true" ma:displayName="Product Division Owner" ma:default="" ma:internalName="BusinessGroup" ma:readOnly="false">
+      <xsd:simpleType>
+        <xsd:restriction base="dms:Unknown"/>
+      </xsd:simpleType>
+    </xsd:element>
+    <xsd:element name="UAProjectedTotalWords" ma:index="107" nillable="true" ma:displayName="Projected Word Count" ma:default="" ma:internalName="UAProjectedTotalWords" ma:readOnly="false">
+      <xsd:simpleType>
+        <xsd:restriction base="dms:Unknown"/>
+      </xsd:simpleType>
+    </xsd:element>
+    <xsd:element name="Provider" ma:index="108" nillable="true" ma:displayName="Provider" ma:default="" ma:internalName="Provider" ma:readOnly="false">
+      <xsd:simpleType>
+        <xsd:restriction base="dms:Unknown"/>
+      </xsd:simpleType>
+    </xsd:element>
+    <xsd:element name="Providers" ma:index="109" nillable="true" ma:displayName="Providers" ma:default="" ma:internalName="Providers">
+      <xsd:simpleType>
+        <xsd:restriction base="dms:Unknown"/>
+      </xsd:simpleType>
+    </xsd:element>
+    <xsd:element name="PublishStatusLookup" ma:index="110" nillable="true" ma:displayName="Publish Status" ma:default="" ma:list="{7E2D4CA2-442A-4FDA-AA57-71B8C7B2C53C}" ma:internalName="PublishStatusLookup" ma:readOnly="false" ma:showField="PublishStatus" ma:web="6d93d202-47fc-4405-873a-cab67cc5f1b2">
+      <xsd:complexType>
+        <xsd:complexContent>
+          <xsd:extension base="dms:MultiChoiceLookup">
+            <xsd:sequence>
+              <xsd:element name="Value" type="dms:Lookup" maxOccurs="unbounded" minOccurs="0" nillable="true"/>
+            </xsd:sequence>
+          </xsd:extension>
+        </xsd:complexContent>
+      </xsd:complexType>
+    </xsd:element>
+    <xsd:element name="PublishTargets" ma:index="111" nillable="true" ma:displayName="Publish Target" ma:default="OfficeOnlineVNext" ma:internalName="PublishTargets" ma:readOnly="false">
+      <xsd:simpleType>
+        <xsd:restriction base="dms:Unknown"/>
+      </xsd:simpleType>
+    </xsd:element>
+    <xsd:element name="RecommendationsModifier" ma:index="112" nillable="true" ma:displayName="Recommendations Modifier" ma:default="" ma:internalName="RecommendationsModifier" ma:readOnly="false">
+      <xsd:simpleType>
+        <xsd:restriction base="dms:Number"/>
+      </xsd:simpleType>
+    </xsd:element>
+    <xsd:element name="ArtSampleDocs" ma:index="113" nillable="true" ma:displayName="Sample Docs" ma:default="" ma:hidden="true" ma:internalName="ArtSampleDocs" ma:readOnly="false">
+      <xsd:simpleType>
+        <xsd:restriction base="dms:Text"/>
+      </xsd:simpleType>
+    </xsd:element>
+    <xsd:element name="ScenarioTagsTaxHTField0" ma:index="115" nillable="true" ma:taxonomy="true" ma:internalName="ScenarioTagsTaxHTField0" ma:taxonomyFieldName="ScenarioTags" ma:displayName="Scenarios" ma:readOnly="false" ma:default="" ma:fieldId="{6e3f7319-fb8f-4449-8902-000ab73a8566}" ma:taxonomyMulti="true" ma:sspId="8f79753a-75d3-41f5-8ca3-40b843941b4f" ma:termSetId="4b7d5f16-e2f2-4fc0-bab3-6e8b931e57d6" ma:anchorId="00000000-0000-0000-0000-000000000000" ma:open="false" ma:isKeyword="false">
+      <xsd:complexType>
+        <xsd:sequence>
+          <xsd:element ref="pc:Terms" minOccurs="0" maxOccurs="1"/>
+        </xsd:sequence>
+      </xsd:complexType>
+    </xsd:element>
+    <xsd:element name="ShowIn" ma:index="117" nillable="true" ma:displayName="Show In" ma:default="Show everywhere" ma:internalName="ShowIn" ma:readOnly="false">
+      <xsd:simpleType>
+        <xsd:restriction base="dms:Choice">
+          <xsd:enumeration value="Hide on web"/>
+          <xsd:enumeration value="On Web no search"/>
+          <xsd:enumeration value="Show everywhere"/>
+          <xsd:enumeration value="Special use only"/>
+        </xsd:restriction>
+      </xsd:simpleType>
+    </xsd:element>
+    <xsd:element name="SourceTitle" ma:index="118" nillable="true" ma:displayName="Source Title" ma:default="" ma:indexed="true" ma:internalName="SourceTitle" ma:readOnly="false">
+      <xsd:simpleType>
+        <xsd:restriction base="dms:Text"/>
+      </xsd:simpleType>
+    </xsd:element>
+    <xsd:element name="CSXSubmissionDate" ma:index="119" nillable="true" ma:displayName="Submission Date" ma:default="" ma:internalName="CSXSubmissionDate" ma:readOnly="false">
+      <xsd:simpleType>
+        <xsd:restriction base="dms:DateTime"/>
+      </xsd:simpleType>
+    </xsd:element>
+    <xsd:element name="SubmitterId" ma:index="120" nillable="true" ma:displayName="Submitter ID" ma:default="" ma:internalName="SubmitterId" ma:readOnly="false">
+      <xsd:simpleType>
+        <xsd:restriction base="dms:Text"/>
+      </xsd:simpleType>
+    </xsd:element>
+    <xsd:element name="TaxCatchAll" ma:index="121" nillable="true" ma:displayName="Taxonomy Catch All Column" ma:hidden="true" ma:list="{11d213f5-ec09-44b6-a8be-9da225be7a8d}" ma:internalName="TaxCatchAll" ma:showField="CatchAllData" ma:web="6d93d202-47fc-4405-873a-cab67cc5f1b2">
+      <xsd:complexType>
+        <xsd:complexContent>
+          <xsd:extension base="dms:MultiChoiceLookup">
+            <xsd:sequence>
+              <xsd:element name="Value" type="dms:Lookup" maxOccurs="unbounded" minOccurs="0" nillable="true"/>
+            </xsd:sequence>
+          </xsd:extension>
+        </xsd:complexContent>
+      </xsd:complexType>
+    </xsd:element>
+    <xsd:element name="TaxCatchAllLabel" ma:index="122" nillable="true" ma:displayName="Taxonomy Catch All Column1" ma:hidden="true" ma:list="{11d213f5-ec09-44b6-a8be-9da225be7a8d}" ma:internalName="TaxCatchAllLabel" ma:readOnly="true" ma:showField="CatchAllDataLabel" ma:web="6d93d202-47fc-4405-873a-cab67cc5f1b2">
+      <xsd:complexType>
+        <xsd:complexContent>
+          <xsd:extension base="dms:MultiChoiceLookup">
+            <xsd:sequence>
+              <xsd:element name="Value" type="dms:Lookup" maxOccurs="unbounded" minOccurs="0" nillable="true"/>
+            </xsd:sequence>
+          </xsd:extension>
+        </xsd:complexContent>
+      </xsd:complexType>
+    </xsd:element>
+    <xsd:element name="TemplateStatus" ma:index="123" nillable="true" ma:displayName="Template Status" ma:default="" ma:internalName="TemplateStatus">
+      <xsd:simpleType>
+        <xsd:restriction base="dms:Unknown"/>
+      </xsd:simpleType>
+    </xsd:element>
+    <xsd:element name="TemplateTemplateType" ma:index="124" nillable="true" ma:displayName="Template Type" ma:default="" ma:internalName="TemplateTemplateType">
+      <xsd:simpleType>
+        <xsd:restriction base="dms:Unknown"/>
+      </xsd:simpleType>
+    </xsd:element>
+    <xsd:element name="ThumbnailAssetId" ma:index="125" nillable="true" ma:displayName="Thumbnail Image Asset" ma:default="" ma:internalName="ThumbnailAssetId" ma:readOnly="false">
+      <xsd:simpleType>
+        <xsd:restriction base="dms:Text"/>
+      </xsd:simpleType>
+    </xsd:element>
+    <xsd:element name="TimesCloned" ma:index="126" nillable="true" ma:displayName="Times Cloned" ma:default="" ma:internalName="TimesCloned" ma:readOnly="false">
+      <xsd:simpleType>
+        <xsd:restriction base="dms:Number"/>
+      </xsd:simpleType>
+    </xsd:element>
+    <xsd:element name="TrustLevel" ma:index="128" nillable="true" ma:displayName="Trust Level" ma:default="1 Microsoft Managed Content" ma:internalName="TrustLevel" ma:readOnly="false">
+      <xsd:simpleType>
+        <xsd:restriction base="dms:Unknown"/>
+      </xsd:simpleType>
+    </xsd:element>
+    <xsd:element name="UALocComments" ma:index="129" nillable="true" ma:displayName="UA Loc Comments" ma:default="" ma:internalName="UALocComments" ma:readOnly="false">
+      <xsd:simpleType>
+        <xsd:restriction base="dms:Note"/>
+      </xsd:simpleType>
+    </xsd:element>
+    <xsd:element name="UALocRecommendation" ma:index="130" nillable="true" ma:displayName="UA Loc Recommendation" ma:default="Localize" ma:internalName="UALocRecommendation" ma:readOnly="false">
+      <xsd:simpleType>
+        <xsd:restriction base="dms:Choice">
+          <xsd:enumeration value="Localize"/>
+          <xsd:enumeration value="Never Localize"/>
+          <xsd:enumeration value="Priority Localize"/>
+        </xsd:restriction>
+      </xsd:simpleType>
+    </xsd:element>
+    <xsd:element name="UANotes" ma:index="131" nillable="true" ma:displayName="UA Notes" ma:default="" ma:internalName="UANotes" ma:readOnly="false">
+      <xsd:simpleType>
+        <xsd:restriction base="dms:Note"/>
+      </xsd:simpleType>
+    </xsd:element>
+    <xsd:element name="TPAppVersion" ma:index="132" nillable="true" ma:displayName="Version" ma:default="" ma:internalName="TPAppVersion">
+      <xsd:simpleType>
+        <xsd:restriction base="dms:Text"/>
+      </xsd:simpleType>
+    </xsd:element>
+    <xsd:element name="VoteCount" ma:index="133" nillable="true" ma:displayName="Vote Count" ma:default="" ma:internalName="VoteCount" ma:readOnly="false">
+      <xsd:simpleType>
+        <xsd:restriction base="dms:Unknown"/>
+      </xsd:simpleType>
+    </xsd:element>
+  </xsd:schema>
+  <xsd:schema xmlns:xsd="http://www.w3.org/2001/XMLSchema" xmlns:xs="http://www.w3.org/2001/XMLSchema" xmlns:dms="http://schemas.microsoft.com/office/2006/documentManagement/types" xmlns:pc="http://schemas.microsoft.com/office/infopath/2007/PartnerControls" targetNamespace="64acb2c5-0a2b-4bda-bd34-58e36cbb80d2" elementFormDefault="qualified">
+    <xsd:import namespace="http://schemas.microsoft.com/office/2006/documentManagement/types"/>
+    <xsd:import namespace="http://schemas.microsoft.com/office/infopath/2007/PartnerControls"/>
+    <xsd:element name="Description0" ma:index="134" nillable="true" ma:displayName="Description" ma:internalName="Description0">
+      <xsd:simpleType>
+        <xsd:restriction base="dms:Note"/>
+      </xsd:simpleType>
+    </xsd:element>
+    <xsd:element name="Component" ma:index="135" nillable="true" ma:displayName="Component" ma:internalName="Component">
+      <xsd:simpleType>
+        <xsd:restriction base="dms:Text">
+          <xsd:maxLength value="255"/>
+        </xsd:restriction>
+      </xsd:simpleType>
+    </xsd:element>
+  </xsd:schema>
+  <xsd:schema xmlns="http://schemas.openxmlformats.org/package/2006/metadata/core-properties" xmlns:xsd="http://www.w3.org/2001/XMLSchema" xmlns:xsi="http://www.w3.org/2001/XMLSchema-instance" xmlns:dc="http://purl.org/dc/elements/1.1/" xmlns:dcterms="http://purl.org/dc/terms/" xmlns:odoc="http://schemas.microsoft.com/internal/obd" targetNamespace="http://schemas.openxmlformats.org/package/2006/metadata/core-properties" elementFormDefault="qualified" attributeFormDefault="unqualified" blockDefault="#all">
+    <xsd:import namespace="http://purl.org/dc/elements/1.1/" schemaLocation="http://dublincore.org/schemas/xmls/qdc/2003/04/02/dc.xsd"/>
+    <xsd:import namespace="http://purl.org/dc/terms/" schemaLocation="http://dublincore.org/schemas/xmls/qdc/2003/04/02/dcterms.xsd"/>
+    <xsd:element name="coreProperties" type="CT_coreProperties"/>
+    <xsd:complexType name="CT_coreProperties">
+      <xsd:all>
+        <xsd:element ref="dc:creator" minOccurs="0" maxOccurs="1"/>
+        <xsd:element ref="dcterms:created" minOccurs="0" maxOccurs="1"/>
+        <xsd:element ref="dc:identifier" minOccurs="0" maxOccurs="1"/>
+        <xsd:element name="contentType" minOccurs="0" maxOccurs="1" type="xsd:string" ma:index="22" ma:displayName="Content Type"/>
+        <xsd:element ref="dc:title" minOccurs="0" maxOccurs="1" ma:index="127" ma:displayName="Title"/>
+        <xsd:element ref="dc:subject" minOccurs="0" maxOccurs="1"/>
+        <xsd:element ref="dc:description" minOccurs="0" maxOccurs="1"/>
+        <xsd:element name="keywords" minOccurs="0" maxOccurs="1" type="xsd:string"/>
+        <xsd:element ref="dc:language" minOccurs="0" maxOccurs="1"/>
+        <xsd:element name="category" minOccurs="0" maxOccurs="1" type="xsd:string"/>
+        <xsd:element name="version" minOccurs="0" maxOccurs="1" type="xsd:string"/>
+        <xsd:element name="revision" minOccurs="0" maxOccurs="1" type="xsd:string">
+          <xsd:annotation>
+            <xsd:documentation>
+                        This value indicates the number of saves or revisions. The application is responsible for updating this value after each revision.
+                    </xsd:documentation>
+          </xsd:annotation>
+        </xsd:element>
+        <xsd:element name="lastModifiedBy" minOccurs="0" maxOccurs="1" type="xsd:string"/>
+        <xsd:element ref="dcterms:modified" minOccurs="0" maxOccurs="1"/>
+        <xsd:element name="contentStatus" minOccurs="0" maxOccurs="1" type="xsd:string"/>
+      </xsd:all>
+    </xsd:complexType>
+  </xsd:schema>
+  <xs:schema xmlns:pc="http://schemas.microsoft.com/office/infopath/2007/PartnerControls" xmlns:xs="http://www.w3.org/2001/XMLSchema" targetNamespace="http://schemas.microsoft.com/office/infopath/2007/PartnerControls" elementFormDefault="qualified" attributeFormDefault="unqualified">
+    <xs:element name="Person">
+      <xs:complexType>
+        <xs:sequence>
+          <xs:element ref="pc:DisplayName" minOccurs="0"/>
+          <xs:element ref="pc:AccountId" minOccurs="0"/>
+          <xs:element ref="pc:AccountType" minOccurs="0"/>
+        </xs:sequence>
+      </xs:complexType>
+    </xs:element>
+    <xs:element name="DisplayName" type="xs:string"/>
+    <xs:element name="AccountId" type="xs:string"/>
+    <xs:element name="AccountType" type="xs:string"/>
+    <xs:element name="BDCAssociatedEntity">
+      <xs:complexType>
+        <xs:sequence>
+          <xs:element ref="pc:BDCEntity" minOccurs="0" maxOccurs="unbounded"/>
+        </xs:sequence>
+        <xs:attribute ref="pc:EntityNamespace"/>
+        <xs:attribute ref="pc:EntityName"/>
+        <xs:attribute ref="pc:SystemInstanceName"/>
+        <xs:attribute ref="pc:AssociationName"/>
+      </xs:complexType>
+    </xs:element>
+    <xs:attribute name="EntityNamespace" type="xs:string"/>
+    <xs:attribute name="EntityName" type="xs:string"/>
+    <xs:attribute name="SystemInstanceName" type="xs:string"/>
+    <xs:attribute name="AssociationName" type="xs:string"/>
+    <xs:element name="BDCEntity">
+      <xs:complexType>
+        <xs:sequence>
+          <xs:element ref="pc:EntityDisplayName" minOccurs="0"/>
+          <xs:element ref="pc:EntityInstanceReference" minOccurs="0"/>
+          <xs:element ref="pc:EntityId1" minOccurs="0"/>
+          <xs:element ref="pc:EntityId2" minOccurs="0"/>
+          <xs:element ref="pc:EntityId3" minOccurs="0"/>
+          <xs:element ref="pc:EntityId4" minOccurs="0"/>
+          <xs:element ref="pc:EntityId5" minOccurs="0"/>
+        </xs:sequence>
+      </xs:complexType>
+    </xs:element>
+    <xs:element name="EntityDisplayName" type="xs:string"/>
+    <xs:element name="EntityInstanceReference" type="xs:string"/>
+    <xs:element name="EntityId1" type="xs:string"/>
+    <xs:element name="EntityId2" type="xs:string"/>
+    <xs:element name="EntityId3" type="xs:string"/>
+    <xs:element name="EntityId4" type="xs:string"/>
+    <xs:element name="EntityId5" type="xs:string"/>
+    <xs:element name="Terms">
+      <xs:complexType>
+        <xs:sequence>
+          <xs:element ref="pc:TermInfo" minOccurs="0" maxOccurs="unbounded"/>
+        </xs:sequence>
+      </xs:complexType>
+    </xs:element>
+    <xs:element name="TermInfo">
+      <xs:complexType>
+        <xs:sequence>
+          <xs:element ref="pc:TermName" minOccurs="0"/>
+          <xs:element ref="pc:TermId" minOccurs="0"/>
+        </xs:sequence>
+      </xs:complexType>
+    </xs:element>
+    <xs:element name="TermName" type="xs:string"/>
+    <xs:element name="TermId" type="xs:string"/>
+  </xs:schema>
+</ct:contentTypeSchema>
+</file>
+
+<file path=customXml/item2.xml><?xml version="1.0" encoding="utf-8"?>
 <p:properties xmlns:p="http://schemas.microsoft.com/office/2006/metadata/properties" xmlns:xsi="http://www.w3.org/2001/XMLSchema-instance">
   <documentManagement>
     <APDescription xmlns="6d93d202-47fc-4405-873a-cab67cc5f1b2" xsi:nil="true"/>
@@ -7770,1065 +11696,6 @@
 </p:properties>
 </file>
 
-<file path=customXml/item2.xml><?xml version="1.0" encoding="utf-8"?>
-<ct:contentTypeSchema xmlns:ct="http://schemas.microsoft.com/office/2006/metadata/contentType" xmlns:ma="http://schemas.microsoft.com/office/2006/metadata/properties/metaAttributes" ct:_="" ma:_="" ma:contentTypeName="TemplateFile" ma:contentTypeID="0x01010069924D1ECC420D47A2456556BC94F7370400BDF4491DEA4973499845289601F88B9F" ma:contentTypeVersion="55" ma:contentTypeDescription="Create a new document." ma:contentTypeScope="" ma:versionID="41eb558a2b826e6e4f9defd990175bec">
-  <xsd:schema xmlns:xsd="http://www.w3.org/2001/XMLSchema" xmlns:xs="http://www.w3.org/2001/XMLSchema" xmlns:p="http://schemas.microsoft.com/office/2006/metadata/properties" xmlns:ns2="6d93d202-47fc-4405-873a-cab67cc5f1b2" xmlns:ns3="64acb2c5-0a2b-4bda-bd34-58e36cbb80d2" targetNamespace="http://schemas.microsoft.com/office/2006/metadata/properties" ma:root="true" ma:fieldsID="19deea0185cf7bc57eee9b90b1ba2ace" ns2:_="" ns3:_="">
-    <xsd:import namespace="6d93d202-47fc-4405-873a-cab67cc5f1b2"/>
-    <xsd:import namespace="64acb2c5-0a2b-4bda-bd34-58e36cbb80d2"/>
-    <xsd:element name="properties">
-      <xsd:complexType>
-        <xsd:sequence>
-          <xsd:element name="documentManagement">
-            <xsd:complexType>
-              <xsd:all>
-                <xsd:element ref="ns2:AcquiredFrom" minOccurs="0"/>
-                <xsd:element ref="ns2:UACurrentWords" minOccurs="0"/>
-                <xsd:element ref="ns2:TPApplication" minOccurs="0"/>
-                <xsd:element ref="ns2:ApprovalLog" minOccurs="0"/>
-                <xsd:element ref="ns2:ApprovalStatus" minOccurs="0"/>
-                <xsd:element ref="ns2:AssetStart" minOccurs="0"/>
-                <xsd:element ref="ns2:AssetExpire" minOccurs="0"/>
-                <xsd:element ref="ns2:AssetId" minOccurs="0"/>
-                <xsd:element ref="ns2:IsSearchable" minOccurs="0"/>
-                <xsd:element ref="ns2:AssetType" minOccurs="0"/>
-                <xsd:element ref="ns2:APAuthor" minOccurs="0"/>
-                <xsd:element ref="ns2:AverageRating" minOccurs="0"/>
-                <xsd:element ref="ns2:BlockPublish" minOccurs="0"/>
-                <xsd:element ref="ns2:BugNumber" minOccurs="0"/>
-                <xsd:element ref="ns2:CampaignTagsTaxHTField0" minOccurs="0"/>
-                <xsd:element ref="ns2:TPClientViewer" minOccurs="0"/>
-                <xsd:element ref="ns2:ClipArtFilename" minOccurs="0"/>
-                <xsd:element ref="ns2:TPCommandLine" minOccurs="0"/>
-                <xsd:element ref="ns2:TPComponent" minOccurs="0"/>
-                <xsd:element ref="ns2:ContentItem" minOccurs="0"/>
-                <xsd:element ref="ns2:CrawlForDependencies" minOccurs="0"/>
-                <xsd:element ref="ns2:CSXHash" minOccurs="0"/>
-                <xsd:element ref="ns2:CSXSubmissionMarket" minOccurs="0"/>
-                <xsd:element ref="ns2:CSXUpdate" minOccurs="0"/>
-                <xsd:element ref="ns2:IntlLangReviewDate" minOccurs="0"/>
-                <xsd:element ref="ns2:IsDeleted" minOccurs="0"/>
-                <xsd:element ref="ns2:APDescription" minOccurs="0"/>
-                <xsd:element ref="ns2:DirectSourceMarket" minOccurs="0"/>
-                <xsd:element ref="ns2:Downloads" minOccurs="0"/>
-                <xsd:element ref="ns2:DSATActionTaken" minOccurs="0"/>
-                <xsd:element ref="ns2:APEditor" minOccurs="0"/>
-                <xsd:element ref="ns2:EditorialStatus" minOccurs="0"/>
-                <xsd:element ref="ns2:EditorialTags" minOccurs="0"/>
-                <xsd:element ref="ns2:TPExecutable" minOccurs="0"/>
-                <xsd:element ref="ns2:FeatureTagsTaxHTField0" minOccurs="0"/>
-                <xsd:element ref="ns2:TPFriendlyName" minOccurs="0"/>
-                <xsd:element ref="ns2:FriendlyTitle" minOccurs="0"/>
-                <xsd:element ref="ns2:PrimaryImageGen" minOccurs="0"/>
-                <xsd:element ref="ns2:HandoffToMSDN" minOccurs="0"/>
-                <xsd:element ref="ns2:InProjectListLookup" minOccurs="0"/>
-                <xsd:element ref="ns2:TPInstallLocation" minOccurs="0"/>
-                <xsd:element ref="ns2:InternalTagsTaxHTField0" minOccurs="0"/>
-                <xsd:element ref="ns2:IntlLangReview" minOccurs="0"/>
-                <xsd:element ref="ns2:IntlLangReviewer" minOccurs="0"/>
-                <xsd:element ref="ns2:MarketSpecific" minOccurs="0"/>
-                <xsd:element ref="ns2:LastCompleteVersionLookup" minOccurs="0"/>
-                <xsd:element ref="ns2:LastHandOff" minOccurs="0"/>
-                <xsd:element ref="ns2:LastModifiedDateTime" minOccurs="0"/>
-                <xsd:element ref="ns2:LastPreviewErrorLookup" minOccurs="0"/>
-                <xsd:element ref="ns2:LastPreviewResultLookup" minOccurs="0"/>
-                <xsd:element ref="ns2:LastPreviewAttemptDateLookup" minOccurs="0"/>
-                <xsd:element ref="ns2:LastPreviewedByLookup" minOccurs="0"/>
-                <xsd:element ref="ns2:LastPreviewTimeLookup" minOccurs="0"/>
-                <xsd:element ref="ns2:LastPreviewVersionLookup" minOccurs="0"/>
-                <xsd:element ref="ns2:LastPublishErrorLookup" minOccurs="0"/>
-                <xsd:element ref="ns2:LastPublishResultLookup" minOccurs="0"/>
-                <xsd:element ref="ns2:LastPublishAttemptDateLookup" minOccurs="0"/>
-                <xsd:element ref="ns2:LastPublishedByLookup" minOccurs="0"/>
-                <xsd:element ref="ns2:LastPublishTimeLookup" minOccurs="0"/>
-                <xsd:element ref="ns2:LastPublishVersionLookup" minOccurs="0"/>
-                <xsd:element ref="ns2:TPLaunchHelpLinkType" minOccurs="0"/>
-                <xsd:element ref="ns2:LegacyData" minOccurs="0"/>
-                <xsd:element ref="ns2:TPLaunchHelpLink" minOccurs="0"/>
-                <xsd:element ref="ns2:LocComments" minOccurs="0"/>
-                <xsd:element ref="ns2:LocLastLocAttemptVersionLookup" minOccurs="0"/>
-                <xsd:element ref="ns2:LocLastLocAttemptVersionTypeLookup" minOccurs="0"/>
-                <xsd:element ref="ns2:LocManualTestRequired" minOccurs="0"/>
-                <xsd:element ref="ns2:LocMarketGroupTiers2" minOccurs="0"/>
-                <xsd:element ref="ns2:LocNewPublishedVersionLookup" minOccurs="0"/>
-                <xsd:element ref="ns2:LocOverallHandbackStatusLookup" minOccurs="0"/>
-                <xsd:element ref="ns2:LocOverallLocStatusLookup" minOccurs="0"/>
-                <xsd:element ref="ns2:LocOverallPreviewStatusLookup" minOccurs="0"/>
-                <xsd:element ref="ns2:LocOverallPublishStatusLookup" minOccurs="0"/>
-                <xsd:element ref="ns2:IntlLocPriority" minOccurs="0"/>
-                <xsd:element ref="ns2:LocProcessedForHandoffsLookup" minOccurs="0"/>
-                <xsd:element ref="ns2:LocProcessedForMarketsLookup" minOccurs="0"/>
-                <xsd:element ref="ns2:LocPublishedDependentAssetsLookup" minOccurs="0"/>
-                <xsd:element ref="ns2:LocPublishedLinkedAssetsLookup" minOccurs="0"/>
-                <xsd:element ref="ns2:LocRecommendedHandoff" minOccurs="0"/>
-                <xsd:element ref="ns2:LocalizationTagsTaxHTField0" minOccurs="0"/>
-                <xsd:element ref="ns2:MachineTranslated" minOccurs="0"/>
-                <xsd:element ref="ns2:Manager" minOccurs="0"/>
-                <xsd:element ref="ns2:Markets" minOccurs="0"/>
-                <xsd:element ref="ns2:Milestone" minOccurs="0"/>
-                <xsd:element ref="ns2:TPNamespace" minOccurs="0"/>
-                <xsd:element ref="ns2:NumericId" minOccurs="0"/>
-                <xsd:element ref="ns2:NumOfRatingsLookup" minOccurs="0"/>
-                <xsd:element ref="ns2:OOCacheId" minOccurs="0"/>
-                <xsd:element ref="ns2:OpenTemplate" minOccurs="0"/>
-                <xsd:element ref="ns2:OriginAsset" minOccurs="0"/>
-                <xsd:element ref="ns2:OriginalRelease" minOccurs="0"/>
-                <xsd:element ref="ns2:OriginalSourceMarket" minOccurs="0"/>
-                <xsd:element ref="ns2:OutputCachingOn" minOccurs="0"/>
-                <xsd:element ref="ns2:ParentAssetId" minOccurs="0"/>
-                <xsd:element ref="ns2:PlannedPubDate" minOccurs="0"/>
-                <xsd:element ref="ns2:PolicheckWords" minOccurs="0"/>
-                <xsd:element ref="ns2:BusinessGroup" minOccurs="0"/>
-                <xsd:element ref="ns2:UAProjectedTotalWords" minOccurs="0"/>
-                <xsd:element ref="ns2:Provider" minOccurs="0"/>
-                <xsd:element ref="ns2:Providers" minOccurs="0"/>
-                <xsd:element ref="ns2:PublishStatusLookup" minOccurs="0"/>
-                <xsd:element ref="ns2:PublishTargets" minOccurs="0"/>
-                <xsd:element ref="ns2:RecommendationsModifier" minOccurs="0"/>
-                <xsd:element ref="ns2:ArtSampleDocs" minOccurs="0"/>
-                <xsd:element ref="ns2:ScenarioTagsTaxHTField0" minOccurs="0"/>
-                <xsd:element ref="ns2:ShowIn" minOccurs="0"/>
-                <xsd:element ref="ns2:SourceTitle" minOccurs="0"/>
-                <xsd:element ref="ns2:CSXSubmissionDate" minOccurs="0"/>
-                <xsd:element ref="ns2:SubmitterId" minOccurs="0"/>
-                <xsd:element ref="ns2:TaxCatchAll" minOccurs="0"/>
-                <xsd:element ref="ns2:TaxCatchAllLabel" minOccurs="0"/>
-                <xsd:element ref="ns2:TemplateStatus" minOccurs="0"/>
-                <xsd:element ref="ns2:TemplateTemplateType" minOccurs="0"/>
-                <xsd:element ref="ns2:ThumbnailAssetId" minOccurs="0"/>
-                <xsd:element ref="ns2:TimesCloned" minOccurs="0"/>
-                <xsd:element ref="ns2:TrustLevel" minOccurs="0"/>
-                <xsd:element ref="ns2:UALocComments" minOccurs="0"/>
-                <xsd:element ref="ns2:UALocRecommendation" minOccurs="0"/>
-                <xsd:element ref="ns2:UANotes" minOccurs="0"/>
-                <xsd:element ref="ns2:TPAppVersion" minOccurs="0"/>
-                <xsd:element ref="ns2:VoteCount" minOccurs="0"/>
-                <xsd:element ref="ns3:Description0" minOccurs="0"/>
-                <xsd:element ref="ns3:Component" minOccurs="0"/>
-              </xsd:all>
-            </xsd:complexType>
-          </xsd:element>
-        </xsd:sequence>
-      </xsd:complexType>
-    </xsd:element>
-  </xsd:schema>
-  <xsd:schema xmlns:xsd="http://www.w3.org/2001/XMLSchema" xmlns:xs="http://www.w3.org/2001/XMLSchema" xmlns:dms="http://schemas.microsoft.com/office/2006/documentManagement/types" xmlns:pc="http://schemas.microsoft.com/office/infopath/2007/PartnerControls" targetNamespace="6d93d202-47fc-4405-873a-cab67cc5f1b2" elementFormDefault="qualified">
-    <xsd:import namespace="http://schemas.microsoft.com/office/2006/documentManagement/types"/>
-    <xsd:import namespace="http://schemas.microsoft.com/office/infopath/2007/PartnerControls"/>
-    <xsd:element name="AcquiredFrom" ma:index="1" nillable="true" ma:displayName="Acquired From" ma:default="Internal MS" ma:internalName="AcquiredFrom" ma:readOnly="false">
-      <xsd:simpleType>
-        <xsd:restriction base="dms:Choice">
-          <xsd:enumeration value="Internal MS"/>
-          <xsd:enumeration value="Community"/>
-          <xsd:enumeration value="MVP"/>
-          <xsd:enumeration value="Publisher"/>
-          <xsd:enumeration value="Partner"/>
-          <xsd:enumeration value="None"/>
-        </xsd:restriction>
-      </xsd:simpleType>
-    </xsd:element>
-    <xsd:element name="UACurrentWords" ma:index="2" nillable="true" ma:displayName="Actual Word Count" ma:default="" ma:internalName="UACurrentWords" ma:readOnly="false">
-      <xsd:simpleType>
-        <xsd:restriction base="dms:Unknown"/>
-      </xsd:simpleType>
-    </xsd:element>
-    <xsd:element name="TPApplication" ma:index="3" nillable="true" ma:displayName="Application to Open Template With" ma:default="" ma:internalName="TPApplication">
-      <xsd:simpleType>
-        <xsd:restriction base="dms:Text"/>
-      </xsd:simpleType>
-    </xsd:element>
-    <xsd:element name="ApprovalLog" ma:index="4" nillable="true" ma:displayName="Approval Log" ma:default="" ma:hidden="true" ma:internalName="ApprovalLog" ma:readOnly="false">
-      <xsd:simpleType>
-        <xsd:restriction base="dms:Note"/>
-      </xsd:simpleType>
-    </xsd:element>
-    <xsd:element name="ApprovalStatus" ma:index="5" nillable="true" ma:displayName="Approval Status" ma:default="InProgress" ma:internalName="ApprovalStatus" ma:readOnly="false">
-      <xsd:simpleType>
-        <xsd:restriction base="dms:Choice">
-          <xsd:enumeration value="InProgress"/>
-          <xsd:enumeration value="Rejected"/>
-          <xsd:enumeration value="Questionable"/>
-          <xsd:enumeration value="ApprovedAutomatic"/>
-          <xsd:enumeration value="ApprovedManual"/>
-          <xsd:enumeration value="On Hold"/>
-          <xsd:enumeration value="Needs Review"/>
-          <xsd:enumeration value="A Violation"/>
-          <xsd:enumeration value="Unpublished Violation"/>
-        </xsd:restriction>
-      </xsd:simpleType>
-    </xsd:element>
-    <xsd:element name="AssetStart" ma:index="6" nillable="true" ma:displayName="Asset Begin Date" ma:default="[Today]" ma:internalName="AssetStart" ma:readOnly="false">
-      <xsd:simpleType>
-        <xsd:restriction base="dms:DateTime"/>
-      </xsd:simpleType>
-    </xsd:element>
-    <xsd:element name="AssetExpire" ma:index="7" nillable="true" ma:displayName="Asset End Date" ma:default="2029-01-01T00:00:00Z" ma:internalName="AssetExpire" ma:readOnly="false">
-      <xsd:simpleType>
-        <xsd:restriction base="dms:DateTime"/>
-      </xsd:simpleType>
-    </xsd:element>
-    <xsd:element name="AssetId" ma:index="8" nillable="true" ma:displayName="Asset ID" ma:default="" ma:indexed="true" ma:internalName="AssetId" ma:readOnly="false">
-      <xsd:simpleType>
-        <xsd:restriction base="dms:Text">
-          <xsd:maxLength value="255"/>
-        </xsd:restriction>
-      </xsd:simpleType>
-    </xsd:element>
-    <xsd:element name="IsSearchable" ma:index="9" nillable="true" ma:displayName="Asset Searchable?" ma:default="true" ma:internalName="IsSearchable" ma:readOnly="false">
-      <xsd:simpleType>
-        <xsd:restriction base="dms:Boolean"/>
-      </xsd:simpleType>
-    </xsd:element>
-    <xsd:element name="AssetType" ma:index="10" nillable="true" ma:displayName="Asset Type" ma:default="" ma:internalName="AssetType" ma:readOnly="false">
-      <xsd:simpleType>
-        <xsd:restriction base="dms:Unknown"/>
-      </xsd:simpleType>
-    </xsd:element>
-    <xsd:element name="APAuthor" ma:index="11" nillable="true" ma:displayName="Author" ma:default="" ma:list="UserInfo" ma:internalName="APAuthor" ma:readOnly="false">
-      <xsd:complexType>
-        <xsd:complexContent>
-          <xsd:extension base="dms:User">
-            <xsd:sequence>
-              <xsd:element name="UserInfo" minOccurs="0" maxOccurs="unbounded">
-                <xsd:complexType>
-                  <xsd:sequence>
-                    <xsd:element name="DisplayName" type="xsd:string" minOccurs="0"/>
-                    <xsd:element name="AccountId" type="dms:UserId" minOccurs="0" nillable="true"/>
-                    <xsd:element name="AccountType" type="xsd:string" minOccurs="0"/>
-                  </xsd:sequence>
-                </xsd:complexType>
-              </xsd:element>
-            </xsd:sequence>
-          </xsd:extension>
-        </xsd:complexContent>
-      </xsd:complexType>
-    </xsd:element>
-    <xsd:element name="AverageRating" ma:index="12" nillable="true" ma:displayName="Average Rating" ma:internalName="AverageRating" ma:readOnly="false">
-      <xsd:simpleType>
-        <xsd:restriction base="dms:Text"/>
-      </xsd:simpleType>
-    </xsd:element>
-    <xsd:element name="BlockPublish" ma:index="13" nillable="true" ma:displayName="Block from Publishing?" ma:default="" ma:internalName="BlockPublish" ma:readOnly="false">
-      <xsd:simpleType>
-        <xsd:restriction base="dms:Boolean"/>
-      </xsd:simpleType>
-    </xsd:element>
-    <xsd:element name="BugNumber" ma:index="14" nillable="true" ma:displayName="Bug Number" ma:default="" ma:internalName="BugNumber" ma:readOnly="false">
-      <xsd:simpleType>
-        <xsd:restriction base="dms:Text"/>
-      </xsd:simpleType>
-    </xsd:element>
-    <xsd:element name="CampaignTagsTaxHTField0" ma:index="16" nillable="true" ma:taxonomy="true" ma:internalName="CampaignTagsTaxHTField0" ma:taxonomyFieldName="CampaignTags" ma:displayName="Campaigns" ma:readOnly="false" ma:default="" ma:fieldId="{dc79c007-7f28-4db9-9ba1-525d19a3279b}" ma:taxonomyMulti="true" ma:sspId="8f79753a-75d3-41f5-8ca3-40b843941b4f" ma:termSetId="ca0e50d4-faa1-44ce-961e-bb1441c60e66" ma:anchorId="00000000-0000-0000-0000-000000000000" ma:open="false" ma:isKeyword="false">
-      <xsd:complexType>
-        <xsd:sequence>
-          <xsd:element ref="pc:Terms" minOccurs="0" maxOccurs="1"/>
-        </xsd:sequence>
-      </xsd:complexType>
-    </xsd:element>
-    <xsd:element name="TPClientViewer" ma:index="17" nillable="true" ma:displayName="Client Viewer" ma:default="" ma:internalName="TPClientViewer">
-      <xsd:simpleType>
-        <xsd:restriction base="dms:Text"/>
-      </xsd:simpleType>
-    </xsd:element>
-    <xsd:element name="ClipArtFilename" ma:index="18" nillable="true" ma:displayName="Clip Art Name" ma:default="" ma:internalName="ClipArtFilename" ma:readOnly="false">
-      <xsd:simpleType>
-        <xsd:restriction base="dms:Text"/>
-      </xsd:simpleType>
-    </xsd:element>
-    <xsd:element name="TPCommandLine" ma:index="19" nillable="true" ma:displayName="Command Line" ma:default="" ma:internalName="TPCommandLine">
-      <xsd:simpleType>
-        <xsd:restriction base="dms:Text"/>
-      </xsd:simpleType>
-    </xsd:element>
-    <xsd:element name="TPComponent" ma:index="20" nillable="true" ma:displayName="Component" ma:default="" ma:internalName="TPComponent">
-      <xsd:simpleType>
-        <xsd:restriction base="dms:Text"/>
-      </xsd:simpleType>
-    </xsd:element>
-    <xsd:element name="ContentItem" ma:index="21" nillable="true" ma:displayName="Content Item" ma:default="" ma:hidden="true" ma:internalName="ContentItem" ma:readOnly="false">
-      <xsd:simpleType>
-        <xsd:restriction base="dms:Unknown"/>
-      </xsd:simpleType>
-    </xsd:element>
-    <xsd:element name="CrawlForDependencies" ma:index="23" nillable="true" ma:displayName="Crawl for Dependencies?" ma:default="true" ma:internalName="CrawlForDependencies" ma:readOnly="false">
-      <xsd:simpleType>
-        <xsd:restriction base="dms:Boolean"/>
-      </xsd:simpleType>
-    </xsd:element>
-    <xsd:element name="CSXHash" ma:index="26" nillable="true" ma:displayName="CSX Hash" ma:default="" ma:indexed="true" ma:internalName="CSXHash" ma:readOnly="false">
-      <xsd:simpleType>
-        <xsd:restriction base="dms:Text"/>
-      </xsd:simpleType>
-    </xsd:element>
-    <xsd:element name="CSXSubmissionMarket" ma:index="27" nillable="true" ma:displayName="CSX Submission Market" ma:default="" ma:list="{80C6DD30-196A-4C6B-B1BF-A43F3B8ACD4F}" ma:internalName="CSXSubmissionMarket" ma:readOnly="false" ma:showField="MarketName" ma:web="6d93d202-47fc-4405-873a-cab67cc5f1b2">
-      <xsd:simpleType>
-        <xsd:restriction base="dms:Lookup"/>
-      </xsd:simpleType>
-    </xsd:element>
-    <xsd:element name="CSXUpdate" ma:index="28" nillable="true" ma:displayName="CSX Updated?" ma:default="false" ma:internalName="CSXUpdate" ma:readOnly="false">
-      <xsd:simpleType>
-        <xsd:restriction base="dms:Boolean"/>
-      </xsd:simpleType>
-    </xsd:element>
-    <xsd:element name="IntlLangReviewDate" ma:index="29" nillable="true" ma:displayName="Date to Complete Intl QA" ma:default="" ma:internalName="IntlLangReviewDate" ma:readOnly="false">
-      <xsd:simpleType>
-        <xsd:restriction base="dms:DateTime"/>
-      </xsd:simpleType>
-    </xsd:element>
-    <xsd:element name="IsDeleted" ma:index="30" nillable="true" ma:displayName="Deleted?" ma:default="" ma:internalName="IsDeleted" ma:readOnly="false">
-      <xsd:simpleType>
-        <xsd:restriction base="dms:Boolean"/>
-      </xsd:simpleType>
-    </xsd:element>
-    <xsd:element name="APDescription" ma:index="31" nillable="true" ma:displayName="Description" ma:default="" ma:internalName="APDescription" ma:readOnly="false">
-      <xsd:simpleType>
-        <xsd:restriction base="dms:Note"/>
-      </xsd:simpleType>
-    </xsd:element>
-    <xsd:element name="DirectSourceMarket" ma:index="32" nillable="true" ma:displayName="Direct Source Market Group" ma:default="" ma:internalName="DirectSourceMarket" ma:readOnly="false">
-      <xsd:simpleType>
-        <xsd:restriction base="dms:Text"/>
-      </xsd:simpleType>
-    </xsd:element>
-    <xsd:element name="Downloads" ma:index="33" nillable="true" ma:displayName="Downloads" ma:default="0" ma:hidden="true" ma:internalName="Downloads" ma:readOnly="false">
-      <xsd:simpleType>
-        <xsd:restriction base="dms:Unknown"/>
-      </xsd:simpleType>
-    </xsd:element>
-    <xsd:element name="DSATActionTaken" ma:index="34" nillable="true" ma:displayName="DSAT Action Taken" ma:default="" ma:internalName="DSATActionTaken" ma:readOnly="false">
-      <xsd:simpleType>
-        <xsd:restriction base="dms:Choice">
-          <xsd:enumeration value="Best Bets"/>
-          <xsd:enumeration value="Expire"/>
-          <xsd:enumeration value="Hide"/>
-          <xsd:enumeration value="None"/>
-        </xsd:restriction>
-      </xsd:simpleType>
-    </xsd:element>
-    <xsd:element name="APEditor" ma:index="35" nillable="true" ma:displayName="Editor" ma:default="" ma:list="UserInfo" ma:internalName="APEditor" ma:readOnly="false">
-      <xsd:complexType>
-        <xsd:complexContent>
-          <xsd:extension base="dms:User">
-            <xsd:sequence>
-              <xsd:element name="UserInfo" minOccurs="0" maxOccurs="unbounded">
-                <xsd:complexType>
-                  <xsd:sequence>
-                    <xsd:element name="DisplayName" type="xsd:string" minOccurs="0"/>
-                    <xsd:element name="AccountId" type="dms:UserId" minOccurs="0" nillable="true"/>
-                    <xsd:element name="AccountType" type="xsd:string" minOccurs="0"/>
-                  </xsd:sequence>
-                </xsd:complexType>
-              </xsd:element>
-            </xsd:sequence>
-          </xsd:extension>
-        </xsd:complexContent>
-      </xsd:complexType>
-    </xsd:element>
-    <xsd:element name="EditorialStatus" ma:index="36" nillable="true" ma:displayName="Editorial Status" ma:default="" ma:internalName="EditorialStatus" ma:readOnly="false">
-      <xsd:simpleType>
-        <xsd:restriction base="dms:Unknown"/>
-      </xsd:simpleType>
-    </xsd:element>
-    <xsd:element name="EditorialTags" ma:index="37" nillable="true" ma:displayName="Editorial Tags" ma:default="" ma:internalName="EditorialTags">
-      <xsd:simpleType>
-        <xsd:restriction base="dms:Unknown"/>
-      </xsd:simpleType>
-    </xsd:element>
-    <xsd:element name="TPExecutable" ma:index="38" nillable="true" ma:displayName="Executable" ma:default="" ma:internalName="TPExecutable">
-      <xsd:simpleType>
-        <xsd:restriction base="dms:Text"/>
-      </xsd:simpleType>
-    </xsd:element>
-    <xsd:element name="FeatureTagsTaxHTField0" ma:index="40" nillable="true" ma:taxonomy="true" ma:internalName="FeatureTagsTaxHTField0" ma:taxonomyFieldName="FeatureTags" ma:displayName="Features" ma:readOnly="false" ma:default="" ma:fieldId="{bb16b974-ed24-4278-8820-8e232d38904b}" ma:taxonomyMulti="true" ma:sspId="8f79753a-75d3-41f5-8ca3-40b843941b4f" ma:termSetId="f1ab6845-967d-4854-a0ba-4ec07f0f8113" ma:anchorId="00000000-0000-0000-0000-000000000000" ma:open="false" ma:isKeyword="false">
-      <xsd:complexType>
-        <xsd:sequence>
-          <xsd:element ref="pc:Terms" minOccurs="0" maxOccurs="1"/>
-        </xsd:sequence>
-      </xsd:complexType>
-    </xsd:element>
-    <xsd:element name="TPFriendlyName" ma:index="41" nillable="true" ma:displayName="Friendly Name" ma:default="" ma:internalName="TPFriendlyName">
-      <xsd:simpleType>
-        <xsd:restriction base="dms:Text"/>
-      </xsd:simpleType>
-    </xsd:element>
-    <xsd:element name="FriendlyTitle" ma:index="42" nillable="true" ma:displayName="Friendly Title" ma:default="" ma:description="Shorter title to be used when displaying search results" ma:internalName="FriendlyTitle" ma:readOnly="false">
-      <xsd:simpleType>
-        <xsd:restriction base="dms:Text"/>
-      </xsd:simpleType>
-    </xsd:element>
-    <xsd:element name="PrimaryImageGen" ma:index="43" nillable="true" ma:displayName="Generate Images?" ma:default="true" ma:internalName="PrimaryImageGen">
-      <xsd:simpleType>
-        <xsd:restriction base="dms:Boolean"/>
-      </xsd:simpleType>
-    </xsd:element>
-    <xsd:element name="HandoffToMSDN" ma:index="44" nillable="true" ma:displayName="Handoff To MSDN Date" ma:default="" ma:internalName="HandoffToMSDN" ma:readOnly="false">
-      <xsd:simpleType>
-        <xsd:restriction base="dms:DateTime"/>
-      </xsd:simpleType>
-    </xsd:element>
-    <xsd:element name="InProjectListLookup" ma:index="45" nillable="true" ma:displayName="InProjectListLookup" ma:list="{7E2D4CA2-442A-4FDA-AA57-71B8C7B2C53C}" ma:internalName="InProjectListLookup" ma:readOnly="true" ma:showField="InProjectList" ma:web="6d93d202-47fc-4405-873a-cab67cc5f1b2">
-      <xsd:complexType>
-        <xsd:complexContent>
-          <xsd:extension base="dms:MultiChoiceLookup">
-            <xsd:sequence>
-              <xsd:element name="Value" type="dms:Lookup" maxOccurs="unbounded" minOccurs="0" nillable="true"/>
-            </xsd:sequence>
-          </xsd:extension>
-        </xsd:complexContent>
-      </xsd:complexType>
-    </xsd:element>
-    <xsd:element name="TPInstallLocation" ma:index="46" nillable="true" ma:displayName="Install Location" ma:default="" ma:internalName="TPInstallLocation">
-      <xsd:simpleType>
-        <xsd:restriction base="dms:Text"/>
-      </xsd:simpleType>
-    </xsd:element>
-    <xsd:element name="InternalTagsTaxHTField0" ma:index="48" nillable="true" ma:taxonomy="true" ma:internalName="InternalTagsTaxHTField0" ma:taxonomyFieldName="InternalTags" ma:displayName="Internal Tags" ma:readOnly="false" ma:default="" ma:fieldId="{fd9a49dc-3dbf-4047-b62d-1d587abe7b40}" ma:taxonomyMulti="true" ma:sspId="8f79753a-75d3-41f5-8ca3-40b843941b4f" ma:termSetId="82b6639e-f7fc-4c18-ad2d-003a6e707765" ma:anchorId="00000000-0000-0000-0000-000000000000" ma:open="false" ma:isKeyword="false">
-      <xsd:complexType>
-        <xsd:sequence>
-          <xsd:element ref="pc:Terms" minOccurs="0" maxOccurs="1"/>
-        </xsd:sequence>
-      </xsd:complexType>
-    </xsd:element>
-    <xsd:element name="IntlLangReview" ma:index="49" nillable="true" ma:displayName="Intl Lang QA Review Required?" ma:default="" ma:internalName="IntlLangReview" ma:readOnly="false">
-      <xsd:simpleType>
-        <xsd:restriction base="dms:Boolean"/>
-      </xsd:simpleType>
-    </xsd:element>
-    <xsd:element name="IntlLangReviewer" ma:index="50" nillable="true" ma:displayName="Intl Lang QA Reviewer" ma:default="" ma:internalName="IntlLangReviewer" ma:readOnly="false">
-      <xsd:simpleType>
-        <xsd:restriction base="dms:Text"/>
-      </xsd:simpleType>
-    </xsd:element>
-    <xsd:element name="MarketSpecific" ma:index="51" nillable="true" ma:displayName="Is Market Specific?" ma:default="" ma:internalName="MarketSpecific" ma:readOnly="false">
-      <xsd:simpleType>
-        <xsd:restriction base="dms:Boolean"/>
-      </xsd:simpleType>
-    </xsd:element>
-    <xsd:element name="LastCompleteVersionLookup" ma:index="52" nillable="true" ma:displayName="Last Complete Version Lookup" ma:default="" ma:list="{7E2D4CA2-442A-4FDA-AA57-71B8C7B2C53C}" ma:internalName="LastCompleteVersionLookup" ma:readOnly="true" ma:showField="LastCompleteVersion" ma:web="6d93d202-47fc-4405-873a-cab67cc5f1b2">
-      <xsd:complexType>
-        <xsd:complexContent>
-          <xsd:extension base="dms:MultiChoiceLookup">
-            <xsd:sequence>
-              <xsd:element name="Value" type="dms:Lookup" maxOccurs="unbounded" minOccurs="0" nillable="true"/>
-            </xsd:sequence>
-          </xsd:extension>
-        </xsd:complexContent>
-      </xsd:complexType>
-    </xsd:element>
-    <xsd:element name="LastHandOff" ma:index="53" nillable="true" ma:displayName="Last Hand-off" ma:default="" ma:internalName="LastHandOff" ma:readOnly="false">
-      <xsd:simpleType>
-        <xsd:restriction base="dms:DateTime"/>
-      </xsd:simpleType>
-    </xsd:element>
-    <xsd:element name="LastModifiedDateTime" ma:index="54" nillable="true" ma:displayName="Last Modified Date" ma:default="" ma:internalName="LastModifiedDateTime" ma:readOnly="false">
-      <xsd:simpleType>
-        <xsd:restriction base="dms:DateTime"/>
-      </xsd:simpleType>
-    </xsd:element>
-    <xsd:element name="LastPreviewErrorLookup" ma:index="55" nillable="true" ma:displayName="Last Preview Attempt Error" ma:default="" ma:list="{7E2D4CA2-442A-4FDA-AA57-71B8C7B2C53C}" ma:internalName="LastPreviewErrorLookup" ma:readOnly="true" ma:showField="LastPreviewError" ma:web="6d93d202-47fc-4405-873a-cab67cc5f1b2">
-      <xsd:complexType>
-        <xsd:complexContent>
-          <xsd:extension base="dms:MultiChoiceLookup">
-            <xsd:sequence>
-              <xsd:element name="Value" type="dms:Lookup" maxOccurs="unbounded" minOccurs="0" nillable="true"/>
-            </xsd:sequence>
-          </xsd:extension>
-        </xsd:complexContent>
-      </xsd:complexType>
-    </xsd:element>
-    <xsd:element name="LastPreviewResultLookup" ma:index="56" nillable="true" ma:displayName="Last Preview Attempt Result" ma:default="" ma:list="{7E2D4CA2-442A-4FDA-AA57-71B8C7B2C53C}" ma:internalName="LastPreviewResultLookup" ma:readOnly="true" ma:showField="LastPreviewResult" ma:web="6d93d202-47fc-4405-873a-cab67cc5f1b2">
-      <xsd:complexType>
-        <xsd:complexContent>
-          <xsd:extension base="dms:MultiChoiceLookup">
-            <xsd:sequence>
-              <xsd:element name="Value" type="dms:Lookup" maxOccurs="unbounded" minOccurs="0" nillable="true"/>
-            </xsd:sequence>
-          </xsd:extension>
-        </xsd:complexContent>
-      </xsd:complexType>
-    </xsd:element>
-    <xsd:element name="LastPreviewAttemptDateLookup" ma:index="57" nillable="true" ma:displayName="Last Preview Attempted On" ma:default="" ma:list="{7E2D4CA2-442A-4FDA-AA57-71B8C7B2C53C}" ma:internalName="LastPreviewAttemptDateLookup" ma:readOnly="true" ma:showField="LastPreviewAttemptDate" ma:web="6d93d202-47fc-4405-873a-cab67cc5f1b2">
-      <xsd:complexType>
-        <xsd:complexContent>
-          <xsd:extension base="dms:MultiChoiceLookup">
-            <xsd:sequence>
-              <xsd:element name="Value" type="dms:Lookup" maxOccurs="unbounded" minOccurs="0" nillable="true"/>
-            </xsd:sequence>
-          </xsd:extension>
-        </xsd:complexContent>
-      </xsd:complexType>
-    </xsd:element>
-    <xsd:element name="LastPreviewedByLookup" ma:index="58" nillable="true" ma:displayName="Last Previewed By" ma:default="" ma:list="{7E2D4CA2-442A-4FDA-AA57-71B8C7B2C53C}" ma:internalName="LastPreviewedByLookup" ma:readOnly="true" ma:showField="LastPreviewedBy" ma:web="6d93d202-47fc-4405-873a-cab67cc5f1b2">
-      <xsd:complexType>
-        <xsd:complexContent>
-          <xsd:extension base="dms:MultiChoiceLookup">
-            <xsd:sequence>
-              <xsd:element name="Value" type="dms:Lookup" maxOccurs="unbounded" minOccurs="0" nillable="true"/>
-            </xsd:sequence>
-          </xsd:extension>
-        </xsd:complexContent>
-      </xsd:complexType>
-    </xsd:element>
-    <xsd:element name="LastPreviewTimeLookup" ma:index="59" nillable="true" ma:displayName="Last Previewed Date" ma:default="" ma:list="{7E2D4CA2-442A-4FDA-AA57-71B8C7B2C53C}" ma:internalName="LastPreviewTimeLookup" ma:readOnly="true" ma:showField="LastPreviewTime" ma:web="6d93d202-47fc-4405-873a-cab67cc5f1b2">
-      <xsd:complexType>
-        <xsd:complexContent>
-          <xsd:extension base="dms:MultiChoiceLookup">
-            <xsd:sequence>
-              <xsd:element name="Value" type="dms:Lookup" maxOccurs="unbounded" minOccurs="0" nillable="true"/>
-            </xsd:sequence>
-          </xsd:extension>
-        </xsd:complexContent>
-      </xsd:complexType>
-    </xsd:element>
-    <xsd:element name="LastPreviewVersionLookup" ma:index="60" nillable="true" ma:displayName="Last Previewed Version" ma:default="" ma:list="{7E2D4CA2-442A-4FDA-AA57-71B8C7B2C53C}" ma:internalName="LastPreviewVersionLookup" ma:readOnly="true" ma:showField="LastPreviewVersion" ma:web="6d93d202-47fc-4405-873a-cab67cc5f1b2">
-      <xsd:complexType>
-        <xsd:complexContent>
-          <xsd:extension base="dms:MultiChoiceLookup">
-            <xsd:sequence>
-              <xsd:element name="Value" type="dms:Lookup" maxOccurs="unbounded" minOccurs="0" nillable="true"/>
-            </xsd:sequence>
-          </xsd:extension>
-        </xsd:complexContent>
-      </xsd:complexType>
-    </xsd:element>
-    <xsd:element name="LastPublishErrorLookup" ma:index="61" nillable="true" ma:displayName="Last Publish Attempt Error" ma:default="" ma:list="{7E2D4CA2-442A-4FDA-AA57-71B8C7B2C53C}" ma:internalName="LastPublishErrorLookup" ma:readOnly="true" ma:showField="LastPublishError" ma:web="6d93d202-47fc-4405-873a-cab67cc5f1b2">
-      <xsd:complexType>
-        <xsd:complexContent>
-          <xsd:extension base="dms:MultiChoiceLookup">
-            <xsd:sequence>
-              <xsd:element name="Value" type="dms:Lookup" maxOccurs="unbounded" minOccurs="0" nillable="true"/>
-            </xsd:sequence>
-          </xsd:extension>
-        </xsd:complexContent>
-      </xsd:complexType>
-    </xsd:element>
-    <xsd:element name="LastPublishResultLookup" ma:index="62" nillable="true" ma:displayName="Last Publish Attempt Result" ma:default="" ma:list="{7E2D4CA2-442A-4FDA-AA57-71B8C7B2C53C}" ma:internalName="LastPublishResultLookup" ma:readOnly="true" ma:showField="LastPublishResult" ma:web="6d93d202-47fc-4405-873a-cab67cc5f1b2">
-      <xsd:complexType>
-        <xsd:complexContent>
-          <xsd:extension base="dms:MultiChoiceLookup">
-            <xsd:sequence>
-              <xsd:element name="Value" type="dms:Lookup" maxOccurs="unbounded" minOccurs="0" nillable="true"/>
-            </xsd:sequence>
-          </xsd:extension>
-        </xsd:complexContent>
-      </xsd:complexType>
-    </xsd:element>
-    <xsd:element name="LastPublishAttemptDateLookup" ma:index="63" nillable="true" ma:displayName="Last Publish Attempted On" ma:default="" ma:list="{7E2D4CA2-442A-4FDA-AA57-71B8C7B2C53C}" ma:internalName="LastPublishAttemptDateLookup" ma:readOnly="true" ma:showField="LastPublishAttemptDate" ma:web="6d93d202-47fc-4405-873a-cab67cc5f1b2">
-      <xsd:complexType>
-        <xsd:complexContent>
-          <xsd:extension base="dms:MultiChoiceLookup">
-            <xsd:sequence>
-              <xsd:element name="Value" type="dms:Lookup" maxOccurs="unbounded" minOccurs="0" nillable="true"/>
-            </xsd:sequence>
-          </xsd:extension>
-        </xsd:complexContent>
-      </xsd:complexType>
-    </xsd:element>
-    <xsd:element name="LastPublishedByLookup" ma:index="64" nillable="true" ma:displayName="Last Published By" ma:default="" ma:list="{7E2D4CA2-442A-4FDA-AA57-71B8C7B2C53C}" ma:internalName="LastPublishedByLookup" ma:readOnly="true" ma:showField="LastPublishedBy" ma:web="6d93d202-47fc-4405-873a-cab67cc5f1b2">
-      <xsd:complexType>
-        <xsd:complexContent>
-          <xsd:extension base="dms:MultiChoiceLookup">
-            <xsd:sequence>
-              <xsd:element name="Value" type="dms:Lookup" maxOccurs="unbounded" minOccurs="0" nillable="true"/>
-            </xsd:sequence>
-          </xsd:extension>
-        </xsd:complexContent>
-      </xsd:complexType>
-    </xsd:element>
-    <xsd:element name="LastPublishTimeLookup" ma:index="65" nillable="true" ma:displayName="Last Published Date" ma:default="" ma:list="{7E2D4CA2-442A-4FDA-AA57-71B8C7B2C53C}" ma:internalName="LastPublishTimeLookup" ma:readOnly="true" ma:showField="LastPublishTime" ma:web="6d93d202-47fc-4405-873a-cab67cc5f1b2">
-      <xsd:complexType>
-        <xsd:complexContent>
-          <xsd:extension base="dms:MultiChoiceLookup">
-            <xsd:sequence>
-              <xsd:element name="Value" type="dms:Lookup" maxOccurs="unbounded" minOccurs="0" nillable="true"/>
-            </xsd:sequence>
-          </xsd:extension>
-        </xsd:complexContent>
-      </xsd:complexType>
-    </xsd:element>
-    <xsd:element name="LastPublishVersionLookup" ma:index="66" nillable="true" ma:displayName="Last Published Version" ma:default="" ma:list="{7E2D4CA2-442A-4FDA-AA57-71B8C7B2C53C}" ma:internalName="LastPublishVersionLookup" ma:readOnly="true" ma:showField="LastPublishVersion" ma:web="6d93d202-47fc-4405-873a-cab67cc5f1b2">
-      <xsd:complexType>
-        <xsd:complexContent>
-          <xsd:extension base="dms:MultiChoiceLookup">
-            <xsd:sequence>
-              <xsd:element name="Value" type="dms:Lookup" maxOccurs="unbounded" minOccurs="0" nillable="true"/>
-            </xsd:sequence>
-          </xsd:extension>
-        </xsd:complexContent>
-      </xsd:complexType>
-    </xsd:element>
-    <xsd:element name="TPLaunchHelpLinkType" ma:index="67" nillable="true" ma:displayName="Launch Help Link Type" ma:default="Template" ma:internalName="TPLaunchHelpLinkType">
-      <xsd:simpleType>
-        <xsd:restriction base="dms:Choice">
-          <xsd:enumeration value="Template"/>
-          <xsd:enumeration value="Training"/>
-          <xsd:enumeration value="URL"/>
-          <xsd:enumeration value="None"/>
-        </xsd:restriction>
-      </xsd:simpleType>
-    </xsd:element>
-    <xsd:element name="LegacyData" ma:index="68" nillable="true" ma:displayName="Legacy Data" ma:default="" ma:internalName="LegacyData" ma:readOnly="false">
-      <xsd:simpleType>
-        <xsd:restriction base="dms:Note"/>
-      </xsd:simpleType>
-    </xsd:element>
-    <xsd:element name="TPLaunchHelpLink" ma:index="69" nillable="true" ma:displayName="Link to Launch Help Topic" ma:default="" ma:internalName="TPLaunchHelpLink">
-      <xsd:simpleType>
-        <xsd:restriction base="dms:Text"/>
-      </xsd:simpleType>
-    </xsd:element>
-    <xsd:element name="LocComments" ma:index="70" nillable="true" ma:displayName="Loc Approval Comments" ma:default="" ma:internalName="LocComments" ma:readOnly="false">
-      <xsd:simpleType>
-        <xsd:restriction base="dms:Note"/>
-      </xsd:simpleType>
-    </xsd:element>
-    <xsd:element name="LocLastLocAttemptVersionLookup" ma:index="71" nillable="true" ma:displayName="Loc Last Loc Attempt Version" ma:default="" ma:list="{4CDE398E-75A7-4993-8C61-2BFD31F64754}" ma:internalName="LocLastLocAttemptVersionLookup" ma:readOnly="false" ma:showField="LastLocAttemptVersion" ma:web="6d93d202-47fc-4405-873a-cab67cc5f1b2">
-      <xsd:simpleType>
-        <xsd:restriction base="dms:Lookup"/>
-      </xsd:simpleType>
-    </xsd:element>
-    <xsd:element name="LocLastLocAttemptVersionTypeLookup" ma:index="72" nillable="true" ma:displayName="Loc Last Loc Attempt Version Type" ma:default="" ma:list="{4CDE398E-75A7-4993-8C61-2BFD31F64754}" ma:internalName="LocLastLocAttemptVersionTypeLookup" ma:readOnly="true" ma:showField="LastLocAttemptVersionType" ma:web="6d93d202-47fc-4405-873a-cab67cc5f1b2">
-      <xsd:simpleType>
-        <xsd:restriction base="dms:Lookup"/>
-      </xsd:simpleType>
-    </xsd:element>
-    <xsd:element name="LocManualTestRequired" ma:index="73" nillable="true" ma:displayName="Loc Manual Test Required" ma:default="" ma:internalName="LocManualTestRequired" ma:readOnly="false">
-      <xsd:simpleType>
-        <xsd:restriction base="dms:Boolean"/>
-      </xsd:simpleType>
-    </xsd:element>
-    <xsd:element name="LocMarketGroupTiers2" ma:index="74" nillable="true" ma:displayName="Loc Market Group Tiers" ma:internalName="LocMarketGroupTiers2" ma:readOnly="false">
-      <xsd:simpleType>
-        <xsd:restriction base="dms:Unknown"/>
-      </xsd:simpleType>
-    </xsd:element>
-    <xsd:element name="LocNewPublishedVersionLookup" ma:index="75" nillable="true" ma:displayName="Loc New Published Version Lookup" ma:default="" ma:list="{4CDE398E-75A7-4993-8C61-2BFD31F64754}" ma:internalName="LocNewPublishedVersionLookup" ma:readOnly="true" ma:showField="NewPublishedVersion" ma:web="6d93d202-47fc-4405-873a-cab67cc5f1b2">
-      <xsd:simpleType>
-        <xsd:restriction base="dms:Lookup"/>
-      </xsd:simpleType>
-    </xsd:element>
-    <xsd:element name="LocOverallHandbackStatusLookup" ma:index="76" nillable="true" ma:displayName="Loc Overall Handback Status" ma:default="" ma:list="{4CDE398E-75A7-4993-8C61-2BFD31F64754}" ma:internalName="LocOverallHandbackStatusLookup" ma:readOnly="true" ma:showField="OverallHandbackStatus" ma:web="6d93d202-47fc-4405-873a-cab67cc5f1b2">
-      <xsd:simpleType>
-        <xsd:restriction base="dms:Lookup"/>
-      </xsd:simpleType>
-    </xsd:element>
-    <xsd:element name="LocOverallLocStatusLookup" ma:index="77" nillable="true" ma:displayName="Loc Overall Localize Status" ma:default="" ma:list="{4CDE398E-75A7-4993-8C61-2BFD31F64754}" ma:internalName="LocOverallLocStatusLookup" ma:readOnly="true" ma:showField="OverallLocStatus" ma:web="6d93d202-47fc-4405-873a-cab67cc5f1b2">
-      <xsd:simpleType>
-        <xsd:restriction base="dms:Lookup"/>
-      </xsd:simpleType>
-    </xsd:element>
-    <xsd:element name="LocOverallPreviewStatusLookup" ma:index="78" nillable="true" ma:displayName="Loc Overall Preview Status" ma:default="" ma:list="{4CDE398E-75A7-4993-8C61-2BFD31F64754}" ma:internalName="LocOverallPreviewStatusLookup" ma:readOnly="true" ma:showField="OverallPreviewStatus" ma:web="6d93d202-47fc-4405-873a-cab67cc5f1b2">
-      <xsd:simpleType>
-        <xsd:restriction base="dms:Lookup"/>
-      </xsd:simpleType>
-    </xsd:element>
-    <xsd:element name="LocOverallPublishStatusLookup" ma:index="79" nillable="true" ma:displayName="Loc Overall Publish Status" ma:default="" ma:list="{4CDE398E-75A7-4993-8C61-2BFD31F64754}" ma:internalName="LocOverallPublishStatusLookup" ma:readOnly="true" ma:showField="OverallPublishStatus" ma:web="6d93d202-47fc-4405-873a-cab67cc5f1b2">
-      <xsd:simpleType>
-        <xsd:restriction base="dms:Lookup"/>
-      </xsd:simpleType>
-    </xsd:element>
-    <xsd:element name="IntlLocPriority" ma:index="80" nillable="true" ma:displayName="Loc Priority" ma:default="" ma:internalName="IntlLocPriority" ma:readOnly="false">
-      <xsd:simpleType>
-        <xsd:restriction base="dms:Unknown"/>
-      </xsd:simpleType>
-    </xsd:element>
-    <xsd:element name="LocProcessedForHandoffsLookup" ma:index="81" nillable="true" ma:displayName="Loc Processed For Handoffs" ma:default="" ma:list="{4CDE398E-75A7-4993-8C61-2BFD31F64754}" ma:internalName="LocProcessedForHandoffsLookup" ma:readOnly="true" ma:showField="ProcessedForHandoffs" ma:web="6d93d202-47fc-4405-873a-cab67cc5f1b2">
-      <xsd:simpleType>
-        <xsd:restriction base="dms:Lookup"/>
-      </xsd:simpleType>
-    </xsd:element>
-    <xsd:element name="LocProcessedForMarketsLookup" ma:index="82" nillable="true" ma:displayName="Loc Processed For Markets" ma:default="" ma:list="{4CDE398E-75A7-4993-8C61-2BFD31F64754}" ma:internalName="LocProcessedForMarketsLookup" ma:readOnly="true" ma:showField="ProcessedForMarkets" ma:web="6d93d202-47fc-4405-873a-cab67cc5f1b2">
-      <xsd:simpleType>
-        <xsd:restriction base="dms:Lookup"/>
-      </xsd:simpleType>
-    </xsd:element>
-    <xsd:element name="LocPublishedDependentAssetsLookup" ma:index="83" nillable="true" ma:displayName="Loc Published Dependent Assets" ma:default="" ma:list="{4CDE398E-75A7-4993-8C61-2BFD31F64754}" ma:internalName="LocPublishedDependentAssetsLookup" ma:readOnly="true" ma:showField="PublishedDependentAssets" ma:web="6d93d202-47fc-4405-873a-cab67cc5f1b2">
-      <xsd:simpleType>
-        <xsd:restriction base="dms:Lookup"/>
-      </xsd:simpleType>
-    </xsd:element>
-    <xsd:element name="LocPublishedLinkedAssetsLookup" ma:index="84" nillable="true" ma:displayName="Loc Published Linked Assets" ma:default="" ma:list="{4CDE398E-75A7-4993-8C61-2BFD31F64754}" ma:internalName="LocPublishedLinkedAssetsLookup" ma:readOnly="true" ma:showField="PublishedLinkedAssets" ma:web="6d93d202-47fc-4405-873a-cab67cc5f1b2">
-      <xsd:simpleType>
-        <xsd:restriction base="dms:Lookup"/>
-      </xsd:simpleType>
-    </xsd:element>
-    <xsd:element name="LocRecommendedHandoff" ma:index="85" nillable="true" ma:displayName="Loc Recommended Handoff" ma:default="" ma:indexed="true" ma:internalName="LocRecommendedHandoff" ma:readOnly="false">
-      <xsd:simpleType>
-        <xsd:restriction base="dms:Text"/>
-      </xsd:simpleType>
-    </xsd:element>
-    <xsd:element name="LocalizationTagsTaxHTField0" ma:index="87" nillable="true" ma:taxonomy="true" ma:internalName="LocalizationTagsTaxHTField0" ma:taxonomyFieldName="LocalizationTags" ma:displayName="Localization Tags" ma:readOnly="false" ma:default="" ma:fieldId="{db560eb5-700a-4f94-8fda-b57de4261f12}" ma:taxonomyMulti="true" ma:sspId="8f79753a-75d3-41f5-8ca3-40b843941b4f" ma:termSetId="5b7703a5-8e8b-4b58-8b31-1cea35331da3" ma:anchorId="00000000-0000-0000-0000-000000000000" ma:open="false" ma:isKeyword="false">
-      <xsd:complexType>
-        <xsd:sequence>
-          <xsd:element ref="pc:Terms" minOccurs="0" maxOccurs="1"/>
-        </xsd:sequence>
-      </xsd:complexType>
-    </xsd:element>
-    <xsd:element name="MachineTranslated" ma:index="88" nillable="true" ma:displayName="Machine Translated" ma:default="" ma:internalName="MachineTranslated" ma:readOnly="false">
-      <xsd:simpleType>
-        <xsd:restriction base="dms:Boolean"/>
-      </xsd:simpleType>
-    </xsd:element>
-    <xsd:element name="Manager" ma:index="89" nillable="true" ma:displayName="Manager" ma:hidden="true" ma:internalName="Manager" ma:readOnly="false">
-      <xsd:simpleType>
-        <xsd:restriction base="dms:Text"/>
-      </xsd:simpleType>
-    </xsd:element>
-    <xsd:element name="Markets" ma:index="90" nillable="true" ma:displayName="Markets" ma:default="" ma:description="Leave blank to show in all markets" ma:list="{80C6DD30-196A-4C6B-B1BF-A43F3B8ACD4F}" ma:internalName="Markets" ma:readOnly="false" ma:showField="MarketName" ma:web="6d93d202-47fc-4405-873a-cab67cc5f1b2">
-      <xsd:complexType>
-        <xsd:complexContent>
-          <xsd:extension base="dms:MultiChoiceLookup">
-            <xsd:sequence>
-              <xsd:element name="Value" type="dms:Lookup" maxOccurs="unbounded" minOccurs="0" nillable="true"/>
-            </xsd:sequence>
-          </xsd:extension>
-        </xsd:complexContent>
-      </xsd:complexType>
-    </xsd:element>
-    <xsd:element name="Milestone" ma:index="91" nillable="true" ma:displayName="Milestone" ma:default="" ma:internalName="Milestone" ma:readOnly="false">
-      <xsd:simpleType>
-        <xsd:restriction base="dms:Unknown"/>
-      </xsd:simpleType>
-    </xsd:element>
-    <xsd:element name="TPNamespace" ma:index="94" nillable="true" ma:displayName="Namespace" ma:default="" ma:internalName="TPNamespace">
-      <xsd:simpleType>
-        <xsd:restriction base="dms:Text"/>
-      </xsd:simpleType>
-    </xsd:element>
-    <xsd:element name="NumericId" ma:index="95" nillable="true" ma:displayName="Numeric ID" ma:default="" ma:indexed="true" ma:internalName="NumericId" ma:readOnly="false">
-      <xsd:simpleType>
-        <xsd:restriction base="dms:Number"/>
-      </xsd:simpleType>
-    </xsd:element>
-    <xsd:element name="NumOfRatingsLookup" ma:index="96" nillable="true" ma:displayName="NumOfRatings" ma:default="" ma:list="{7E2D4CA2-442A-4FDA-AA57-71B8C7B2C53C}" ma:internalName="NumOfRatingsLookup" ma:readOnly="true" ma:showField="NumOfRatings" ma:web="6d93d202-47fc-4405-873a-cab67cc5f1b2">
-      <xsd:complexType>
-        <xsd:complexContent>
-          <xsd:extension base="dms:MultiChoiceLookup">
-            <xsd:sequence>
-              <xsd:element name="Value" type="dms:Lookup" maxOccurs="unbounded" minOccurs="0" nillable="true"/>
-            </xsd:sequence>
-          </xsd:extension>
-        </xsd:complexContent>
-      </xsd:complexType>
-    </xsd:element>
-    <xsd:element name="OOCacheId" ma:index="97" nillable="true" ma:displayName="OOCacheId" ma:internalName="OOCacheId" ma:readOnly="false">
-      <xsd:simpleType>
-        <xsd:restriction base="dms:Text"/>
-      </xsd:simpleType>
-    </xsd:element>
-    <xsd:element name="OpenTemplate" ma:index="98" nillable="true" ma:displayName="Open Template" ma:default="true" ma:internalName="OpenTemplate">
-      <xsd:simpleType>
-        <xsd:restriction base="dms:Boolean"/>
-      </xsd:simpleType>
-    </xsd:element>
-    <xsd:element name="OriginAsset" ma:index="99" nillable="true" ma:displayName="Origin Asset" ma:default="" ma:internalName="OriginAsset" ma:readOnly="false">
-      <xsd:simpleType>
-        <xsd:restriction base="dms:Text"/>
-      </xsd:simpleType>
-    </xsd:element>
-    <xsd:element name="OriginalRelease" ma:index="100" nillable="true" ma:displayName="Original Release" ma:default="15" ma:internalName="OriginalRelease" ma:readOnly="false">
-      <xsd:simpleType>
-        <xsd:restriction base="dms:Choice">
-          <xsd:enumeration value="14"/>
-          <xsd:enumeration value="15"/>
-          <xsd:enumeration value="16"/>
-        </xsd:restriction>
-      </xsd:simpleType>
-    </xsd:element>
-    <xsd:element name="OriginalSourceMarket" ma:index="101" nillable="true" ma:displayName="Original Source Market Group" ma:default="" ma:internalName="OriginalSourceMarket" ma:readOnly="false">
-      <xsd:simpleType>
-        <xsd:restriction base="dms:Text"/>
-      </xsd:simpleType>
-    </xsd:element>
-    <xsd:element name="OutputCachingOn" ma:index="102" nillable="true" ma:displayName="Output Caching" ma:default="true" ma:hidden="true" ma:internalName="OutputCachingOn" ma:readOnly="false">
-      <xsd:simpleType>
-        <xsd:restriction base="dms:Boolean"/>
-      </xsd:simpleType>
-    </xsd:element>
-    <xsd:element name="ParentAssetId" ma:index="103" nillable="true" ma:displayName="Parent Asset Id" ma:default="" ma:internalName="ParentAssetId" ma:readOnly="false">
-      <xsd:simpleType>
-        <xsd:restriction base="dms:Text"/>
-      </xsd:simpleType>
-    </xsd:element>
-    <xsd:element name="PlannedPubDate" ma:index="104" nillable="true" ma:displayName="Planned Publish Date" ma:default="" ma:indexed="true" ma:internalName="PlannedPubDate" ma:readOnly="false">
-      <xsd:simpleType>
-        <xsd:restriction base="dms:DateTime"/>
-      </xsd:simpleType>
-    </xsd:element>
-    <xsd:element name="PolicheckWords" ma:index="105" nillable="true" ma:displayName="Policheck Words" ma:default="" ma:internalName="PolicheckWords" ma:readOnly="false">
-      <xsd:simpleType>
-        <xsd:restriction base="dms:Text"/>
-      </xsd:simpleType>
-    </xsd:element>
-    <xsd:element name="BusinessGroup" ma:index="106" nillable="true" ma:displayName="Product Division Owner" ma:default="" ma:internalName="BusinessGroup" ma:readOnly="false">
-      <xsd:simpleType>
-        <xsd:restriction base="dms:Unknown"/>
-      </xsd:simpleType>
-    </xsd:element>
-    <xsd:element name="UAProjectedTotalWords" ma:index="107" nillable="true" ma:displayName="Projected Word Count" ma:default="" ma:internalName="UAProjectedTotalWords" ma:readOnly="false">
-      <xsd:simpleType>
-        <xsd:restriction base="dms:Unknown"/>
-      </xsd:simpleType>
-    </xsd:element>
-    <xsd:element name="Provider" ma:index="108" nillable="true" ma:displayName="Provider" ma:default="" ma:internalName="Provider" ma:readOnly="false">
-      <xsd:simpleType>
-        <xsd:restriction base="dms:Unknown"/>
-      </xsd:simpleType>
-    </xsd:element>
-    <xsd:element name="Providers" ma:index="109" nillable="true" ma:displayName="Providers" ma:default="" ma:internalName="Providers">
-      <xsd:simpleType>
-        <xsd:restriction base="dms:Unknown"/>
-      </xsd:simpleType>
-    </xsd:element>
-    <xsd:element name="PublishStatusLookup" ma:index="110" nillable="true" ma:displayName="Publish Status" ma:default="" ma:list="{7E2D4CA2-442A-4FDA-AA57-71B8C7B2C53C}" ma:internalName="PublishStatusLookup" ma:readOnly="false" ma:showField="PublishStatus" ma:web="6d93d202-47fc-4405-873a-cab67cc5f1b2">
-      <xsd:complexType>
-        <xsd:complexContent>
-          <xsd:extension base="dms:MultiChoiceLookup">
-            <xsd:sequence>
-              <xsd:element name="Value" type="dms:Lookup" maxOccurs="unbounded" minOccurs="0" nillable="true"/>
-            </xsd:sequence>
-          </xsd:extension>
-        </xsd:complexContent>
-      </xsd:complexType>
-    </xsd:element>
-    <xsd:element name="PublishTargets" ma:index="111" nillable="true" ma:displayName="Publish Target" ma:default="OfficeOnlineVNext" ma:internalName="PublishTargets" ma:readOnly="false">
-      <xsd:simpleType>
-        <xsd:restriction base="dms:Unknown"/>
-      </xsd:simpleType>
-    </xsd:element>
-    <xsd:element name="RecommendationsModifier" ma:index="112" nillable="true" ma:displayName="Recommendations Modifier" ma:default="" ma:internalName="RecommendationsModifier" ma:readOnly="false">
-      <xsd:simpleType>
-        <xsd:restriction base="dms:Number"/>
-      </xsd:simpleType>
-    </xsd:element>
-    <xsd:element name="ArtSampleDocs" ma:index="113" nillable="true" ma:displayName="Sample Docs" ma:default="" ma:hidden="true" ma:internalName="ArtSampleDocs" ma:readOnly="false">
-      <xsd:simpleType>
-        <xsd:restriction base="dms:Text"/>
-      </xsd:simpleType>
-    </xsd:element>
-    <xsd:element name="ScenarioTagsTaxHTField0" ma:index="115" nillable="true" ma:taxonomy="true" ma:internalName="ScenarioTagsTaxHTField0" ma:taxonomyFieldName="ScenarioTags" ma:displayName="Scenarios" ma:readOnly="false" ma:default="" ma:fieldId="{6e3f7319-fb8f-4449-8902-000ab73a8566}" ma:taxonomyMulti="true" ma:sspId="8f79753a-75d3-41f5-8ca3-40b843941b4f" ma:termSetId="4b7d5f16-e2f2-4fc0-bab3-6e8b931e57d6" ma:anchorId="00000000-0000-0000-0000-000000000000" ma:open="false" ma:isKeyword="false">
-      <xsd:complexType>
-        <xsd:sequence>
-          <xsd:element ref="pc:Terms" minOccurs="0" maxOccurs="1"/>
-        </xsd:sequence>
-      </xsd:complexType>
-    </xsd:element>
-    <xsd:element name="ShowIn" ma:index="117" nillable="true" ma:displayName="Show In" ma:default="Show everywhere" ma:internalName="ShowIn" ma:readOnly="false">
-      <xsd:simpleType>
-        <xsd:restriction base="dms:Choice">
-          <xsd:enumeration value="Hide on web"/>
-          <xsd:enumeration value="On Web no search"/>
-          <xsd:enumeration value="Show everywhere"/>
-          <xsd:enumeration value="Special use only"/>
-        </xsd:restriction>
-      </xsd:simpleType>
-    </xsd:element>
-    <xsd:element name="SourceTitle" ma:index="118" nillable="true" ma:displayName="Source Title" ma:default="" ma:indexed="true" ma:internalName="SourceTitle" ma:readOnly="false">
-      <xsd:simpleType>
-        <xsd:restriction base="dms:Text"/>
-      </xsd:simpleType>
-    </xsd:element>
-    <xsd:element name="CSXSubmissionDate" ma:index="119" nillable="true" ma:displayName="Submission Date" ma:default="" ma:internalName="CSXSubmissionDate" ma:readOnly="false">
-      <xsd:simpleType>
-        <xsd:restriction base="dms:DateTime"/>
-      </xsd:simpleType>
-    </xsd:element>
-    <xsd:element name="SubmitterId" ma:index="120" nillable="true" ma:displayName="Submitter ID" ma:default="" ma:internalName="SubmitterId" ma:readOnly="false">
-      <xsd:simpleType>
-        <xsd:restriction base="dms:Text"/>
-      </xsd:simpleType>
-    </xsd:element>
-    <xsd:element name="TaxCatchAll" ma:index="121" nillable="true" ma:displayName="Taxonomy Catch All Column" ma:hidden="true" ma:list="{11d213f5-ec09-44b6-a8be-9da225be7a8d}" ma:internalName="TaxCatchAll" ma:showField="CatchAllData" ma:web="6d93d202-47fc-4405-873a-cab67cc5f1b2">
-      <xsd:complexType>
-        <xsd:complexContent>
-          <xsd:extension base="dms:MultiChoiceLookup">
-            <xsd:sequence>
-              <xsd:element name="Value" type="dms:Lookup" maxOccurs="unbounded" minOccurs="0" nillable="true"/>
-            </xsd:sequence>
-          </xsd:extension>
-        </xsd:complexContent>
-      </xsd:complexType>
-    </xsd:element>
-    <xsd:element name="TaxCatchAllLabel" ma:index="122" nillable="true" ma:displayName="Taxonomy Catch All Column1" ma:hidden="true" ma:list="{11d213f5-ec09-44b6-a8be-9da225be7a8d}" ma:internalName="TaxCatchAllLabel" ma:readOnly="true" ma:showField="CatchAllDataLabel" ma:web="6d93d202-47fc-4405-873a-cab67cc5f1b2">
-      <xsd:complexType>
-        <xsd:complexContent>
-          <xsd:extension base="dms:MultiChoiceLookup">
-            <xsd:sequence>
-              <xsd:element name="Value" type="dms:Lookup" maxOccurs="unbounded" minOccurs="0" nillable="true"/>
-            </xsd:sequence>
-          </xsd:extension>
-        </xsd:complexContent>
-      </xsd:complexType>
-    </xsd:element>
-    <xsd:element name="TemplateStatus" ma:index="123" nillable="true" ma:displayName="Template Status" ma:default="" ma:internalName="TemplateStatus">
-      <xsd:simpleType>
-        <xsd:restriction base="dms:Unknown"/>
-      </xsd:simpleType>
-    </xsd:element>
-    <xsd:element name="TemplateTemplateType" ma:index="124" nillable="true" ma:displayName="Template Type" ma:default="" ma:internalName="TemplateTemplateType">
-      <xsd:simpleType>
-        <xsd:restriction base="dms:Unknown"/>
-      </xsd:simpleType>
-    </xsd:element>
-    <xsd:element name="ThumbnailAssetId" ma:index="125" nillable="true" ma:displayName="Thumbnail Image Asset" ma:default="" ma:internalName="ThumbnailAssetId" ma:readOnly="false">
-      <xsd:simpleType>
-        <xsd:restriction base="dms:Text"/>
-      </xsd:simpleType>
-    </xsd:element>
-    <xsd:element name="TimesCloned" ma:index="126" nillable="true" ma:displayName="Times Cloned" ma:default="" ma:internalName="TimesCloned" ma:readOnly="false">
-      <xsd:simpleType>
-        <xsd:restriction base="dms:Number"/>
-      </xsd:simpleType>
-    </xsd:element>
-    <xsd:element name="TrustLevel" ma:index="128" nillable="true" ma:displayName="Trust Level" ma:default="1 Microsoft Managed Content" ma:internalName="TrustLevel" ma:readOnly="false">
-      <xsd:simpleType>
-        <xsd:restriction base="dms:Unknown"/>
-      </xsd:simpleType>
-    </xsd:element>
-    <xsd:element name="UALocComments" ma:index="129" nillable="true" ma:displayName="UA Loc Comments" ma:default="" ma:internalName="UALocComments" ma:readOnly="false">
-      <xsd:simpleType>
-        <xsd:restriction base="dms:Note"/>
-      </xsd:simpleType>
-    </xsd:element>
-    <xsd:element name="UALocRecommendation" ma:index="130" nillable="true" ma:displayName="UA Loc Recommendation" ma:default="Localize" ma:internalName="UALocRecommendation" ma:readOnly="false">
-      <xsd:simpleType>
-        <xsd:restriction base="dms:Choice">
-          <xsd:enumeration value="Localize"/>
-          <xsd:enumeration value="Never Localize"/>
-          <xsd:enumeration value="Priority Localize"/>
-        </xsd:restriction>
-      </xsd:simpleType>
-    </xsd:element>
-    <xsd:element name="UANotes" ma:index="131" nillable="true" ma:displayName="UA Notes" ma:default="" ma:internalName="UANotes" ma:readOnly="false">
-      <xsd:simpleType>
-        <xsd:restriction base="dms:Note"/>
-      </xsd:simpleType>
-    </xsd:element>
-    <xsd:element name="TPAppVersion" ma:index="132" nillable="true" ma:displayName="Version" ma:default="" ma:internalName="TPAppVersion">
-      <xsd:simpleType>
-        <xsd:restriction base="dms:Text"/>
-      </xsd:simpleType>
-    </xsd:element>
-    <xsd:element name="VoteCount" ma:index="133" nillable="true" ma:displayName="Vote Count" ma:default="" ma:internalName="VoteCount" ma:readOnly="false">
-      <xsd:simpleType>
-        <xsd:restriction base="dms:Unknown"/>
-      </xsd:simpleType>
-    </xsd:element>
-  </xsd:schema>
-  <xsd:schema xmlns:xsd="http://www.w3.org/2001/XMLSchema" xmlns:xs="http://www.w3.org/2001/XMLSchema" xmlns:dms="http://schemas.microsoft.com/office/2006/documentManagement/types" xmlns:pc="http://schemas.microsoft.com/office/infopath/2007/PartnerControls" targetNamespace="64acb2c5-0a2b-4bda-bd34-58e36cbb80d2" elementFormDefault="qualified">
-    <xsd:import namespace="http://schemas.microsoft.com/office/2006/documentManagement/types"/>
-    <xsd:import namespace="http://schemas.microsoft.com/office/infopath/2007/PartnerControls"/>
-    <xsd:element name="Description0" ma:index="134" nillable="true" ma:displayName="Description" ma:internalName="Description0">
-      <xsd:simpleType>
-        <xsd:restriction base="dms:Note"/>
-      </xsd:simpleType>
-    </xsd:element>
-    <xsd:element name="Component" ma:index="135" nillable="true" ma:displayName="Component" ma:internalName="Component">
-      <xsd:simpleType>
-        <xsd:restriction base="dms:Text">
-          <xsd:maxLength value="255"/>
-        </xsd:restriction>
-      </xsd:simpleType>
-    </xsd:element>
-  </xsd:schema>
-  <xsd:schema xmlns="http://schemas.openxmlformats.org/package/2006/metadata/core-properties" xmlns:xsd="http://www.w3.org/2001/XMLSchema" xmlns:xsi="http://www.w3.org/2001/XMLSchema-instance" xmlns:dc="http://purl.org/dc/elements/1.1/" xmlns:dcterms="http://purl.org/dc/terms/" xmlns:odoc="http://schemas.microsoft.com/internal/obd" targetNamespace="http://schemas.openxmlformats.org/package/2006/metadata/core-properties" elementFormDefault="qualified" attributeFormDefault="unqualified" blockDefault="#all">
-    <xsd:import namespace="http://purl.org/dc/elements/1.1/" schemaLocation="http://dublincore.org/schemas/xmls/qdc/2003/04/02/dc.xsd"/>
-    <xsd:import namespace="http://purl.org/dc/terms/" schemaLocation="http://dublincore.org/schemas/xmls/qdc/2003/04/02/dcterms.xsd"/>
-    <xsd:element name="coreProperties" type="CT_coreProperties"/>
-    <xsd:complexType name="CT_coreProperties">
-      <xsd:all>
-        <xsd:element ref="dc:creator" minOccurs="0" maxOccurs="1"/>
-        <xsd:element ref="dcterms:created" minOccurs="0" maxOccurs="1"/>
-        <xsd:element ref="dc:identifier" minOccurs="0" maxOccurs="1"/>
-        <xsd:element name="contentType" minOccurs="0" maxOccurs="1" type="xsd:string" ma:index="22" ma:displayName="Content Type"/>
-        <xsd:element ref="dc:title" minOccurs="0" maxOccurs="1" ma:index="127" ma:displayName="Title"/>
-        <xsd:element ref="dc:subject" minOccurs="0" maxOccurs="1"/>
-        <xsd:element ref="dc:description" minOccurs="0" maxOccurs="1"/>
-        <xsd:element name="keywords" minOccurs="0" maxOccurs="1" type="xsd:string"/>
-        <xsd:element ref="dc:language" minOccurs="0" maxOccurs="1"/>
-        <xsd:element name="category" minOccurs="0" maxOccurs="1" type="xsd:string"/>
-        <xsd:element name="version" minOccurs="0" maxOccurs="1" type="xsd:string"/>
-        <xsd:element name="revision" minOccurs="0" maxOccurs="1" type="xsd:string">
-          <xsd:annotation>
-            <xsd:documentation>
-                        This value indicates the number of saves or revisions. The application is responsible for updating this value after each revision.
-                    </xsd:documentation>
-          </xsd:annotation>
-        </xsd:element>
-        <xsd:element name="lastModifiedBy" minOccurs="0" maxOccurs="1" type="xsd:string"/>
-        <xsd:element ref="dcterms:modified" minOccurs="0" maxOccurs="1"/>
-        <xsd:element name="contentStatus" minOccurs="0" maxOccurs="1" type="xsd:string"/>
-      </xsd:all>
-    </xsd:complexType>
-  </xsd:schema>
-  <xs:schema xmlns:pc="http://schemas.microsoft.com/office/infopath/2007/PartnerControls" xmlns:xs="http://www.w3.org/2001/XMLSchema" targetNamespace="http://schemas.microsoft.com/office/infopath/2007/PartnerControls" elementFormDefault="qualified" attributeFormDefault="unqualified">
-    <xs:element name="Person">
-      <xs:complexType>
-        <xs:sequence>
-          <xs:element ref="pc:DisplayName" minOccurs="0"/>
-          <xs:element ref="pc:AccountId" minOccurs="0"/>
-          <xs:element ref="pc:AccountType" minOccurs="0"/>
-        </xs:sequence>
-      </xs:complexType>
-    </xs:element>
-    <xs:element name="DisplayName" type="xs:string"/>
-    <xs:element name="AccountId" type="xs:string"/>
-    <xs:element name="AccountType" type="xs:string"/>
-    <xs:element name="BDCAssociatedEntity">
-      <xs:complexType>
-        <xs:sequence>
-          <xs:element ref="pc:BDCEntity" minOccurs="0" maxOccurs="unbounded"/>
-        </xs:sequence>
-        <xs:attribute ref="pc:EntityNamespace"/>
-        <xs:attribute ref="pc:EntityName"/>
-        <xs:attribute ref="pc:SystemInstanceName"/>
-        <xs:attribute ref="pc:AssociationName"/>
-      </xs:complexType>
-    </xs:element>
-    <xs:attribute name="EntityNamespace" type="xs:string"/>
-    <xs:attribute name="EntityName" type="xs:string"/>
-    <xs:attribute name="SystemInstanceName" type="xs:string"/>
-    <xs:attribute name="AssociationName" type="xs:string"/>
-    <xs:element name="BDCEntity">
-      <xs:complexType>
-        <xs:sequence>
-          <xs:element ref="pc:EntityDisplayName" minOccurs="0"/>
-          <xs:element ref="pc:EntityInstanceReference" minOccurs="0"/>
-          <xs:element ref="pc:EntityId1" minOccurs="0"/>
-          <xs:element ref="pc:EntityId2" minOccurs="0"/>
-          <xs:element ref="pc:EntityId3" minOccurs="0"/>
-          <xs:element ref="pc:EntityId4" minOccurs="0"/>
-          <xs:element ref="pc:EntityId5" minOccurs="0"/>
-        </xs:sequence>
-      </xs:complexType>
-    </xs:element>
-    <xs:element name="EntityDisplayName" type="xs:string"/>
-    <xs:element name="EntityInstanceReference" type="xs:string"/>
-    <xs:element name="EntityId1" type="xs:string"/>
-    <xs:element name="EntityId2" type="xs:string"/>
-    <xs:element name="EntityId3" type="xs:string"/>
-    <xs:element name="EntityId4" type="xs:string"/>
-    <xs:element name="EntityId5" type="xs:string"/>
-    <xs:element name="Terms">
-      <xs:complexType>
-        <xs:sequence>
-          <xs:element ref="pc:TermInfo" minOccurs="0" maxOccurs="unbounded"/>
-        </xs:sequence>
-      </xs:complexType>
-    </xs:element>
-    <xs:element name="TermInfo">
-      <xs:complexType>
-        <xs:sequence>
-          <xs:element ref="pc:TermName" minOccurs="0"/>
-          <xs:element ref="pc:TermId" minOccurs="0"/>
-        </xs:sequence>
-      </xs:complexType>
-    </xs:element>
-    <xs:element name="TermName" type="xs:string"/>
-    <xs:element name="TermId" type="xs:string"/>
-  </xs:schema>
-</ct:contentTypeSchema>
-</file>
-
 <file path=customXml/item3.xml><?xml version="1.0" encoding="utf-8"?>
 <?mso-contentType ?>
 <FormTemplates xmlns="http://schemas.microsoft.com/sharepoint/v3/contenttype/forms">
@@ -8839,23 +11706,6 @@
 </file>
 
 <file path=customXml/itemProps1.xml><?xml version="1.0" encoding="utf-8"?>
-<ds:datastoreItem xmlns:ds="http://schemas.openxmlformats.org/officeDocument/2006/customXml" ds:itemID="{D647BF8E-C7AD-49C2-BFFB-C5765C319574}">
-  <ds:schemaRefs>
-    <ds:schemaRef ds:uri="http://purl.org/dc/terms/"/>
-    <ds:schemaRef ds:uri="http://www.w3.org/XML/1998/namespace"/>
-    <ds:schemaRef ds:uri="64acb2c5-0a2b-4bda-bd34-58e36cbb80d2"/>
-    <ds:schemaRef ds:uri="http://schemas.openxmlformats.org/package/2006/metadata/core-properties"/>
-    <ds:schemaRef ds:uri="http://purl.org/dc/dcmitype/"/>
-    <ds:schemaRef ds:uri="http://schemas.microsoft.com/office/2006/metadata/properties"/>
-    <ds:schemaRef ds:uri="http://schemas.microsoft.com/office/2006/documentManagement/types"/>
-    <ds:schemaRef ds:uri="http://schemas.microsoft.com/office/infopath/2007/PartnerControls"/>
-    <ds:schemaRef ds:uri="6d93d202-47fc-4405-873a-cab67cc5f1b2"/>
-    <ds:schemaRef ds:uri="http://purl.org/dc/elements/1.1/"/>
-  </ds:schemaRefs>
-</ds:datastoreItem>
-</file>
-
-<file path=customXml/itemProps2.xml><?xml version="1.0" encoding="utf-8"?>
 <ds:datastoreItem xmlns:ds="http://schemas.openxmlformats.org/officeDocument/2006/customXml" ds:itemID="{64158805-5224-4F10-B3CA-CF0A252F8840}">
   <ds:schemaRefs>
     <ds:schemaRef ds:uri="http://schemas.microsoft.com/office/2006/metadata/contentType"/>
@@ -8874,6 +11724,23 @@
 </ds:datastoreItem>
 </file>
 
+<file path=customXml/itemProps2.xml><?xml version="1.0" encoding="utf-8"?>
+<ds:datastoreItem xmlns:ds="http://schemas.openxmlformats.org/officeDocument/2006/customXml" ds:itemID="{D647BF8E-C7AD-49C2-BFFB-C5765C319574}">
+  <ds:schemaRefs>
+    <ds:schemaRef ds:uri="http://purl.org/dc/terms/"/>
+    <ds:schemaRef ds:uri="http://www.w3.org/XML/1998/namespace"/>
+    <ds:schemaRef ds:uri="64acb2c5-0a2b-4bda-bd34-58e36cbb80d2"/>
+    <ds:schemaRef ds:uri="http://schemas.openxmlformats.org/package/2006/metadata/core-properties"/>
+    <ds:schemaRef ds:uri="http://purl.org/dc/dcmitype/"/>
+    <ds:schemaRef ds:uri="http://schemas.microsoft.com/office/2006/metadata/properties"/>
+    <ds:schemaRef ds:uri="http://schemas.microsoft.com/office/2006/documentManagement/types"/>
+    <ds:schemaRef ds:uri="http://schemas.microsoft.com/office/infopath/2007/PartnerControls"/>
+    <ds:schemaRef ds:uri="6d93d202-47fc-4405-873a-cab67cc5f1b2"/>
+    <ds:schemaRef ds:uri="http://purl.org/dc/elements/1.1/"/>
+  </ds:schemaRefs>
+</ds:datastoreItem>
+</file>
+
 <file path=customXml/itemProps3.xml><?xml version="1.0" encoding="utf-8"?>
 <ds:datastoreItem xmlns:ds="http://schemas.openxmlformats.org/officeDocument/2006/customXml" ds:itemID="{CD5C41E8-B092-4922-A6CC-2AB24793D827}">
   <ds:schemaRefs>
